--- a/Customer Churn.pptx
+++ b/Customer Churn.pptx
@@ -4,16 +4,24 @@
   <p:sldMasterIdLst>
     <p:sldMasterId id="2147483648" r:id="rId1"/>
   </p:sldMasterIdLst>
+  <p:notesMasterIdLst>
+    <p:notesMasterId r:id="rId16"/>
+  </p:notesMasterIdLst>
   <p:sldIdLst>
     <p:sldId id="256" r:id="rId2"/>
     <p:sldId id="265" r:id="rId3"/>
-    <p:sldId id="261" r:id="rId4"/>
-    <p:sldId id="262" r:id="rId5"/>
-    <p:sldId id="269" r:id="rId6"/>
-    <p:sldId id="266" r:id="rId7"/>
-    <p:sldId id="263" r:id="rId8"/>
-    <p:sldId id="264" r:id="rId9"/>
-    <p:sldId id="270" r:id="rId10"/>
+    <p:sldId id="279" r:id="rId4"/>
+    <p:sldId id="286" r:id="rId5"/>
+    <p:sldId id="282" r:id="rId6"/>
+    <p:sldId id="284" r:id="rId7"/>
+    <p:sldId id="285" r:id="rId8"/>
+    <p:sldId id="283" r:id="rId9"/>
+    <p:sldId id="266" r:id="rId10"/>
+    <p:sldId id="280" r:id="rId11"/>
+    <p:sldId id="278" r:id="rId12"/>
+    <p:sldId id="287" r:id="rId13"/>
+    <p:sldId id="281" r:id="rId14"/>
+    <p:sldId id="288" r:id="rId15"/>
   </p:sldIdLst>
   <p:sldSz cx="12192000" cy="6858000"/>
   <p:notesSz cx="6858000" cy="9144000"/>
@@ -112,7 +120,371 @@
       </a:defRPr>
     </a:lvl9pPr>
   </p:defaultTextStyle>
+  <p:extLst>
+    <p:ext uri="{EFAFB233-063F-42B5-8137-9DF3F51BA10A}">
+      <p15:sldGuideLst xmlns:p15="http://schemas.microsoft.com/office/powerpoint/2012/main"/>
+    </p:ext>
+  </p:extLst>
 </p:presentation>
+</file>
+
+<file path=ppt/revisionInfo.xml><?xml version="1.0" encoding="utf-8"?>
+<p1510:revInfo xmlns:a="http://schemas.openxmlformats.org/drawingml/2006/main" xmlns:r="http://schemas.openxmlformats.org/officeDocument/2006/relationships" xmlns:p1510="http://schemas.microsoft.com/office/powerpoint/2015/10/main">
+  <p1510:revLst>
+    <p1510:client id="{45902353-8814-4D75-B4A6-578F5BA36B0F}" v="883" dt="2023-09-29T01:20:12.017"/>
+    <p1510:client id="{8A324E48-FD94-4108-BE2E-093B8596DCBD}" v="95" dt="2023-09-28T21:10:54.072"/>
+    <p1510:client id="{BA66BB83-77F5-471D-B9DA-7D56935358A9}" v="331" vWet="332" dt="2023-09-29T01:03:06.989"/>
+  </p1510:revLst>
+</p1510:revInfo>
+</file>
+
+<file path=ppt/notesMasters/notesMaster1.xml><?xml version="1.0" encoding="utf-8"?>
+<p:notesMaster xmlns:a="http://schemas.openxmlformats.org/drawingml/2006/main" xmlns:r="http://schemas.openxmlformats.org/officeDocument/2006/relationships" xmlns:p="http://schemas.openxmlformats.org/presentationml/2006/main">
+  <p:cSld>
+    <p:bg>
+      <p:bgRef idx="1001">
+        <a:schemeClr val="bg1"/>
+      </p:bgRef>
+    </p:bg>
+    <p:spTree>
+      <p:nvGrpSpPr>
+        <p:cNvPr id="1" name=""/>
+        <p:cNvGrpSpPr/>
+        <p:nvPr/>
+      </p:nvGrpSpPr>
+      <p:grpSpPr>
+        <a:xfrm>
+          <a:off x="0" y="0"/>
+          <a:ext cx="0" cy="0"/>
+          <a:chOff x="0" y="0"/>
+          <a:chExt cx="0" cy="0"/>
+        </a:xfrm>
+      </p:grpSpPr>
+      <p:sp>
+        <p:nvSpPr>
+          <p:cNvPr id="2" name="Header Placeholder 1"/>
+          <p:cNvSpPr>
+            <a:spLocks noGrp="1"/>
+          </p:cNvSpPr>
+          <p:nvPr>
+            <p:ph type="hdr" sz="quarter"/>
+          </p:nvPr>
+        </p:nvSpPr>
+        <p:spPr>
+          <a:xfrm>
+            <a:off x="0" y="0"/>
+            <a:ext cx="2971800" cy="458788"/>
+          </a:xfrm>
+          <a:prstGeom prst="rect">
+            <a:avLst/>
+          </a:prstGeom>
+        </p:spPr>
+        <p:txBody>
+          <a:bodyPr vert="horz" lIns="91440" tIns="45720" rIns="91440" bIns="45720" rtlCol="0"/>
+          <a:lstStyle>
+            <a:lvl1pPr algn="l">
+              <a:defRPr sz="1200"/>
+            </a:lvl1pPr>
+          </a:lstStyle>
+          <a:p>
+            <a:endParaRPr lang="en-US"/>
+          </a:p>
+        </p:txBody>
+      </p:sp>
+      <p:sp>
+        <p:nvSpPr>
+          <p:cNvPr id="3" name="Date Placeholder 2"/>
+          <p:cNvSpPr>
+            <a:spLocks noGrp="1"/>
+          </p:cNvSpPr>
+          <p:nvPr>
+            <p:ph type="dt" idx="1"/>
+          </p:nvPr>
+        </p:nvSpPr>
+        <p:spPr>
+          <a:xfrm>
+            <a:off x="3884613" y="0"/>
+            <a:ext cx="2971800" cy="458788"/>
+          </a:xfrm>
+          <a:prstGeom prst="rect">
+            <a:avLst/>
+          </a:prstGeom>
+        </p:spPr>
+        <p:txBody>
+          <a:bodyPr vert="horz" lIns="91440" tIns="45720" rIns="91440" bIns="45720" rtlCol="0"/>
+          <a:lstStyle>
+            <a:lvl1pPr algn="r">
+              <a:defRPr sz="1200"/>
+            </a:lvl1pPr>
+          </a:lstStyle>
+          <a:p>
+            <a:fld id="{6AFFA8E4-DBFF-4969-854A-D336A01BFD8A}" type="datetimeFigureOut">
+              <a:rPr lang="en-US" smtClean="0"/>
+              <a:t>9/27/2023</a:t>
+            </a:fld>
+            <a:endParaRPr lang="en-US"/>
+          </a:p>
+        </p:txBody>
+      </p:sp>
+      <p:sp>
+        <p:nvSpPr>
+          <p:cNvPr id="4" name="Slide Image Placeholder 3"/>
+          <p:cNvSpPr>
+            <a:spLocks noGrp="1" noRot="1" noChangeAspect="1"/>
+          </p:cNvSpPr>
+          <p:nvPr>
+            <p:ph type="sldImg" idx="2"/>
+          </p:nvPr>
+        </p:nvSpPr>
+        <p:spPr>
+          <a:xfrm>
+            <a:off x="685800" y="1143000"/>
+            <a:ext cx="5486400" cy="3086100"/>
+          </a:xfrm>
+          <a:prstGeom prst="rect">
+            <a:avLst/>
+          </a:prstGeom>
+          <a:noFill/>
+          <a:ln w="12700">
+            <a:solidFill>
+              <a:prstClr val="black"/>
+            </a:solidFill>
+          </a:ln>
+        </p:spPr>
+        <p:txBody>
+          <a:bodyPr vert="horz" lIns="91440" tIns="45720" rIns="91440" bIns="45720" rtlCol="0" anchor="ctr"/>
+          <a:lstStyle/>
+          <a:p>
+            <a:endParaRPr lang="en-US"/>
+          </a:p>
+        </p:txBody>
+      </p:sp>
+      <p:sp>
+        <p:nvSpPr>
+          <p:cNvPr id="5" name="Notes Placeholder 4"/>
+          <p:cNvSpPr>
+            <a:spLocks noGrp="1"/>
+          </p:cNvSpPr>
+          <p:nvPr>
+            <p:ph type="body" sz="quarter" idx="3"/>
+          </p:nvPr>
+        </p:nvSpPr>
+        <p:spPr>
+          <a:xfrm>
+            <a:off x="685800" y="4400550"/>
+            <a:ext cx="5486400" cy="3600450"/>
+          </a:xfrm>
+          <a:prstGeom prst="rect">
+            <a:avLst/>
+          </a:prstGeom>
+        </p:spPr>
+        <p:txBody>
+          <a:bodyPr vert="horz" lIns="91440" tIns="45720" rIns="91440" bIns="45720" rtlCol="0"/>
+          <a:lstStyle/>
+          <a:p>
+            <a:pPr lvl="0"/>
+            <a:r>
+              <a:rPr lang="en-US"/>
+              <a:t>Click to edit Master text styles</a:t>
+            </a:r>
+          </a:p>
+          <a:p>
+            <a:pPr lvl="1"/>
+            <a:r>
+              <a:rPr lang="en-US"/>
+              <a:t>Second level</a:t>
+            </a:r>
+          </a:p>
+          <a:p>
+            <a:pPr lvl="2"/>
+            <a:r>
+              <a:rPr lang="en-US"/>
+              <a:t>Third level</a:t>
+            </a:r>
+          </a:p>
+          <a:p>
+            <a:pPr lvl="3"/>
+            <a:r>
+              <a:rPr lang="en-US"/>
+              <a:t>Fourth level</a:t>
+            </a:r>
+          </a:p>
+          <a:p>
+            <a:pPr lvl="4"/>
+            <a:r>
+              <a:rPr lang="en-US"/>
+              <a:t>Fifth level</a:t>
+            </a:r>
+          </a:p>
+        </p:txBody>
+      </p:sp>
+      <p:sp>
+        <p:nvSpPr>
+          <p:cNvPr id="6" name="Footer Placeholder 5"/>
+          <p:cNvSpPr>
+            <a:spLocks noGrp="1"/>
+          </p:cNvSpPr>
+          <p:nvPr>
+            <p:ph type="ftr" sz="quarter" idx="4"/>
+          </p:nvPr>
+        </p:nvSpPr>
+        <p:spPr>
+          <a:xfrm>
+            <a:off x="0" y="8685213"/>
+            <a:ext cx="2971800" cy="458787"/>
+          </a:xfrm>
+          <a:prstGeom prst="rect">
+            <a:avLst/>
+          </a:prstGeom>
+        </p:spPr>
+        <p:txBody>
+          <a:bodyPr vert="horz" lIns="91440" tIns="45720" rIns="91440" bIns="45720" rtlCol="0" anchor="b"/>
+          <a:lstStyle>
+            <a:lvl1pPr algn="l">
+              <a:defRPr sz="1200"/>
+            </a:lvl1pPr>
+          </a:lstStyle>
+          <a:p>
+            <a:endParaRPr lang="en-US"/>
+          </a:p>
+        </p:txBody>
+      </p:sp>
+      <p:sp>
+        <p:nvSpPr>
+          <p:cNvPr id="7" name="Slide Number Placeholder 6"/>
+          <p:cNvSpPr>
+            <a:spLocks noGrp="1"/>
+          </p:cNvSpPr>
+          <p:nvPr>
+            <p:ph type="sldNum" sz="quarter" idx="5"/>
+          </p:nvPr>
+        </p:nvSpPr>
+        <p:spPr>
+          <a:xfrm>
+            <a:off x="3884613" y="8685213"/>
+            <a:ext cx="2971800" cy="458787"/>
+          </a:xfrm>
+          <a:prstGeom prst="rect">
+            <a:avLst/>
+          </a:prstGeom>
+        </p:spPr>
+        <p:txBody>
+          <a:bodyPr vert="horz" lIns="91440" tIns="45720" rIns="91440" bIns="45720" rtlCol="0" anchor="b"/>
+          <a:lstStyle>
+            <a:lvl1pPr algn="r">
+              <a:defRPr sz="1200"/>
+            </a:lvl1pPr>
+          </a:lstStyle>
+          <a:p>
+            <a:fld id="{B28CAA86-8068-4735-A169-DEAA3C8077E9}" type="slidenum">
+              <a:rPr lang="en-US" smtClean="0"/>
+              <a:t>‹#›</a:t>
+            </a:fld>
+            <a:endParaRPr lang="en-US"/>
+          </a:p>
+        </p:txBody>
+      </p:sp>
+    </p:spTree>
+    <p:extLst>
+      <p:ext uri="{BB962C8B-B14F-4D97-AF65-F5344CB8AC3E}">
+        <p14:creationId xmlns:p14="http://schemas.microsoft.com/office/powerpoint/2010/main" val="2879282518"/>
+      </p:ext>
+    </p:extLst>
+  </p:cSld>
+  <p:clrMap bg1="lt1" tx1="dk1" bg2="lt2" tx2="dk2" accent1="accent1" accent2="accent2" accent3="accent3" accent4="accent4" accent5="accent5" accent6="accent6" hlink="hlink" folHlink="folHlink"/>
+  <p:notesStyle>
+    <a:lvl1pPr marL="0" algn="l" defTabSz="914400" rtl="0" eaLnBrk="1" latinLnBrk="0" hangingPunct="1">
+      <a:defRPr sz="1200" kern="1200">
+        <a:solidFill>
+          <a:schemeClr val="tx1"/>
+        </a:solidFill>
+        <a:latin typeface="+mn-lt"/>
+        <a:ea typeface="+mn-ea"/>
+        <a:cs typeface="+mn-cs"/>
+      </a:defRPr>
+    </a:lvl1pPr>
+    <a:lvl2pPr marL="457200" algn="l" defTabSz="914400" rtl="0" eaLnBrk="1" latinLnBrk="0" hangingPunct="1">
+      <a:defRPr sz="1200" kern="1200">
+        <a:solidFill>
+          <a:schemeClr val="tx1"/>
+        </a:solidFill>
+        <a:latin typeface="+mn-lt"/>
+        <a:ea typeface="+mn-ea"/>
+        <a:cs typeface="+mn-cs"/>
+      </a:defRPr>
+    </a:lvl2pPr>
+    <a:lvl3pPr marL="914400" algn="l" defTabSz="914400" rtl="0" eaLnBrk="1" latinLnBrk="0" hangingPunct="1">
+      <a:defRPr sz="1200" kern="1200">
+        <a:solidFill>
+          <a:schemeClr val="tx1"/>
+        </a:solidFill>
+        <a:latin typeface="+mn-lt"/>
+        <a:ea typeface="+mn-ea"/>
+        <a:cs typeface="+mn-cs"/>
+      </a:defRPr>
+    </a:lvl3pPr>
+    <a:lvl4pPr marL="1371600" algn="l" defTabSz="914400" rtl="0" eaLnBrk="1" latinLnBrk="0" hangingPunct="1">
+      <a:defRPr sz="1200" kern="1200">
+        <a:solidFill>
+          <a:schemeClr val="tx1"/>
+        </a:solidFill>
+        <a:latin typeface="+mn-lt"/>
+        <a:ea typeface="+mn-ea"/>
+        <a:cs typeface="+mn-cs"/>
+      </a:defRPr>
+    </a:lvl4pPr>
+    <a:lvl5pPr marL="1828800" algn="l" defTabSz="914400" rtl="0" eaLnBrk="1" latinLnBrk="0" hangingPunct="1">
+      <a:defRPr sz="1200" kern="1200">
+        <a:solidFill>
+          <a:schemeClr val="tx1"/>
+        </a:solidFill>
+        <a:latin typeface="+mn-lt"/>
+        <a:ea typeface="+mn-ea"/>
+        <a:cs typeface="+mn-cs"/>
+      </a:defRPr>
+    </a:lvl5pPr>
+    <a:lvl6pPr marL="2286000" algn="l" defTabSz="914400" rtl="0" eaLnBrk="1" latinLnBrk="0" hangingPunct="1">
+      <a:defRPr sz="1200" kern="1200">
+        <a:solidFill>
+          <a:schemeClr val="tx1"/>
+        </a:solidFill>
+        <a:latin typeface="+mn-lt"/>
+        <a:ea typeface="+mn-ea"/>
+        <a:cs typeface="+mn-cs"/>
+      </a:defRPr>
+    </a:lvl6pPr>
+    <a:lvl7pPr marL="2743200" algn="l" defTabSz="914400" rtl="0" eaLnBrk="1" latinLnBrk="0" hangingPunct="1">
+      <a:defRPr sz="1200" kern="1200">
+        <a:solidFill>
+          <a:schemeClr val="tx1"/>
+        </a:solidFill>
+        <a:latin typeface="+mn-lt"/>
+        <a:ea typeface="+mn-ea"/>
+        <a:cs typeface="+mn-cs"/>
+      </a:defRPr>
+    </a:lvl7pPr>
+    <a:lvl8pPr marL="3200400" algn="l" defTabSz="914400" rtl="0" eaLnBrk="1" latinLnBrk="0" hangingPunct="1">
+      <a:defRPr sz="1200" kern="1200">
+        <a:solidFill>
+          <a:schemeClr val="tx1"/>
+        </a:solidFill>
+        <a:latin typeface="+mn-lt"/>
+        <a:ea typeface="+mn-ea"/>
+        <a:cs typeface="+mn-cs"/>
+      </a:defRPr>
+    </a:lvl8pPr>
+    <a:lvl9pPr marL="3657600" algn="l" defTabSz="914400" rtl="0" eaLnBrk="1" latinLnBrk="0" hangingPunct="1">
+      <a:defRPr sz="1200" kern="1200">
+        <a:solidFill>
+          <a:schemeClr val="tx1"/>
+        </a:solidFill>
+        <a:latin typeface="+mn-lt"/>
+        <a:ea typeface="+mn-ea"/>
+        <a:cs typeface="+mn-cs"/>
+      </a:defRPr>
+    </a:lvl9pPr>
+  </p:notesStyle>
+</p:notesMaster>
 </file>
 
 <file path=ppt/slideLayouts/slideLayout1.xml><?xml version="1.0" encoding="utf-8"?>
@@ -262,7 +634,7 @@
           <a:p>
             <a:fld id="{44886B8C-6D6C-4C77-83AC-EF3BF9D2BAB1}" type="datetimeFigureOut">
               <a:rPr lang="en-US" smtClean="0"/>
-              <a:t>9/25/2023</a:t>
+              <a:t>9/27/2023</a:t>
             </a:fld>
             <a:endParaRPr lang="en-US"/>
           </a:p>
@@ -460,7 +832,7 @@
           <a:p>
             <a:fld id="{44886B8C-6D6C-4C77-83AC-EF3BF9D2BAB1}" type="datetimeFigureOut">
               <a:rPr lang="en-US" smtClean="0"/>
-              <a:t>9/25/2023</a:t>
+              <a:t>9/27/2023</a:t>
             </a:fld>
             <a:endParaRPr lang="en-US"/>
           </a:p>
@@ -668,7 +1040,7 @@
           <a:p>
             <a:fld id="{44886B8C-6D6C-4C77-83AC-EF3BF9D2BAB1}" type="datetimeFigureOut">
               <a:rPr lang="en-US" smtClean="0"/>
-              <a:t>9/25/2023</a:t>
+              <a:t>9/27/2023</a:t>
             </a:fld>
             <a:endParaRPr lang="en-US"/>
           </a:p>
@@ -866,7 +1238,7 @@
           <a:p>
             <a:fld id="{44886B8C-6D6C-4C77-83AC-EF3BF9D2BAB1}" type="datetimeFigureOut">
               <a:rPr lang="en-US" smtClean="0"/>
-              <a:t>9/25/2023</a:t>
+              <a:t>9/27/2023</a:t>
             </a:fld>
             <a:endParaRPr lang="en-US"/>
           </a:p>
@@ -1141,7 +1513,7 @@
           <a:p>
             <a:fld id="{44886B8C-6D6C-4C77-83AC-EF3BF9D2BAB1}" type="datetimeFigureOut">
               <a:rPr lang="en-US" smtClean="0"/>
-              <a:t>9/25/2023</a:t>
+              <a:t>9/27/2023</a:t>
             </a:fld>
             <a:endParaRPr lang="en-US"/>
           </a:p>
@@ -1406,7 +1778,7 @@
           <a:p>
             <a:fld id="{44886B8C-6D6C-4C77-83AC-EF3BF9D2BAB1}" type="datetimeFigureOut">
               <a:rPr lang="en-US" smtClean="0"/>
-              <a:t>9/25/2023</a:t>
+              <a:t>9/27/2023</a:t>
             </a:fld>
             <a:endParaRPr lang="en-US"/>
           </a:p>
@@ -1818,7 +2190,7 @@
           <a:p>
             <a:fld id="{44886B8C-6D6C-4C77-83AC-EF3BF9D2BAB1}" type="datetimeFigureOut">
               <a:rPr lang="en-US" smtClean="0"/>
-              <a:t>9/25/2023</a:t>
+              <a:t>9/27/2023</a:t>
             </a:fld>
             <a:endParaRPr lang="en-US"/>
           </a:p>
@@ -1959,7 +2331,7 @@
           <a:p>
             <a:fld id="{44886B8C-6D6C-4C77-83AC-EF3BF9D2BAB1}" type="datetimeFigureOut">
               <a:rPr lang="en-US" smtClean="0"/>
-              <a:t>9/25/2023</a:t>
+              <a:t>9/27/2023</a:t>
             </a:fld>
             <a:endParaRPr lang="en-US"/>
           </a:p>
@@ -2072,7 +2444,7 @@
           <a:p>
             <a:fld id="{44886B8C-6D6C-4C77-83AC-EF3BF9D2BAB1}" type="datetimeFigureOut">
               <a:rPr lang="en-US" smtClean="0"/>
-              <a:t>9/25/2023</a:t>
+              <a:t>9/27/2023</a:t>
             </a:fld>
             <a:endParaRPr lang="en-US"/>
           </a:p>
@@ -2383,7 +2755,7 @@
           <a:p>
             <a:fld id="{44886B8C-6D6C-4C77-83AC-EF3BF9D2BAB1}" type="datetimeFigureOut">
               <a:rPr lang="en-US" smtClean="0"/>
-              <a:t>9/25/2023</a:t>
+              <a:t>9/27/2023</a:t>
             </a:fld>
             <a:endParaRPr lang="en-US"/>
           </a:p>
@@ -2671,7 +3043,7 @@
           <a:p>
             <a:fld id="{44886B8C-6D6C-4C77-83AC-EF3BF9D2BAB1}" type="datetimeFigureOut">
               <a:rPr lang="en-US" smtClean="0"/>
-              <a:t>9/25/2023</a:t>
+              <a:t>9/27/2023</a:t>
             </a:fld>
             <a:endParaRPr lang="en-US"/>
           </a:p>
@@ -2912,7 +3284,7 @@
           <a:p>
             <a:fld id="{44886B8C-6D6C-4C77-83AC-EF3BF9D2BAB1}" type="datetimeFigureOut">
               <a:rPr lang="en-US" smtClean="0"/>
-              <a:t>9/25/2023</a:t>
+              <a:t>9/27/2023</a:t>
             </a:fld>
             <a:endParaRPr lang="en-US"/>
           </a:p>
@@ -3358,7 +3730,7 @@
           <a:lstStyle/>
           <a:p>
             <a:r>
-              <a:rPr lang="en-US" dirty="0"/>
+              <a:rPr lang="en-US"/>
               <a:t>Customer Churn</a:t>
             </a:r>
           </a:p>
@@ -3387,12 +3759,14 @@
           </a:xfrm>
         </p:spPr>
         <p:txBody>
-          <a:bodyPr/>
+          <a:bodyPr>
+            <a:normAutofit fontScale="85000" lnSpcReduction="10000"/>
+          </a:bodyPr>
           <a:lstStyle/>
           <a:p>
             <a:r>
               <a:rPr lang="en-US" dirty="0"/>
-              <a:t>Max Glasser, </a:t>
+              <a:t>Presented By: Max Glasser, </a:t>
             </a:r>
             <a:r>
               <a:rPr lang="en-US" dirty="0" err="1"/>
@@ -3481,9 +3855,17 @@
 </p:sld>
 </file>
 
-<file path=ppt/slides/slide2.xml><?xml version="1.0" encoding="utf-8"?>
+<file path=ppt/slides/slide10.xml><?xml version="1.0" encoding="utf-8"?>
 <p:sld xmlns:a="http://schemas.openxmlformats.org/drawingml/2006/main" xmlns:r="http://schemas.openxmlformats.org/officeDocument/2006/relationships" xmlns:p="http://schemas.openxmlformats.org/presentationml/2006/main">
   <p:cSld>
+    <p:bg>
+      <p:bgPr>
+        <a:solidFill>
+          <a:schemeClr val="bg1"/>
+        </a:solidFill>
+        <a:effectLst/>
+      </p:bgPr>
+    </p:bg>
     <p:spTree>
       <p:nvGrpSpPr>
         <p:cNvPr id="1" name=""/>
@@ -3498,45 +3880,1165 @@
           <a:chExt cx="0" cy="0"/>
         </a:xfrm>
       </p:grpSpPr>
+      <p:grpSp>
+        <p:nvGrpSpPr>
+          <p:cNvPr id="17" name="Group 16">
+            <a:extLst>
+              <a:ext uri="{FF2B5EF4-FFF2-40B4-BE49-F238E27FC236}">
+                <a16:creationId xmlns:a16="http://schemas.microsoft.com/office/drawing/2014/main" id="{1E5539EC-8CB8-002F-68C6-678840282659}"/>
+              </a:ext>
+              <a:ext uri="{C183D7F6-B498-43B3-948B-1728B52AA6E4}">
+                <adec:decorative xmlns:adec="http://schemas.microsoft.com/office/drawing/2017/decorative" val="1"/>
+              </a:ext>
+            </a:extLst>
+          </p:cNvPr>
+          <p:cNvGrpSpPr>
+            <a:grpSpLocks noGrp="1" noUngrp="1" noRot="1" noChangeAspect="1" noMove="1" noResize="1"/>
+          </p:cNvGrpSpPr>
+          <p:nvPr>
+            <p:extLst>
+              <p:ext uri="{386F3935-93C4-4BCD-93E2-E3B085C9AB24}">
+                <p16:designElem xmlns:p16="http://schemas.microsoft.com/office/powerpoint/2015/main" val="1"/>
+              </p:ext>
+            </p:extLst>
+          </p:nvPr>
+        </p:nvGrpSpPr>
+        <p:grpSpPr>
+          <a:xfrm>
+            <a:off x="-1" y="-29768"/>
+            <a:ext cx="12202175" cy="1519356"/>
+            <a:chOff x="-1" y="-29768"/>
+            <a:chExt cx="12202175" cy="1519356"/>
+          </a:xfrm>
+        </p:grpSpPr>
+        <p:sp>
+          <p:nvSpPr>
+            <p:cNvPr id="18" name="Rectangle 17">
+              <a:extLst>
+                <a:ext uri="{FF2B5EF4-FFF2-40B4-BE49-F238E27FC236}">
+                  <a16:creationId xmlns:a16="http://schemas.microsoft.com/office/drawing/2014/main" id="{6C5D55A6-9EFD-CDA3-20CC-A99812CE1ABC}"/>
+                </a:ext>
+                <a:ext uri="{C183D7F6-B498-43B3-948B-1728B52AA6E4}">
+                  <adec:decorative xmlns:adec="http://schemas.microsoft.com/office/drawing/2017/decorative" val="1"/>
+                </a:ext>
+              </a:extLst>
+            </p:cNvPr>
+            <p:cNvSpPr/>
+            <p:nvPr>
+              <p:extLst>
+                <p:ext uri="{386F3935-93C4-4BCD-93E2-E3B085C9AB24}">
+                  <p16:designElem xmlns:p16="http://schemas.microsoft.com/office/powerpoint/2015/main" val="1"/>
+                </p:ext>
+              </p:extLst>
+            </p:nvPr>
+          </p:nvSpPr>
+          <p:spPr>
+            <a:xfrm rot="16200000">
+              <a:off x="5341412" y="-5371175"/>
+              <a:ext cx="1519350" cy="12202174"/>
+            </a:xfrm>
+            <a:prstGeom prst="rect">
+              <a:avLst/>
+            </a:prstGeom>
+            <a:gradFill>
+              <a:gsLst>
+                <a:gs pos="0">
+                  <a:schemeClr val="accent5"/>
+                </a:gs>
+                <a:gs pos="100000">
+                  <a:schemeClr val="accent2"/>
+                </a:gs>
+              </a:gsLst>
+              <a:lin ang="10200000" scaled="0"/>
+            </a:gradFill>
+            <a:ln>
+              <a:noFill/>
+            </a:ln>
+          </p:spPr>
+          <p:style>
+            <a:lnRef idx="2">
+              <a:schemeClr val="accent1">
+                <a:shade val="50000"/>
+              </a:schemeClr>
+            </a:lnRef>
+            <a:fillRef idx="1">
+              <a:schemeClr val="accent1"/>
+            </a:fillRef>
+            <a:effectRef idx="0">
+              <a:schemeClr val="accent1"/>
+            </a:effectRef>
+            <a:fontRef idx="minor">
+              <a:schemeClr val="lt1"/>
+            </a:fontRef>
+          </p:style>
+          <p:txBody>
+            <a:bodyPr rtlCol="0" anchor="ctr"/>
+            <a:lstStyle/>
+            <a:p>
+              <a:pPr algn="ctr"/>
+              <a:endParaRPr lang="en-US"/>
+            </a:p>
+          </p:txBody>
+        </p:sp>
+        <p:sp>
+          <p:nvSpPr>
+            <p:cNvPr id="19" name="Rectangle 18">
+              <a:extLst>
+                <a:ext uri="{FF2B5EF4-FFF2-40B4-BE49-F238E27FC236}">
+                  <a16:creationId xmlns:a16="http://schemas.microsoft.com/office/drawing/2014/main" id="{A5B6E73B-6DFD-AE6C-1628-DF8DC3008562}"/>
+                </a:ext>
+                <a:ext uri="{C183D7F6-B498-43B3-948B-1728B52AA6E4}">
+                  <adec:decorative xmlns:adec="http://schemas.microsoft.com/office/drawing/2017/decorative" val="1"/>
+                </a:ext>
+              </a:extLst>
+            </p:cNvPr>
+            <p:cNvSpPr/>
+            <p:nvPr>
+              <p:extLst>
+                <p:ext uri="{386F3935-93C4-4BCD-93E2-E3B085C9AB24}">
+                  <p16:designElem xmlns:p16="http://schemas.microsoft.com/office/powerpoint/2015/main" val="1"/>
+                </p:ext>
+              </p:extLst>
+            </p:nvPr>
+          </p:nvSpPr>
+          <p:spPr>
+            <a:xfrm rot="16200000">
+              <a:off x="8917093" y="-1801610"/>
+              <a:ext cx="1507122" cy="5063040"/>
+            </a:xfrm>
+            <a:prstGeom prst="rect">
+              <a:avLst/>
+            </a:prstGeom>
+            <a:gradFill>
+              <a:gsLst>
+                <a:gs pos="59000">
+                  <a:schemeClr val="accent5">
+                    <a:lumMod val="60000"/>
+                    <a:lumOff val="40000"/>
+                    <a:alpha val="0"/>
+                  </a:schemeClr>
+                </a:gs>
+                <a:gs pos="100000">
+                  <a:schemeClr val="accent5">
+                    <a:lumMod val="60000"/>
+                    <a:lumOff val="40000"/>
+                  </a:schemeClr>
+                </a:gs>
+              </a:gsLst>
+              <a:lin ang="1200000" scaled="0"/>
+            </a:gradFill>
+            <a:ln>
+              <a:noFill/>
+            </a:ln>
+          </p:spPr>
+          <p:style>
+            <a:lnRef idx="2">
+              <a:schemeClr val="accent1">
+                <a:shade val="50000"/>
+              </a:schemeClr>
+            </a:lnRef>
+            <a:fillRef idx="1">
+              <a:schemeClr val="accent1"/>
+            </a:fillRef>
+            <a:effectRef idx="0">
+              <a:schemeClr val="accent1"/>
+            </a:effectRef>
+            <a:fontRef idx="minor">
+              <a:schemeClr val="lt1"/>
+            </a:fontRef>
+          </p:style>
+          <p:txBody>
+            <a:bodyPr rtlCol="0" anchor="ctr"/>
+            <a:lstStyle/>
+            <a:p>
+              <a:pPr algn="ctr"/>
+              <a:endParaRPr lang="en-US"/>
+            </a:p>
+          </p:txBody>
+        </p:sp>
+        <p:sp>
+          <p:nvSpPr>
+            <p:cNvPr id="20" name="Rectangle 19">
+              <a:extLst>
+                <a:ext uri="{FF2B5EF4-FFF2-40B4-BE49-F238E27FC236}">
+                  <a16:creationId xmlns:a16="http://schemas.microsoft.com/office/drawing/2014/main" id="{10E00FC4-DDBC-F424-CF71-73AF7A284A68}"/>
+                </a:ext>
+                <a:ext uri="{C183D7F6-B498-43B3-948B-1728B52AA6E4}">
+                  <adec:decorative xmlns:adec="http://schemas.microsoft.com/office/drawing/2017/decorative" val="1"/>
+                </a:ext>
+              </a:extLst>
+            </p:cNvPr>
+            <p:cNvSpPr/>
+            <p:nvPr>
+              <p:extLst>
+                <p:ext uri="{386F3935-93C4-4BCD-93E2-E3B085C9AB24}">
+                  <p16:designElem xmlns:p16="http://schemas.microsoft.com/office/powerpoint/2015/main" val="1"/>
+                </p:ext>
+              </p:extLst>
+            </p:nvPr>
+          </p:nvSpPr>
+          <p:spPr>
+            <a:xfrm rot="5400000">
+              <a:off x="3100712" y="-3130481"/>
+              <a:ext cx="1519356" cy="7720782"/>
+            </a:xfrm>
+            <a:prstGeom prst="rect">
+              <a:avLst/>
+            </a:prstGeom>
+            <a:gradFill>
+              <a:gsLst>
+                <a:gs pos="29000">
+                  <a:schemeClr val="accent5">
+                    <a:lumMod val="60000"/>
+                    <a:lumOff val="40000"/>
+                    <a:alpha val="0"/>
+                  </a:schemeClr>
+                </a:gs>
+                <a:gs pos="100000">
+                  <a:schemeClr val="accent5">
+                    <a:lumMod val="75000"/>
+                  </a:schemeClr>
+                </a:gs>
+              </a:gsLst>
+              <a:lin ang="1200000" scaled="0"/>
+            </a:gradFill>
+            <a:ln>
+              <a:noFill/>
+            </a:ln>
+          </p:spPr>
+          <p:style>
+            <a:lnRef idx="2">
+              <a:schemeClr val="accent1">
+                <a:shade val="50000"/>
+              </a:schemeClr>
+            </a:lnRef>
+            <a:fillRef idx="1">
+              <a:schemeClr val="accent1"/>
+            </a:fillRef>
+            <a:effectRef idx="0">
+              <a:schemeClr val="accent1"/>
+            </a:effectRef>
+            <a:fontRef idx="minor">
+              <a:schemeClr val="lt1"/>
+            </a:fontRef>
+          </p:style>
+          <p:txBody>
+            <a:bodyPr rtlCol="0" anchor="ctr"/>
+            <a:lstStyle/>
+            <a:p>
+              <a:pPr algn="ctr"/>
+              <a:endParaRPr lang="en-US"/>
+            </a:p>
+          </p:txBody>
+        </p:sp>
+      </p:grpSp>
       <p:sp>
         <p:nvSpPr>
-          <p:cNvPr id="2" name="Title 1">
-            <a:extLst>
-              <a:ext uri="{FF2B5EF4-FFF2-40B4-BE49-F238E27FC236}">
-                <a16:creationId xmlns:a16="http://schemas.microsoft.com/office/drawing/2014/main" id="{16F1E946-040B-6700-FACE-54ED0F39DA27}"/>
-              </a:ext>
-            </a:extLst>
-          </p:cNvPr>
-          <p:cNvSpPr>
-            <a:spLocks noGrp="1"/>
-          </p:cNvSpPr>
-          <p:nvPr>
-            <p:ph type="ctrTitle"/>
-          </p:nvPr>
+          <p:cNvPr id="4" name="TextBox 3">
+            <a:extLst>
+              <a:ext uri="{FF2B5EF4-FFF2-40B4-BE49-F238E27FC236}">
+                <a16:creationId xmlns:a16="http://schemas.microsoft.com/office/drawing/2014/main" id="{520052C3-8332-88F8-1B83-FC0A850102EF}"/>
+              </a:ext>
+            </a:extLst>
+          </p:cNvPr>
+          <p:cNvSpPr txBox="1"/>
+          <p:nvPr/>
         </p:nvSpPr>
         <p:spPr>
           <a:xfrm>
-            <a:off x="1524000" y="1122363"/>
-            <a:ext cx="9144000" cy="922097"/>
+            <a:off x="876691" y="301843"/>
+            <a:ext cx="10477109" cy="1003532"/>
           </a:xfrm>
+          <a:prstGeom prst="rect">
+            <a:avLst/>
+          </a:prstGeom>
         </p:spPr>
         <p:txBody>
-          <a:bodyPr/>
+          <a:bodyPr rot="0" spcFirstLastPara="0" vertOverflow="overflow" horzOverflow="overflow" vert="horz" lIns="91440" tIns="45720" rIns="91440" bIns="45720" numCol="1" spcCol="0" rtlCol="0" fromWordArt="0" anchor="ctr" anchorCtr="0" forceAA="0" compatLnSpc="1">
+            <a:prstTxWarp prst="textNoShape">
+              <a:avLst/>
+            </a:prstTxWarp>
+            <a:normAutofit/>
+          </a:bodyPr>
           <a:lstStyle/>
           <a:p>
-            <a:r>
-              <a:rPr lang="en-US" dirty="0"/>
-              <a:t>What is Customer Churn?</a:t>
-            </a:r>
+            <a:pPr>
+              <a:lnSpc>
+                <a:spcPct val="90000"/>
+              </a:lnSpc>
+              <a:spcBef>
+                <a:spcPct val="0"/>
+              </a:spcBef>
+              <a:spcAft>
+                <a:spcPts val="600"/>
+              </a:spcAft>
+            </a:pPr>
+            <a:r>
+              <a:rPr lang="en-US" sz="3200" b="1" kern="1200">
+                <a:solidFill>
+                  <a:srgbClr val="FFFFFF"/>
+                </a:solidFill>
+                <a:latin typeface="+mj-lt"/>
+                <a:ea typeface="+mj-ea"/>
+                <a:cs typeface="+mj-cs"/>
+              </a:rPr>
+              <a:t>Data Exploration</a:t>
+            </a:r>
+          </a:p>
+        </p:txBody>
+      </p:sp>
+      <p:pic>
+        <p:nvPicPr>
+          <p:cNvPr id="2" name="Picture 1">
+            <a:extLst>
+              <a:ext uri="{FF2B5EF4-FFF2-40B4-BE49-F238E27FC236}">
+                <a16:creationId xmlns:a16="http://schemas.microsoft.com/office/drawing/2014/main" id="{ED88A3BD-96D6-71F9-11BE-2096A292EB29}"/>
+              </a:ext>
+            </a:extLst>
+          </p:cNvPr>
+          <p:cNvPicPr>
+            <a:picLocks noChangeAspect="1"/>
+          </p:cNvPicPr>
+          <p:nvPr/>
+        </p:nvPicPr>
+        <p:blipFill>
+          <a:blip r:embed="rId2"/>
+          <a:stretch>
+            <a:fillRect/>
+          </a:stretch>
+        </p:blipFill>
+        <p:spPr>
+          <a:xfrm>
+            <a:off x="6113207" y="1900791"/>
+            <a:ext cx="4918587" cy="4051934"/>
+          </a:xfrm>
+          <a:prstGeom prst="rect">
+            <a:avLst/>
+          </a:prstGeom>
+        </p:spPr>
+      </p:pic>
+      <p:pic>
+        <p:nvPicPr>
+          <p:cNvPr id="3" name="Picture 2" descr="A number of numbers on a white background&#10;&#10;Description automatically generated">
+            <a:extLst>
+              <a:ext uri="{FF2B5EF4-FFF2-40B4-BE49-F238E27FC236}">
+                <a16:creationId xmlns:a16="http://schemas.microsoft.com/office/drawing/2014/main" id="{75751831-BC74-E6BC-C3B0-EFB0B0817001}"/>
+              </a:ext>
+            </a:extLst>
+          </p:cNvPr>
+          <p:cNvPicPr>
+            <a:picLocks noChangeAspect="1"/>
+          </p:cNvPicPr>
+          <p:nvPr/>
+        </p:nvPicPr>
+        <p:blipFill>
+          <a:blip r:embed="rId3"/>
+          <a:stretch>
+            <a:fillRect/>
+          </a:stretch>
+        </p:blipFill>
+        <p:spPr>
+          <a:xfrm>
+            <a:off x="1069412" y="3760994"/>
+            <a:ext cx="3539305" cy="2187369"/>
+          </a:xfrm>
+          <a:prstGeom prst="rect">
+            <a:avLst/>
+          </a:prstGeom>
+        </p:spPr>
+      </p:pic>
+      <p:sp>
+        <p:nvSpPr>
+          <p:cNvPr id="5" name="TextBox 4">
+            <a:extLst>
+              <a:ext uri="{FF2B5EF4-FFF2-40B4-BE49-F238E27FC236}">
+                <a16:creationId xmlns:a16="http://schemas.microsoft.com/office/drawing/2014/main" id="{95064B3B-59AE-FC83-C4EC-97DC4ED784B7}"/>
+              </a:ext>
+            </a:extLst>
+          </p:cNvPr>
+          <p:cNvSpPr txBox="1"/>
+          <p:nvPr/>
+        </p:nvSpPr>
+        <p:spPr>
+          <a:xfrm>
+            <a:off x="1106129" y="1831257"/>
+            <a:ext cx="4621161" cy="1815882"/>
+          </a:xfrm>
+          <a:prstGeom prst="rect">
+            <a:avLst/>
+          </a:prstGeom>
+          <a:noFill/>
+        </p:spPr>
+        <p:txBody>
+          <a:bodyPr rot="0" spcFirstLastPara="0" vertOverflow="overflow" horzOverflow="overflow" vert="horz" wrap="square" lIns="91440" tIns="45720" rIns="91440" bIns="45720" numCol="1" spcCol="0" rtlCol="0" fromWordArt="0" anchor="t" anchorCtr="0" forceAA="0" compatLnSpc="1">
+            <a:prstTxWarp prst="textNoShape">
+              <a:avLst/>
+            </a:prstTxWarp>
+            <a:spAutoFit/>
+          </a:bodyPr>
+          <a:lstStyle/>
+          <a:p>
+            <a:r>
+              <a:rPr lang="en-US" sz="2800">
+                <a:latin typeface="Times New Roman"/>
+                <a:ea typeface="+mn-lt"/>
+                <a:cs typeface="+mn-lt"/>
+              </a:rPr>
+              <a:t>Ada Boost Classifier is the best option for mean and standard deviation of the accuracy scores. </a:t>
+            </a:r>
+            <a:endParaRPr lang="en-US" sz="2800">
+              <a:latin typeface="Times New Roman"/>
+              <a:cs typeface="Times New Roman"/>
+            </a:endParaRPr>
+          </a:p>
+        </p:txBody>
+      </p:sp>
+    </p:spTree>
+    <p:extLst>
+      <p:ext uri="{BB962C8B-B14F-4D97-AF65-F5344CB8AC3E}">
+        <p14:creationId xmlns:p14="http://schemas.microsoft.com/office/powerpoint/2010/main" val="962639800"/>
+      </p:ext>
+    </p:extLst>
+  </p:cSld>
+  <p:clrMapOvr>
+    <a:masterClrMapping/>
+  </p:clrMapOvr>
+</p:sld>
+</file>
+
+<file path=ppt/slides/slide11.xml><?xml version="1.0" encoding="utf-8"?>
+<p:sld xmlns:a="http://schemas.openxmlformats.org/drawingml/2006/main" xmlns:r="http://schemas.openxmlformats.org/officeDocument/2006/relationships" xmlns:p="http://schemas.openxmlformats.org/presentationml/2006/main">
+  <p:cSld>
+    <p:bg>
+      <p:bgPr>
+        <a:solidFill>
+          <a:schemeClr val="bg1"/>
+        </a:solidFill>
+        <a:effectLst/>
+      </p:bgPr>
+    </p:bg>
+    <p:spTree>
+      <p:nvGrpSpPr>
+        <p:cNvPr id="1" name=""/>
+        <p:cNvGrpSpPr/>
+        <p:nvPr/>
+      </p:nvGrpSpPr>
+      <p:grpSpPr>
+        <a:xfrm>
+          <a:off x="0" y="0"/>
+          <a:ext cx="0" cy="0"/>
+          <a:chOff x="0" y="0"/>
+          <a:chExt cx="0" cy="0"/>
+        </a:xfrm>
+      </p:grpSpPr>
+      <p:grpSp>
+        <p:nvGrpSpPr>
+          <p:cNvPr id="17" name="Group 16">
+            <a:extLst>
+              <a:ext uri="{FF2B5EF4-FFF2-40B4-BE49-F238E27FC236}">
+                <a16:creationId xmlns:a16="http://schemas.microsoft.com/office/drawing/2014/main" id="{1E5539EC-8CB8-002F-68C6-678840282659}"/>
+              </a:ext>
+              <a:ext uri="{C183D7F6-B498-43B3-948B-1728B52AA6E4}">
+                <adec:decorative xmlns:adec="http://schemas.microsoft.com/office/drawing/2017/decorative" val="1"/>
+              </a:ext>
+            </a:extLst>
+          </p:cNvPr>
+          <p:cNvGrpSpPr>
+            <a:grpSpLocks noGrp="1" noUngrp="1" noRot="1" noChangeAspect="1" noMove="1" noResize="1"/>
+          </p:cNvGrpSpPr>
+          <p:nvPr>
+            <p:extLst>
+              <p:ext uri="{386F3935-93C4-4BCD-93E2-E3B085C9AB24}">
+                <p16:designElem xmlns:p16="http://schemas.microsoft.com/office/powerpoint/2015/main" val="1"/>
+              </p:ext>
+            </p:extLst>
+          </p:nvPr>
+        </p:nvGrpSpPr>
+        <p:grpSpPr>
+          <a:xfrm>
+            <a:off x="-1" y="-29768"/>
+            <a:ext cx="12202175" cy="1519356"/>
+            <a:chOff x="-1" y="-29768"/>
+            <a:chExt cx="12202175" cy="1519356"/>
+          </a:xfrm>
+        </p:grpSpPr>
+        <p:sp>
+          <p:nvSpPr>
+            <p:cNvPr id="18" name="Rectangle 17">
+              <a:extLst>
+                <a:ext uri="{FF2B5EF4-FFF2-40B4-BE49-F238E27FC236}">
+                  <a16:creationId xmlns:a16="http://schemas.microsoft.com/office/drawing/2014/main" id="{6C5D55A6-9EFD-CDA3-20CC-A99812CE1ABC}"/>
+                </a:ext>
+                <a:ext uri="{C183D7F6-B498-43B3-948B-1728B52AA6E4}">
+                  <adec:decorative xmlns:adec="http://schemas.microsoft.com/office/drawing/2017/decorative" val="1"/>
+                </a:ext>
+              </a:extLst>
+            </p:cNvPr>
+            <p:cNvSpPr/>
+            <p:nvPr>
+              <p:extLst>
+                <p:ext uri="{386F3935-93C4-4BCD-93E2-E3B085C9AB24}">
+                  <p16:designElem xmlns:p16="http://schemas.microsoft.com/office/powerpoint/2015/main" val="1"/>
+                </p:ext>
+              </p:extLst>
+            </p:nvPr>
+          </p:nvSpPr>
+          <p:spPr>
+            <a:xfrm rot="16200000">
+              <a:off x="5341412" y="-5371175"/>
+              <a:ext cx="1519350" cy="12202174"/>
+            </a:xfrm>
+            <a:prstGeom prst="rect">
+              <a:avLst/>
+            </a:prstGeom>
+            <a:gradFill>
+              <a:gsLst>
+                <a:gs pos="0">
+                  <a:schemeClr val="accent5"/>
+                </a:gs>
+                <a:gs pos="100000">
+                  <a:schemeClr val="accent2"/>
+                </a:gs>
+              </a:gsLst>
+              <a:lin ang="10200000" scaled="0"/>
+            </a:gradFill>
+            <a:ln>
+              <a:noFill/>
+            </a:ln>
+          </p:spPr>
+          <p:style>
+            <a:lnRef idx="2">
+              <a:schemeClr val="accent1">
+                <a:shade val="50000"/>
+              </a:schemeClr>
+            </a:lnRef>
+            <a:fillRef idx="1">
+              <a:schemeClr val="accent1"/>
+            </a:fillRef>
+            <a:effectRef idx="0">
+              <a:schemeClr val="accent1"/>
+            </a:effectRef>
+            <a:fontRef idx="minor">
+              <a:schemeClr val="lt1"/>
+            </a:fontRef>
+          </p:style>
+          <p:txBody>
+            <a:bodyPr rtlCol="0" anchor="ctr"/>
+            <a:lstStyle/>
+            <a:p>
+              <a:pPr algn="ctr"/>
+              <a:endParaRPr lang="en-US"/>
+            </a:p>
+          </p:txBody>
+        </p:sp>
+        <p:sp>
+          <p:nvSpPr>
+            <p:cNvPr id="19" name="Rectangle 18">
+              <a:extLst>
+                <a:ext uri="{FF2B5EF4-FFF2-40B4-BE49-F238E27FC236}">
+                  <a16:creationId xmlns:a16="http://schemas.microsoft.com/office/drawing/2014/main" id="{A5B6E73B-6DFD-AE6C-1628-DF8DC3008562}"/>
+                </a:ext>
+                <a:ext uri="{C183D7F6-B498-43B3-948B-1728B52AA6E4}">
+                  <adec:decorative xmlns:adec="http://schemas.microsoft.com/office/drawing/2017/decorative" val="1"/>
+                </a:ext>
+              </a:extLst>
+            </p:cNvPr>
+            <p:cNvSpPr/>
+            <p:nvPr>
+              <p:extLst>
+                <p:ext uri="{386F3935-93C4-4BCD-93E2-E3B085C9AB24}">
+                  <p16:designElem xmlns:p16="http://schemas.microsoft.com/office/powerpoint/2015/main" val="1"/>
+                </p:ext>
+              </p:extLst>
+            </p:nvPr>
+          </p:nvSpPr>
+          <p:spPr>
+            <a:xfrm rot="16200000">
+              <a:off x="8917093" y="-1801610"/>
+              <a:ext cx="1507122" cy="5063040"/>
+            </a:xfrm>
+            <a:prstGeom prst="rect">
+              <a:avLst/>
+            </a:prstGeom>
+            <a:gradFill>
+              <a:gsLst>
+                <a:gs pos="59000">
+                  <a:schemeClr val="accent5">
+                    <a:lumMod val="60000"/>
+                    <a:lumOff val="40000"/>
+                    <a:alpha val="0"/>
+                  </a:schemeClr>
+                </a:gs>
+                <a:gs pos="100000">
+                  <a:schemeClr val="accent5">
+                    <a:lumMod val="60000"/>
+                    <a:lumOff val="40000"/>
+                  </a:schemeClr>
+                </a:gs>
+              </a:gsLst>
+              <a:lin ang="1200000" scaled="0"/>
+            </a:gradFill>
+            <a:ln>
+              <a:noFill/>
+            </a:ln>
+          </p:spPr>
+          <p:style>
+            <a:lnRef idx="2">
+              <a:schemeClr val="accent1">
+                <a:shade val="50000"/>
+              </a:schemeClr>
+            </a:lnRef>
+            <a:fillRef idx="1">
+              <a:schemeClr val="accent1"/>
+            </a:fillRef>
+            <a:effectRef idx="0">
+              <a:schemeClr val="accent1"/>
+            </a:effectRef>
+            <a:fontRef idx="minor">
+              <a:schemeClr val="lt1"/>
+            </a:fontRef>
+          </p:style>
+          <p:txBody>
+            <a:bodyPr rtlCol="0" anchor="ctr"/>
+            <a:lstStyle/>
+            <a:p>
+              <a:pPr algn="ctr"/>
+              <a:endParaRPr lang="en-US"/>
+            </a:p>
+          </p:txBody>
+        </p:sp>
+        <p:sp>
+          <p:nvSpPr>
+            <p:cNvPr id="20" name="Rectangle 19">
+              <a:extLst>
+                <a:ext uri="{FF2B5EF4-FFF2-40B4-BE49-F238E27FC236}">
+                  <a16:creationId xmlns:a16="http://schemas.microsoft.com/office/drawing/2014/main" id="{10E00FC4-DDBC-F424-CF71-73AF7A284A68}"/>
+                </a:ext>
+                <a:ext uri="{C183D7F6-B498-43B3-948B-1728B52AA6E4}">
+                  <adec:decorative xmlns:adec="http://schemas.microsoft.com/office/drawing/2017/decorative" val="1"/>
+                </a:ext>
+              </a:extLst>
+            </p:cNvPr>
+            <p:cNvSpPr/>
+            <p:nvPr>
+              <p:extLst>
+                <p:ext uri="{386F3935-93C4-4BCD-93E2-E3B085C9AB24}">
+                  <p16:designElem xmlns:p16="http://schemas.microsoft.com/office/powerpoint/2015/main" val="1"/>
+                </p:ext>
+              </p:extLst>
+            </p:nvPr>
+          </p:nvSpPr>
+          <p:spPr>
+            <a:xfrm rot="5400000">
+              <a:off x="3100712" y="-3130481"/>
+              <a:ext cx="1519356" cy="7720782"/>
+            </a:xfrm>
+            <a:prstGeom prst="rect">
+              <a:avLst/>
+            </a:prstGeom>
+            <a:gradFill>
+              <a:gsLst>
+                <a:gs pos="29000">
+                  <a:schemeClr val="accent5">
+                    <a:lumMod val="60000"/>
+                    <a:lumOff val="40000"/>
+                    <a:alpha val="0"/>
+                  </a:schemeClr>
+                </a:gs>
+                <a:gs pos="100000">
+                  <a:schemeClr val="accent5">
+                    <a:lumMod val="75000"/>
+                  </a:schemeClr>
+                </a:gs>
+              </a:gsLst>
+              <a:lin ang="1200000" scaled="0"/>
+            </a:gradFill>
+            <a:ln>
+              <a:noFill/>
+            </a:ln>
+          </p:spPr>
+          <p:style>
+            <a:lnRef idx="2">
+              <a:schemeClr val="accent1">
+                <a:shade val="50000"/>
+              </a:schemeClr>
+            </a:lnRef>
+            <a:fillRef idx="1">
+              <a:schemeClr val="accent1"/>
+            </a:fillRef>
+            <a:effectRef idx="0">
+              <a:schemeClr val="accent1"/>
+            </a:effectRef>
+            <a:fontRef idx="minor">
+              <a:schemeClr val="lt1"/>
+            </a:fontRef>
+          </p:style>
+          <p:txBody>
+            <a:bodyPr rtlCol="0" anchor="ctr"/>
+            <a:lstStyle/>
+            <a:p>
+              <a:pPr algn="ctr"/>
+              <a:endParaRPr lang="en-US"/>
+            </a:p>
+          </p:txBody>
+        </p:sp>
+      </p:grpSp>
+      <p:sp>
+        <p:nvSpPr>
+          <p:cNvPr id="3" name="TextBox 2">
+            <a:extLst>
+              <a:ext uri="{FF2B5EF4-FFF2-40B4-BE49-F238E27FC236}">
+                <a16:creationId xmlns:a16="http://schemas.microsoft.com/office/drawing/2014/main" id="{77200409-2D47-D2CE-81B0-9CA63B279327}"/>
+              </a:ext>
+            </a:extLst>
+          </p:cNvPr>
+          <p:cNvSpPr txBox="1"/>
+          <p:nvPr/>
+        </p:nvSpPr>
+        <p:spPr>
+          <a:xfrm>
+            <a:off x="876691" y="301843"/>
+            <a:ext cx="10477109" cy="1003532"/>
+          </a:xfrm>
+          <a:prstGeom prst="rect">
+            <a:avLst/>
+          </a:prstGeom>
+        </p:spPr>
+        <p:txBody>
+          <a:bodyPr rot="0" spcFirstLastPara="0" vertOverflow="overflow" horzOverflow="overflow" vert="horz" lIns="91440" tIns="45720" rIns="91440" bIns="45720" numCol="1" spcCol="0" rtlCol="0" fromWordArt="0" anchor="ctr" anchorCtr="0" forceAA="0" compatLnSpc="1">
+            <a:prstTxWarp prst="textNoShape">
+              <a:avLst/>
+            </a:prstTxWarp>
+            <a:normAutofit/>
+          </a:bodyPr>
+          <a:lstStyle/>
+          <a:p>
+            <a:pPr>
+              <a:lnSpc>
+                <a:spcPct val="90000"/>
+              </a:lnSpc>
+              <a:spcBef>
+                <a:spcPct val="0"/>
+              </a:spcBef>
+              <a:spcAft>
+                <a:spcPts val="600"/>
+              </a:spcAft>
+            </a:pPr>
+            <a:r>
+              <a:rPr lang="en-US" sz="3200" b="1" dirty="0">
+                <a:solidFill>
+                  <a:srgbClr val="FFFFFF"/>
+                </a:solidFill>
+                <a:latin typeface="+mj-lt"/>
+                <a:ea typeface="+mj-ea"/>
+                <a:cs typeface="+mj-cs"/>
+              </a:rPr>
+              <a:t>Neural Network</a:t>
+            </a:r>
+            <a:endParaRPr lang="en-US" sz="3200" b="1" kern="1200" dirty="0">
+              <a:solidFill>
+                <a:srgbClr val="FFFFFF"/>
+              </a:solidFill>
+              <a:latin typeface="+mj-lt"/>
+              <a:ea typeface="+mj-ea"/>
+              <a:cs typeface="+mj-cs"/>
+            </a:endParaRPr>
+          </a:p>
+        </p:txBody>
+      </p:sp>
+      <p:pic>
+        <p:nvPicPr>
+          <p:cNvPr id="14" name="Google Shape;141;p7" descr="A table with numbers and text&#10;&#10;Description automatically generated">
+            <a:extLst>
+              <a:ext uri="{FF2B5EF4-FFF2-40B4-BE49-F238E27FC236}">
+                <a16:creationId xmlns:a16="http://schemas.microsoft.com/office/drawing/2014/main" id="{3A0A1325-C4F3-3BEC-6D96-1BC14BEC27E7}"/>
+              </a:ext>
+            </a:extLst>
+          </p:cNvPr>
+          <p:cNvPicPr preferRelativeResize="0"/>
+          <p:nvPr/>
+        </p:nvPicPr>
+        <p:blipFill>
+          <a:blip r:embed="rId2">
+            <a:alphaModFix/>
+          </a:blip>
+          <a:stretch>
+            <a:fillRect/>
+          </a:stretch>
+        </p:blipFill>
+        <p:spPr>
+          <a:xfrm>
+            <a:off x="2017816" y="1630869"/>
+            <a:ext cx="7851107" cy="5105233"/>
+          </a:xfrm>
+          <a:prstGeom prst="rect">
+            <a:avLst/>
+          </a:prstGeom>
+          <a:noFill/>
+          <a:ln>
+            <a:noFill/>
+          </a:ln>
+        </p:spPr>
+      </p:pic>
+    </p:spTree>
+    <p:extLst>
+      <p:ext uri="{BB962C8B-B14F-4D97-AF65-F5344CB8AC3E}">
+        <p14:creationId xmlns:p14="http://schemas.microsoft.com/office/powerpoint/2010/main" val="472247714"/>
+      </p:ext>
+    </p:extLst>
+  </p:cSld>
+  <p:clrMapOvr>
+    <a:masterClrMapping/>
+  </p:clrMapOvr>
+</p:sld>
+</file>
+
+<file path=ppt/slides/slide12.xml><?xml version="1.0" encoding="utf-8"?>
+<p:sld xmlns:a="http://schemas.openxmlformats.org/drawingml/2006/main" xmlns:r="http://schemas.openxmlformats.org/officeDocument/2006/relationships" xmlns:p="http://schemas.openxmlformats.org/presentationml/2006/main">
+  <p:cSld>
+    <p:bg>
+      <p:bgPr>
+        <a:solidFill>
+          <a:schemeClr val="bg1"/>
+        </a:solidFill>
+        <a:effectLst/>
+      </p:bgPr>
+    </p:bg>
+    <p:spTree>
+      <p:nvGrpSpPr>
+        <p:cNvPr id="1" name=""/>
+        <p:cNvGrpSpPr/>
+        <p:nvPr/>
+      </p:nvGrpSpPr>
+      <p:grpSpPr>
+        <a:xfrm>
+          <a:off x="0" y="0"/>
+          <a:ext cx="0" cy="0"/>
+          <a:chOff x="0" y="0"/>
+          <a:chExt cx="0" cy="0"/>
+        </a:xfrm>
+      </p:grpSpPr>
+      <p:grpSp>
+        <p:nvGrpSpPr>
+          <p:cNvPr id="17" name="Group 16">
+            <a:extLst>
+              <a:ext uri="{FF2B5EF4-FFF2-40B4-BE49-F238E27FC236}">
+                <a16:creationId xmlns:a16="http://schemas.microsoft.com/office/drawing/2014/main" id="{1E5539EC-8CB8-002F-68C6-678840282659}"/>
+              </a:ext>
+              <a:ext uri="{C183D7F6-B498-43B3-948B-1728B52AA6E4}">
+                <adec:decorative xmlns:adec="http://schemas.microsoft.com/office/drawing/2017/decorative" val="1"/>
+              </a:ext>
+            </a:extLst>
+          </p:cNvPr>
+          <p:cNvGrpSpPr>
+            <a:grpSpLocks noGrp="1" noUngrp="1" noRot="1" noChangeAspect="1" noMove="1" noResize="1"/>
+          </p:cNvGrpSpPr>
+          <p:nvPr>
+            <p:extLst>
+              <p:ext uri="{386F3935-93C4-4BCD-93E2-E3B085C9AB24}">
+                <p16:designElem xmlns:p16="http://schemas.microsoft.com/office/powerpoint/2015/main" val="1"/>
+              </p:ext>
+            </p:extLst>
+          </p:nvPr>
+        </p:nvGrpSpPr>
+        <p:grpSpPr>
+          <a:xfrm>
+            <a:off x="-1" y="-29768"/>
+            <a:ext cx="12202175" cy="1519356"/>
+            <a:chOff x="-1" y="-29768"/>
+            <a:chExt cx="12202175" cy="1519356"/>
+          </a:xfrm>
+        </p:grpSpPr>
+        <p:sp>
+          <p:nvSpPr>
+            <p:cNvPr id="18" name="Rectangle 17">
+              <a:extLst>
+                <a:ext uri="{FF2B5EF4-FFF2-40B4-BE49-F238E27FC236}">
+                  <a16:creationId xmlns:a16="http://schemas.microsoft.com/office/drawing/2014/main" id="{6C5D55A6-9EFD-CDA3-20CC-A99812CE1ABC}"/>
+                </a:ext>
+                <a:ext uri="{C183D7F6-B498-43B3-948B-1728B52AA6E4}">
+                  <adec:decorative xmlns:adec="http://schemas.microsoft.com/office/drawing/2017/decorative" val="1"/>
+                </a:ext>
+              </a:extLst>
+            </p:cNvPr>
+            <p:cNvSpPr/>
+            <p:nvPr>
+              <p:extLst>
+                <p:ext uri="{386F3935-93C4-4BCD-93E2-E3B085C9AB24}">
+                  <p16:designElem xmlns:p16="http://schemas.microsoft.com/office/powerpoint/2015/main" val="1"/>
+                </p:ext>
+              </p:extLst>
+            </p:nvPr>
+          </p:nvSpPr>
+          <p:spPr>
+            <a:xfrm rot="16200000">
+              <a:off x="5341412" y="-5371175"/>
+              <a:ext cx="1519350" cy="12202174"/>
+            </a:xfrm>
+            <a:prstGeom prst="rect">
+              <a:avLst/>
+            </a:prstGeom>
+            <a:gradFill>
+              <a:gsLst>
+                <a:gs pos="0">
+                  <a:schemeClr val="accent5"/>
+                </a:gs>
+                <a:gs pos="100000">
+                  <a:schemeClr val="accent2"/>
+                </a:gs>
+              </a:gsLst>
+              <a:lin ang="10200000" scaled="0"/>
+            </a:gradFill>
+            <a:ln>
+              <a:noFill/>
+            </a:ln>
+          </p:spPr>
+          <p:style>
+            <a:lnRef idx="2">
+              <a:schemeClr val="accent1">
+                <a:shade val="50000"/>
+              </a:schemeClr>
+            </a:lnRef>
+            <a:fillRef idx="1">
+              <a:schemeClr val="accent1"/>
+            </a:fillRef>
+            <a:effectRef idx="0">
+              <a:schemeClr val="accent1"/>
+            </a:effectRef>
+            <a:fontRef idx="minor">
+              <a:schemeClr val="lt1"/>
+            </a:fontRef>
+          </p:style>
+          <p:txBody>
+            <a:bodyPr rtlCol="0" anchor="ctr"/>
+            <a:lstStyle/>
+            <a:p>
+              <a:pPr algn="ctr"/>
+              <a:endParaRPr lang="en-US"/>
+            </a:p>
+          </p:txBody>
+        </p:sp>
+        <p:sp>
+          <p:nvSpPr>
+            <p:cNvPr id="19" name="Rectangle 18">
+              <a:extLst>
+                <a:ext uri="{FF2B5EF4-FFF2-40B4-BE49-F238E27FC236}">
+                  <a16:creationId xmlns:a16="http://schemas.microsoft.com/office/drawing/2014/main" id="{A5B6E73B-6DFD-AE6C-1628-DF8DC3008562}"/>
+                </a:ext>
+                <a:ext uri="{C183D7F6-B498-43B3-948B-1728B52AA6E4}">
+                  <adec:decorative xmlns:adec="http://schemas.microsoft.com/office/drawing/2017/decorative" val="1"/>
+                </a:ext>
+              </a:extLst>
+            </p:cNvPr>
+            <p:cNvSpPr/>
+            <p:nvPr>
+              <p:extLst>
+                <p:ext uri="{386F3935-93C4-4BCD-93E2-E3B085C9AB24}">
+                  <p16:designElem xmlns:p16="http://schemas.microsoft.com/office/powerpoint/2015/main" val="1"/>
+                </p:ext>
+              </p:extLst>
+            </p:nvPr>
+          </p:nvSpPr>
+          <p:spPr>
+            <a:xfrm rot="16200000">
+              <a:off x="8917093" y="-1801610"/>
+              <a:ext cx="1507122" cy="5063040"/>
+            </a:xfrm>
+            <a:prstGeom prst="rect">
+              <a:avLst/>
+            </a:prstGeom>
+            <a:gradFill>
+              <a:gsLst>
+                <a:gs pos="59000">
+                  <a:schemeClr val="accent5">
+                    <a:lumMod val="60000"/>
+                    <a:lumOff val="40000"/>
+                    <a:alpha val="0"/>
+                  </a:schemeClr>
+                </a:gs>
+                <a:gs pos="100000">
+                  <a:schemeClr val="accent5">
+                    <a:lumMod val="60000"/>
+                    <a:lumOff val="40000"/>
+                  </a:schemeClr>
+                </a:gs>
+              </a:gsLst>
+              <a:lin ang="1200000" scaled="0"/>
+            </a:gradFill>
+            <a:ln>
+              <a:noFill/>
+            </a:ln>
+          </p:spPr>
+          <p:style>
+            <a:lnRef idx="2">
+              <a:schemeClr val="accent1">
+                <a:shade val="50000"/>
+              </a:schemeClr>
+            </a:lnRef>
+            <a:fillRef idx="1">
+              <a:schemeClr val="accent1"/>
+            </a:fillRef>
+            <a:effectRef idx="0">
+              <a:schemeClr val="accent1"/>
+            </a:effectRef>
+            <a:fontRef idx="minor">
+              <a:schemeClr val="lt1"/>
+            </a:fontRef>
+          </p:style>
+          <p:txBody>
+            <a:bodyPr rtlCol="0" anchor="ctr"/>
+            <a:lstStyle/>
+            <a:p>
+              <a:pPr algn="ctr"/>
+              <a:endParaRPr lang="en-US"/>
+            </a:p>
+          </p:txBody>
+        </p:sp>
+        <p:sp>
+          <p:nvSpPr>
+            <p:cNvPr id="20" name="Rectangle 19">
+              <a:extLst>
+                <a:ext uri="{FF2B5EF4-FFF2-40B4-BE49-F238E27FC236}">
+                  <a16:creationId xmlns:a16="http://schemas.microsoft.com/office/drawing/2014/main" id="{10E00FC4-DDBC-F424-CF71-73AF7A284A68}"/>
+                </a:ext>
+                <a:ext uri="{C183D7F6-B498-43B3-948B-1728B52AA6E4}">
+                  <adec:decorative xmlns:adec="http://schemas.microsoft.com/office/drawing/2017/decorative" val="1"/>
+                </a:ext>
+              </a:extLst>
+            </p:cNvPr>
+            <p:cNvSpPr/>
+            <p:nvPr>
+              <p:extLst>
+                <p:ext uri="{386F3935-93C4-4BCD-93E2-E3B085C9AB24}">
+                  <p16:designElem xmlns:p16="http://schemas.microsoft.com/office/powerpoint/2015/main" val="1"/>
+                </p:ext>
+              </p:extLst>
+            </p:nvPr>
+          </p:nvSpPr>
+          <p:spPr>
+            <a:xfrm rot="5400000">
+              <a:off x="3100712" y="-3130481"/>
+              <a:ext cx="1519356" cy="7720782"/>
+            </a:xfrm>
+            <a:prstGeom prst="rect">
+              <a:avLst/>
+            </a:prstGeom>
+            <a:gradFill>
+              <a:gsLst>
+                <a:gs pos="29000">
+                  <a:schemeClr val="accent5">
+                    <a:lumMod val="60000"/>
+                    <a:lumOff val="40000"/>
+                    <a:alpha val="0"/>
+                  </a:schemeClr>
+                </a:gs>
+                <a:gs pos="100000">
+                  <a:schemeClr val="accent5">
+                    <a:lumMod val="75000"/>
+                  </a:schemeClr>
+                </a:gs>
+              </a:gsLst>
+              <a:lin ang="1200000" scaled="0"/>
+            </a:gradFill>
+            <a:ln>
+              <a:noFill/>
+            </a:ln>
+          </p:spPr>
+          <p:style>
+            <a:lnRef idx="2">
+              <a:schemeClr val="accent1">
+                <a:shade val="50000"/>
+              </a:schemeClr>
+            </a:lnRef>
+            <a:fillRef idx="1">
+              <a:schemeClr val="accent1"/>
+            </a:fillRef>
+            <a:effectRef idx="0">
+              <a:schemeClr val="accent1"/>
+            </a:effectRef>
+            <a:fontRef idx="minor">
+              <a:schemeClr val="lt1"/>
+            </a:fontRef>
+          </p:style>
+          <p:txBody>
+            <a:bodyPr rtlCol="0" anchor="ctr"/>
+            <a:lstStyle/>
+            <a:p>
+              <a:pPr algn="ctr"/>
+              <a:endParaRPr lang="en-US"/>
+            </a:p>
+          </p:txBody>
+        </p:sp>
+      </p:grpSp>
+      <p:sp>
+        <p:nvSpPr>
+          <p:cNvPr id="3" name="TextBox 2">
+            <a:extLst>
+              <a:ext uri="{FF2B5EF4-FFF2-40B4-BE49-F238E27FC236}">
+                <a16:creationId xmlns:a16="http://schemas.microsoft.com/office/drawing/2014/main" id="{77200409-2D47-D2CE-81B0-9CA63B279327}"/>
+              </a:ext>
+            </a:extLst>
+          </p:cNvPr>
+          <p:cNvSpPr txBox="1"/>
+          <p:nvPr/>
+        </p:nvSpPr>
+        <p:spPr>
+          <a:xfrm>
+            <a:off x="876691" y="301843"/>
+            <a:ext cx="10477109" cy="1003532"/>
+          </a:xfrm>
+          <a:prstGeom prst="rect">
+            <a:avLst/>
+          </a:prstGeom>
+        </p:spPr>
+        <p:txBody>
+          <a:bodyPr rot="0" spcFirstLastPara="0" vertOverflow="overflow" horzOverflow="overflow" vert="horz" lIns="91440" tIns="45720" rIns="91440" bIns="45720" numCol="1" spcCol="0" rtlCol="0" fromWordArt="0" anchor="ctr" anchorCtr="0" forceAA="0" compatLnSpc="1">
+            <a:prstTxWarp prst="textNoShape">
+              <a:avLst/>
+            </a:prstTxWarp>
+            <a:normAutofit/>
+          </a:bodyPr>
+          <a:lstStyle/>
+          <a:p>
+            <a:pPr>
+              <a:lnSpc>
+                <a:spcPct val="90000"/>
+              </a:lnSpc>
+              <a:spcBef>
+                <a:spcPct val="0"/>
+              </a:spcBef>
+              <a:spcAft>
+                <a:spcPts val="600"/>
+              </a:spcAft>
+            </a:pPr>
+            <a:r>
+              <a:rPr lang="en-US" sz="3200" b="1" dirty="0">
+                <a:solidFill>
+                  <a:srgbClr val="FFFFFF"/>
+                </a:solidFill>
+                <a:latin typeface="+mj-lt"/>
+                <a:ea typeface="+mj-ea"/>
+                <a:cs typeface="+mj-cs"/>
+              </a:rPr>
+              <a:t>Challenges Faced</a:t>
+            </a:r>
+            <a:endParaRPr lang="en-US" sz="3200" b="1" kern="1200" dirty="0">
+              <a:solidFill>
+                <a:srgbClr val="FFFFFF"/>
+              </a:solidFill>
+              <a:latin typeface="+mj-lt"/>
+              <a:ea typeface="+mj-ea"/>
+              <a:cs typeface="+mj-cs"/>
+            </a:endParaRPr>
           </a:p>
         </p:txBody>
       </p:sp>
       <p:sp>
         <p:nvSpPr>
-          <p:cNvPr id="3" name="Subtitle 2">
-            <a:extLst>
-              <a:ext uri="{FF2B5EF4-FFF2-40B4-BE49-F238E27FC236}">
-                <a16:creationId xmlns:a16="http://schemas.microsoft.com/office/drawing/2014/main" id="{C29F3C71-3617-A86A-0136-60E87D1E77F0}"/>
+          <p:cNvPr id="2" name="Subtitle 2">
+            <a:extLst>
+              <a:ext uri="{FF2B5EF4-FFF2-40B4-BE49-F238E27FC236}">
+                <a16:creationId xmlns:a16="http://schemas.microsoft.com/office/drawing/2014/main" id="{E229F603-DF97-DC27-0BBF-2AB2DBE80DE4}"/>
               </a:ext>
             </a:extLst>
           </p:cNvPr>
@@ -3549,84 +5051,787 @@
         </p:nvSpPr>
         <p:spPr>
           <a:xfrm>
-            <a:off x="1282460" y="2400554"/>
-            <a:ext cx="6188015" cy="2591729"/>
+            <a:off x="1441704" y="1992694"/>
+            <a:ext cx="9144000" cy="1655762"/>
           </a:xfrm>
         </p:spPr>
         <p:txBody>
-          <a:bodyPr>
-            <a:normAutofit fontScale="70000" lnSpcReduction="20000"/>
+          <a:bodyPr/>
+          <a:lstStyle/>
+          <a:p>
+            <a:pPr marL="342900" indent="-342900" algn="l">
+              <a:buFont typeface="Arial" panose="020B0604020202020204" pitchFamily="34" charset="0"/>
+              <a:buChar char="•"/>
+            </a:pPr>
+            <a:r>
+              <a:rPr lang="en-US" dirty="0"/>
+              <a:t>Neural Networks</a:t>
+            </a:r>
+          </a:p>
+          <a:p>
+            <a:pPr marL="342900" indent="-342900" algn="l">
+              <a:buFont typeface="Arial" panose="020B0604020202020204" pitchFamily="34" charset="0"/>
+              <a:buChar char="•"/>
+            </a:pPr>
+            <a:r>
+              <a:rPr lang="en-US" dirty="0"/>
+              <a:t>Tableau Map</a:t>
+            </a:r>
+          </a:p>
+          <a:p>
+            <a:pPr marL="342900" indent="-342900" algn="l">
+              <a:buFont typeface="Arial" panose="020B0604020202020204" pitchFamily="34" charset="0"/>
+              <a:buChar char="•"/>
+            </a:pPr>
+            <a:endParaRPr lang="en-US" dirty="0"/>
+          </a:p>
+        </p:txBody>
+      </p:sp>
+    </p:spTree>
+    <p:extLst>
+      <p:ext uri="{BB962C8B-B14F-4D97-AF65-F5344CB8AC3E}">
+        <p14:creationId xmlns:p14="http://schemas.microsoft.com/office/powerpoint/2010/main" val="936727011"/>
+      </p:ext>
+    </p:extLst>
+  </p:cSld>
+  <p:clrMapOvr>
+    <a:masterClrMapping/>
+  </p:clrMapOvr>
+</p:sld>
+</file>
+
+<file path=ppt/slides/slide13.xml><?xml version="1.0" encoding="utf-8"?>
+<p:sld xmlns:a="http://schemas.openxmlformats.org/drawingml/2006/main" xmlns:r="http://schemas.openxmlformats.org/officeDocument/2006/relationships" xmlns:p="http://schemas.openxmlformats.org/presentationml/2006/main">
+  <p:cSld>
+    <p:bg>
+      <p:bgPr>
+        <a:solidFill>
+          <a:schemeClr val="bg1"/>
+        </a:solidFill>
+        <a:effectLst/>
+      </p:bgPr>
+    </p:bg>
+    <p:spTree>
+      <p:nvGrpSpPr>
+        <p:cNvPr id="1" name=""/>
+        <p:cNvGrpSpPr/>
+        <p:nvPr/>
+      </p:nvGrpSpPr>
+      <p:grpSpPr>
+        <a:xfrm>
+          <a:off x="0" y="0"/>
+          <a:ext cx="0" cy="0"/>
+          <a:chOff x="0" y="0"/>
+          <a:chExt cx="0" cy="0"/>
+        </a:xfrm>
+      </p:grpSpPr>
+      <p:grpSp>
+        <p:nvGrpSpPr>
+          <p:cNvPr id="17" name="Group 16">
+            <a:extLst>
+              <a:ext uri="{FF2B5EF4-FFF2-40B4-BE49-F238E27FC236}">
+                <a16:creationId xmlns:a16="http://schemas.microsoft.com/office/drawing/2014/main" id="{1E5539EC-8CB8-002F-68C6-678840282659}"/>
+              </a:ext>
+              <a:ext uri="{C183D7F6-B498-43B3-948B-1728B52AA6E4}">
+                <adec:decorative xmlns:adec="http://schemas.microsoft.com/office/drawing/2017/decorative" val="1"/>
+              </a:ext>
+            </a:extLst>
+          </p:cNvPr>
+          <p:cNvGrpSpPr>
+            <a:grpSpLocks noGrp="1" noUngrp="1" noRot="1" noChangeAspect="1" noMove="1" noResize="1"/>
+          </p:cNvGrpSpPr>
+          <p:nvPr>
+            <p:extLst>
+              <p:ext uri="{386F3935-93C4-4BCD-93E2-E3B085C9AB24}">
+                <p16:designElem xmlns:p16="http://schemas.microsoft.com/office/powerpoint/2015/main" val="1"/>
+              </p:ext>
+            </p:extLst>
+          </p:nvPr>
+        </p:nvGrpSpPr>
+        <p:grpSpPr>
+          <a:xfrm>
+            <a:off x="-1" y="-29768"/>
+            <a:ext cx="12202175" cy="1519356"/>
+            <a:chOff x="-1" y="-29768"/>
+            <a:chExt cx="12202175" cy="1519356"/>
+          </a:xfrm>
+        </p:grpSpPr>
+        <p:sp>
+          <p:nvSpPr>
+            <p:cNvPr id="18" name="Rectangle 17">
+              <a:extLst>
+                <a:ext uri="{FF2B5EF4-FFF2-40B4-BE49-F238E27FC236}">
+                  <a16:creationId xmlns:a16="http://schemas.microsoft.com/office/drawing/2014/main" id="{6C5D55A6-9EFD-CDA3-20CC-A99812CE1ABC}"/>
+                </a:ext>
+                <a:ext uri="{C183D7F6-B498-43B3-948B-1728B52AA6E4}">
+                  <adec:decorative xmlns:adec="http://schemas.microsoft.com/office/drawing/2017/decorative" val="1"/>
+                </a:ext>
+              </a:extLst>
+            </p:cNvPr>
+            <p:cNvSpPr/>
+            <p:nvPr>
+              <p:extLst>
+                <p:ext uri="{386F3935-93C4-4BCD-93E2-E3B085C9AB24}">
+                  <p16:designElem xmlns:p16="http://schemas.microsoft.com/office/powerpoint/2015/main" val="1"/>
+                </p:ext>
+              </p:extLst>
+            </p:nvPr>
+          </p:nvSpPr>
+          <p:spPr>
+            <a:xfrm rot="16200000">
+              <a:off x="5341412" y="-5371175"/>
+              <a:ext cx="1519350" cy="12202174"/>
+            </a:xfrm>
+            <a:prstGeom prst="rect">
+              <a:avLst/>
+            </a:prstGeom>
+            <a:gradFill>
+              <a:gsLst>
+                <a:gs pos="0">
+                  <a:schemeClr val="accent5"/>
+                </a:gs>
+                <a:gs pos="100000">
+                  <a:schemeClr val="accent2"/>
+                </a:gs>
+              </a:gsLst>
+              <a:lin ang="10200000" scaled="0"/>
+            </a:gradFill>
+            <a:ln>
+              <a:noFill/>
+            </a:ln>
+          </p:spPr>
+          <p:style>
+            <a:lnRef idx="2">
+              <a:schemeClr val="accent1">
+                <a:shade val="50000"/>
+              </a:schemeClr>
+            </a:lnRef>
+            <a:fillRef idx="1">
+              <a:schemeClr val="accent1"/>
+            </a:fillRef>
+            <a:effectRef idx="0">
+              <a:schemeClr val="accent1"/>
+            </a:effectRef>
+            <a:fontRef idx="minor">
+              <a:schemeClr val="lt1"/>
+            </a:fontRef>
+          </p:style>
+          <p:txBody>
+            <a:bodyPr rtlCol="0" anchor="ctr"/>
+            <a:lstStyle/>
+            <a:p>
+              <a:pPr algn="ctr"/>
+              <a:endParaRPr lang="en-US"/>
+            </a:p>
+          </p:txBody>
+        </p:sp>
+        <p:sp>
+          <p:nvSpPr>
+            <p:cNvPr id="19" name="Rectangle 18">
+              <a:extLst>
+                <a:ext uri="{FF2B5EF4-FFF2-40B4-BE49-F238E27FC236}">
+                  <a16:creationId xmlns:a16="http://schemas.microsoft.com/office/drawing/2014/main" id="{A5B6E73B-6DFD-AE6C-1628-DF8DC3008562}"/>
+                </a:ext>
+                <a:ext uri="{C183D7F6-B498-43B3-948B-1728B52AA6E4}">
+                  <adec:decorative xmlns:adec="http://schemas.microsoft.com/office/drawing/2017/decorative" val="1"/>
+                </a:ext>
+              </a:extLst>
+            </p:cNvPr>
+            <p:cNvSpPr/>
+            <p:nvPr>
+              <p:extLst>
+                <p:ext uri="{386F3935-93C4-4BCD-93E2-E3B085C9AB24}">
+                  <p16:designElem xmlns:p16="http://schemas.microsoft.com/office/powerpoint/2015/main" val="1"/>
+                </p:ext>
+              </p:extLst>
+            </p:nvPr>
+          </p:nvSpPr>
+          <p:spPr>
+            <a:xfrm rot="16200000">
+              <a:off x="8917093" y="-1801610"/>
+              <a:ext cx="1507122" cy="5063040"/>
+            </a:xfrm>
+            <a:prstGeom prst="rect">
+              <a:avLst/>
+            </a:prstGeom>
+            <a:gradFill>
+              <a:gsLst>
+                <a:gs pos="59000">
+                  <a:schemeClr val="accent5">
+                    <a:lumMod val="60000"/>
+                    <a:lumOff val="40000"/>
+                    <a:alpha val="0"/>
+                  </a:schemeClr>
+                </a:gs>
+                <a:gs pos="100000">
+                  <a:schemeClr val="accent5">
+                    <a:lumMod val="60000"/>
+                    <a:lumOff val="40000"/>
+                  </a:schemeClr>
+                </a:gs>
+              </a:gsLst>
+              <a:lin ang="1200000" scaled="0"/>
+            </a:gradFill>
+            <a:ln>
+              <a:noFill/>
+            </a:ln>
+          </p:spPr>
+          <p:style>
+            <a:lnRef idx="2">
+              <a:schemeClr val="accent1">
+                <a:shade val="50000"/>
+              </a:schemeClr>
+            </a:lnRef>
+            <a:fillRef idx="1">
+              <a:schemeClr val="accent1"/>
+            </a:fillRef>
+            <a:effectRef idx="0">
+              <a:schemeClr val="accent1"/>
+            </a:effectRef>
+            <a:fontRef idx="minor">
+              <a:schemeClr val="lt1"/>
+            </a:fontRef>
+          </p:style>
+          <p:txBody>
+            <a:bodyPr rtlCol="0" anchor="ctr"/>
+            <a:lstStyle/>
+            <a:p>
+              <a:pPr algn="ctr"/>
+              <a:endParaRPr lang="en-US"/>
+            </a:p>
+          </p:txBody>
+        </p:sp>
+        <p:sp>
+          <p:nvSpPr>
+            <p:cNvPr id="20" name="Rectangle 19">
+              <a:extLst>
+                <a:ext uri="{FF2B5EF4-FFF2-40B4-BE49-F238E27FC236}">
+                  <a16:creationId xmlns:a16="http://schemas.microsoft.com/office/drawing/2014/main" id="{10E00FC4-DDBC-F424-CF71-73AF7A284A68}"/>
+                </a:ext>
+                <a:ext uri="{C183D7F6-B498-43B3-948B-1728B52AA6E4}">
+                  <adec:decorative xmlns:adec="http://schemas.microsoft.com/office/drawing/2017/decorative" val="1"/>
+                </a:ext>
+              </a:extLst>
+            </p:cNvPr>
+            <p:cNvSpPr/>
+            <p:nvPr>
+              <p:extLst>
+                <p:ext uri="{386F3935-93C4-4BCD-93E2-E3B085C9AB24}">
+                  <p16:designElem xmlns:p16="http://schemas.microsoft.com/office/powerpoint/2015/main" val="1"/>
+                </p:ext>
+              </p:extLst>
+            </p:nvPr>
+          </p:nvSpPr>
+          <p:spPr>
+            <a:xfrm rot="5400000">
+              <a:off x="3100712" y="-3130481"/>
+              <a:ext cx="1519356" cy="7720782"/>
+            </a:xfrm>
+            <a:prstGeom prst="rect">
+              <a:avLst/>
+            </a:prstGeom>
+            <a:gradFill>
+              <a:gsLst>
+                <a:gs pos="29000">
+                  <a:schemeClr val="accent5">
+                    <a:lumMod val="60000"/>
+                    <a:lumOff val="40000"/>
+                    <a:alpha val="0"/>
+                  </a:schemeClr>
+                </a:gs>
+                <a:gs pos="100000">
+                  <a:schemeClr val="accent5">
+                    <a:lumMod val="75000"/>
+                  </a:schemeClr>
+                </a:gs>
+              </a:gsLst>
+              <a:lin ang="1200000" scaled="0"/>
+            </a:gradFill>
+            <a:ln>
+              <a:noFill/>
+            </a:ln>
+          </p:spPr>
+          <p:style>
+            <a:lnRef idx="2">
+              <a:schemeClr val="accent1">
+                <a:shade val="50000"/>
+              </a:schemeClr>
+            </a:lnRef>
+            <a:fillRef idx="1">
+              <a:schemeClr val="accent1"/>
+            </a:fillRef>
+            <a:effectRef idx="0">
+              <a:schemeClr val="accent1"/>
+            </a:effectRef>
+            <a:fontRef idx="minor">
+              <a:schemeClr val="lt1"/>
+            </a:fontRef>
+          </p:style>
+          <p:txBody>
+            <a:bodyPr rtlCol="0" anchor="ctr"/>
+            <a:lstStyle/>
+            <a:p>
+              <a:pPr algn="ctr"/>
+              <a:endParaRPr lang="en-US"/>
+            </a:p>
+          </p:txBody>
+        </p:sp>
+      </p:grpSp>
+      <p:sp>
+        <p:nvSpPr>
+          <p:cNvPr id="3" name="TextBox 2">
+            <a:extLst>
+              <a:ext uri="{FF2B5EF4-FFF2-40B4-BE49-F238E27FC236}">
+                <a16:creationId xmlns:a16="http://schemas.microsoft.com/office/drawing/2014/main" id="{77200409-2D47-D2CE-81B0-9CA63B279327}"/>
+              </a:ext>
+            </a:extLst>
+          </p:cNvPr>
+          <p:cNvSpPr txBox="1"/>
+          <p:nvPr/>
+        </p:nvSpPr>
+        <p:spPr>
+          <a:xfrm>
+            <a:off x="876691" y="301843"/>
+            <a:ext cx="10477109" cy="1003532"/>
+          </a:xfrm>
+          <a:prstGeom prst="rect">
+            <a:avLst/>
+          </a:prstGeom>
+        </p:spPr>
+        <p:txBody>
+          <a:bodyPr rot="0" spcFirstLastPara="0" vertOverflow="overflow" horzOverflow="overflow" vert="horz" lIns="91440" tIns="45720" rIns="91440" bIns="45720" numCol="1" spcCol="0" rtlCol="0" fromWordArt="0" anchor="ctr" anchorCtr="0" forceAA="0" compatLnSpc="1">
+            <a:prstTxWarp prst="textNoShape">
+              <a:avLst/>
+            </a:prstTxWarp>
+            <a:normAutofit/>
           </a:bodyPr>
           <a:lstStyle/>
           <a:p>
-            <a:pPr algn="l" fontAlgn="base"/>
-            <a:r>
-              <a:rPr lang="en-US" b="0" i="0" dirty="0">
+            <a:pPr>
+              <a:lnSpc>
+                <a:spcPct val="90000"/>
+              </a:lnSpc>
+              <a:spcBef>
+                <a:spcPct val="0"/>
+              </a:spcBef>
+              <a:spcAft>
+                <a:spcPts val="600"/>
+              </a:spcAft>
+            </a:pPr>
+            <a:r>
+              <a:rPr lang="en-US" sz="3200" b="1" dirty="0">
                 <a:solidFill>
-                  <a:srgbClr val="3B3B3B"/>
+                  <a:srgbClr val="FFFFFF"/>
                 </a:solidFill>
-                <a:effectLst/>
-                <a:latin typeface="inherit"/>
+                <a:latin typeface="+mj-lt"/>
+                <a:ea typeface="+mj-ea"/>
+                <a:cs typeface="+mj-cs"/>
               </a:rPr>
-              <a:t>Customer churn rate (CCR) is the essential metric for tracking how many customers are leaving you. Specifically, how many as a proportion of your customer base. Customer churn rate is always expressed as a percentage. It also always covers a specific period of time. For example, “a 10% customer churn rate for the last quarter”.</a:t>
-            </a:r>
-            <a:endParaRPr lang="en-US" b="0" i="0" dirty="0">
+              <a:t>Conclusions</a:t>
+            </a:r>
+            <a:endParaRPr lang="en-US" sz="3200" b="1" kern="1200" dirty="0">
               <a:solidFill>
-                <a:srgbClr val="3B3B3B"/>
+                <a:srgbClr val="FFFFFF"/>
               </a:solidFill>
-              <a:effectLst/>
-              <a:latin typeface="roboto" panose="02000000000000000000" pitchFamily="2" charset="0"/>
+              <a:latin typeface="+mj-lt"/>
+              <a:ea typeface="+mj-ea"/>
+              <a:cs typeface="+mj-cs"/>
             </a:endParaRPr>
           </a:p>
-          <a:p>
-            <a:pPr algn="l" fontAlgn="base"/>
-            <a:r>
-              <a:rPr lang="en-US" b="0" i="0" dirty="0">
-                <a:solidFill>
-                  <a:srgbClr val="3B3B3B"/>
-                </a:solidFill>
-                <a:effectLst/>
-                <a:latin typeface="inherit"/>
-              </a:rPr>
-              <a:t>Another thing to bear in mind is that customer churn rate is symbiotically related to </a:t>
-            </a:r>
-            <a:r>
-              <a:rPr lang="en-US" b="0" i="0" u="none" strike="noStrike" dirty="0">
-                <a:solidFill>
-                  <a:srgbClr val="FF005E"/>
-                </a:solidFill>
-                <a:effectLst/>
-                <a:latin typeface="inherit"/>
-                <a:hlinkClick r:id="rId2"/>
-              </a:rPr>
-              <a:t>customer retention</a:t>
-            </a:r>
-            <a:r>
-              <a:rPr lang="en-US" b="0" i="0" dirty="0">
-                <a:solidFill>
-                  <a:srgbClr val="3B3B3B"/>
-                </a:solidFill>
-                <a:effectLst/>
-                <a:latin typeface="inherit"/>
-              </a:rPr>
-              <a:t> rate. If you have a churn rate of 10%, your retention rate is therefore 90%. This matters because decision-makers looking at customer retention and customer churn are looking at the same thing from opposite ends. Addressing customer churn is therefore an essential part of achieving the benefits of customer retention.</a:t>
-            </a:r>
-            <a:endParaRPr lang="en-US" b="0" i="0" dirty="0">
+        </p:txBody>
+      </p:sp>
+      <p:sp>
+        <p:nvSpPr>
+          <p:cNvPr id="2" name="Subtitle 2">
+            <a:extLst>
+              <a:ext uri="{FF2B5EF4-FFF2-40B4-BE49-F238E27FC236}">
+                <a16:creationId xmlns:a16="http://schemas.microsoft.com/office/drawing/2014/main" id="{E229F603-DF97-DC27-0BBF-2AB2DBE80DE4}"/>
+              </a:ext>
+            </a:extLst>
+          </p:cNvPr>
+          <p:cNvSpPr>
+            <a:spLocks noGrp="1"/>
+          </p:cNvSpPr>
+          <p:nvPr>
+            <p:ph type="subTitle" idx="1"/>
+          </p:nvPr>
+        </p:nvSpPr>
+        <p:spPr>
+          <a:xfrm>
+            <a:off x="1441704" y="1992694"/>
+            <a:ext cx="9144000" cy="1655762"/>
+          </a:xfrm>
+        </p:spPr>
+        <p:txBody>
+          <a:bodyPr/>
+          <a:lstStyle/>
+          <a:p>
+            <a:pPr marL="342900" indent="-342900" algn="l">
+              <a:buFont typeface="Arial" panose="020B0604020202020204" pitchFamily="34" charset="0"/>
+              <a:buChar char="•"/>
+            </a:pPr>
+            <a:r>
+              <a:rPr lang="en-US" dirty="0"/>
+              <a:t>Add points from README</a:t>
+            </a:r>
+          </a:p>
+          <a:p>
+            <a:pPr marL="342900" indent="-342900" algn="l">
+              <a:buFont typeface="Arial" panose="020B0604020202020204" pitchFamily="34" charset="0"/>
+              <a:buChar char="•"/>
+            </a:pPr>
+            <a:endParaRPr lang="en-US" dirty="0"/>
+          </a:p>
+        </p:txBody>
+      </p:sp>
+    </p:spTree>
+    <p:extLst>
+      <p:ext uri="{BB962C8B-B14F-4D97-AF65-F5344CB8AC3E}">
+        <p14:creationId xmlns:p14="http://schemas.microsoft.com/office/powerpoint/2010/main" val="388507584"/>
+      </p:ext>
+    </p:extLst>
+  </p:cSld>
+  <p:clrMapOvr>
+    <a:masterClrMapping/>
+  </p:clrMapOvr>
+</p:sld>
+</file>
+
+<file path=ppt/slides/slide14.xml><?xml version="1.0" encoding="utf-8"?>
+<p:sld xmlns:a="http://schemas.openxmlformats.org/drawingml/2006/main" xmlns:r="http://schemas.openxmlformats.org/officeDocument/2006/relationships" xmlns:p="http://schemas.openxmlformats.org/presentationml/2006/main">
+  <p:cSld>
+    <p:bg>
+      <p:bgPr>
+        <a:solidFill>
+          <a:schemeClr val="bg1"/>
+        </a:solidFill>
+        <a:effectLst/>
+      </p:bgPr>
+    </p:bg>
+    <p:spTree>
+      <p:nvGrpSpPr>
+        <p:cNvPr id="1" name=""/>
+        <p:cNvGrpSpPr/>
+        <p:nvPr/>
+      </p:nvGrpSpPr>
+      <p:grpSpPr>
+        <a:xfrm>
+          <a:off x="0" y="0"/>
+          <a:ext cx="0" cy="0"/>
+          <a:chOff x="0" y="0"/>
+          <a:chExt cx="0" cy="0"/>
+        </a:xfrm>
+      </p:grpSpPr>
+      <p:grpSp>
+        <p:nvGrpSpPr>
+          <p:cNvPr id="17" name="Group 16">
+            <a:extLst>
+              <a:ext uri="{FF2B5EF4-FFF2-40B4-BE49-F238E27FC236}">
+                <a16:creationId xmlns:a16="http://schemas.microsoft.com/office/drawing/2014/main" id="{1E5539EC-8CB8-002F-68C6-678840282659}"/>
+              </a:ext>
+              <a:ext uri="{C183D7F6-B498-43B3-948B-1728B52AA6E4}">
+                <adec:decorative xmlns:adec="http://schemas.microsoft.com/office/drawing/2017/decorative" val="1"/>
+              </a:ext>
+            </a:extLst>
+          </p:cNvPr>
+          <p:cNvGrpSpPr>
+            <a:grpSpLocks noGrp="1" noUngrp="1" noRot="1" noChangeAspect="1" noMove="1" noResize="1"/>
+          </p:cNvGrpSpPr>
+          <p:nvPr>
+            <p:extLst>
+              <p:ext uri="{386F3935-93C4-4BCD-93E2-E3B085C9AB24}">
+                <p16:designElem xmlns:p16="http://schemas.microsoft.com/office/powerpoint/2015/main" val="1"/>
+              </p:ext>
+            </p:extLst>
+          </p:nvPr>
+        </p:nvGrpSpPr>
+        <p:grpSpPr>
+          <a:xfrm>
+            <a:off x="-1" y="-29768"/>
+            <a:ext cx="12202175" cy="1519356"/>
+            <a:chOff x="-1" y="-29768"/>
+            <a:chExt cx="12202175" cy="1519356"/>
+          </a:xfrm>
+        </p:grpSpPr>
+        <p:sp>
+          <p:nvSpPr>
+            <p:cNvPr id="18" name="Rectangle 17">
+              <a:extLst>
+                <a:ext uri="{FF2B5EF4-FFF2-40B4-BE49-F238E27FC236}">
+                  <a16:creationId xmlns:a16="http://schemas.microsoft.com/office/drawing/2014/main" id="{6C5D55A6-9EFD-CDA3-20CC-A99812CE1ABC}"/>
+                </a:ext>
+                <a:ext uri="{C183D7F6-B498-43B3-948B-1728B52AA6E4}">
+                  <adec:decorative xmlns:adec="http://schemas.microsoft.com/office/drawing/2017/decorative" val="1"/>
+                </a:ext>
+              </a:extLst>
+            </p:cNvPr>
+            <p:cNvSpPr/>
+            <p:nvPr>
+              <p:extLst>
+                <p:ext uri="{386F3935-93C4-4BCD-93E2-E3B085C9AB24}">
+                  <p16:designElem xmlns:p16="http://schemas.microsoft.com/office/powerpoint/2015/main" val="1"/>
+                </p:ext>
+              </p:extLst>
+            </p:nvPr>
+          </p:nvSpPr>
+          <p:spPr>
+            <a:xfrm rot="16200000">
+              <a:off x="5341412" y="-5371175"/>
+              <a:ext cx="1519350" cy="12202174"/>
+            </a:xfrm>
+            <a:prstGeom prst="rect">
+              <a:avLst/>
+            </a:prstGeom>
+            <a:gradFill>
+              <a:gsLst>
+                <a:gs pos="0">
+                  <a:schemeClr val="accent5"/>
+                </a:gs>
+                <a:gs pos="100000">
+                  <a:schemeClr val="accent2"/>
+                </a:gs>
+              </a:gsLst>
+              <a:lin ang="10200000" scaled="0"/>
+            </a:gradFill>
+            <a:ln>
+              <a:noFill/>
+            </a:ln>
+          </p:spPr>
+          <p:style>
+            <a:lnRef idx="2">
+              <a:schemeClr val="accent1">
+                <a:shade val="50000"/>
+              </a:schemeClr>
+            </a:lnRef>
+            <a:fillRef idx="1">
+              <a:schemeClr val="accent1"/>
+            </a:fillRef>
+            <a:effectRef idx="0">
+              <a:schemeClr val="accent1"/>
+            </a:effectRef>
+            <a:fontRef idx="minor">
+              <a:schemeClr val="lt1"/>
+            </a:fontRef>
+          </p:style>
+          <p:txBody>
+            <a:bodyPr rtlCol="0" anchor="ctr"/>
+            <a:lstStyle/>
+            <a:p>
+              <a:pPr algn="ctr"/>
+              <a:endParaRPr lang="en-US"/>
+            </a:p>
+          </p:txBody>
+        </p:sp>
+        <p:sp>
+          <p:nvSpPr>
+            <p:cNvPr id="19" name="Rectangle 18">
+              <a:extLst>
+                <a:ext uri="{FF2B5EF4-FFF2-40B4-BE49-F238E27FC236}">
+                  <a16:creationId xmlns:a16="http://schemas.microsoft.com/office/drawing/2014/main" id="{A5B6E73B-6DFD-AE6C-1628-DF8DC3008562}"/>
+                </a:ext>
+                <a:ext uri="{C183D7F6-B498-43B3-948B-1728B52AA6E4}">
+                  <adec:decorative xmlns:adec="http://schemas.microsoft.com/office/drawing/2017/decorative" val="1"/>
+                </a:ext>
+              </a:extLst>
+            </p:cNvPr>
+            <p:cNvSpPr/>
+            <p:nvPr>
+              <p:extLst>
+                <p:ext uri="{386F3935-93C4-4BCD-93E2-E3B085C9AB24}">
+                  <p16:designElem xmlns:p16="http://schemas.microsoft.com/office/powerpoint/2015/main" val="1"/>
+                </p:ext>
+              </p:extLst>
+            </p:nvPr>
+          </p:nvSpPr>
+          <p:spPr>
+            <a:xfrm rot="16200000">
+              <a:off x="8917093" y="-1801610"/>
+              <a:ext cx="1507122" cy="5063040"/>
+            </a:xfrm>
+            <a:prstGeom prst="rect">
+              <a:avLst/>
+            </a:prstGeom>
+            <a:gradFill>
+              <a:gsLst>
+                <a:gs pos="59000">
+                  <a:schemeClr val="accent5">
+                    <a:lumMod val="60000"/>
+                    <a:lumOff val="40000"/>
+                    <a:alpha val="0"/>
+                  </a:schemeClr>
+                </a:gs>
+                <a:gs pos="100000">
+                  <a:schemeClr val="accent5">
+                    <a:lumMod val="60000"/>
+                    <a:lumOff val="40000"/>
+                  </a:schemeClr>
+                </a:gs>
+              </a:gsLst>
+              <a:lin ang="1200000" scaled="0"/>
+            </a:gradFill>
+            <a:ln>
+              <a:noFill/>
+            </a:ln>
+          </p:spPr>
+          <p:style>
+            <a:lnRef idx="2">
+              <a:schemeClr val="accent1">
+                <a:shade val="50000"/>
+              </a:schemeClr>
+            </a:lnRef>
+            <a:fillRef idx="1">
+              <a:schemeClr val="accent1"/>
+            </a:fillRef>
+            <a:effectRef idx="0">
+              <a:schemeClr val="accent1"/>
+            </a:effectRef>
+            <a:fontRef idx="minor">
+              <a:schemeClr val="lt1"/>
+            </a:fontRef>
+          </p:style>
+          <p:txBody>
+            <a:bodyPr rtlCol="0" anchor="ctr"/>
+            <a:lstStyle/>
+            <a:p>
+              <a:pPr algn="ctr"/>
+              <a:endParaRPr lang="en-US"/>
+            </a:p>
+          </p:txBody>
+        </p:sp>
+        <p:sp>
+          <p:nvSpPr>
+            <p:cNvPr id="20" name="Rectangle 19">
+              <a:extLst>
+                <a:ext uri="{FF2B5EF4-FFF2-40B4-BE49-F238E27FC236}">
+                  <a16:creationId xmlns:a16="http://schemas.microsoft.com/office/drawing/2014/main" id="{10E00FC4-DDBC-F424-CF71-73AF7A284A68}"/>
+                </a:ext>
+                <a:ext uri="{C183D7F6-B498-43B3-948B-1728B52AA6E4}">
+                  <adec:decorative xmlns:adec="http://schemas.microsoft.com/office/drawing/2017/decorative" val="1"/>
+                </a:ext>
+              </a:extLst>
+            </p:cNvPr>
+            <p:cNvSpPr/>
+            <p:nvPr>
+              <p:extLst>
+                <p:ext uri="{386F3935-93C4-4BCD-93E2-E3B085C9AB24}">
+                  <p16:designElem xmlns:p16="http://schemas.microsoft.com/office/powerpoint/2015/main" val="1"/>
+                </p:ext>
+              </p:extLst>
+            </p:nvPr>
+          </p:nvSpPr>
+          <p:spPr>
+            <a:xfrm rot="5400000">
+              <a:off x="3100712" y="-3130481"/>
+              <a:ext cx="1519356" cy="7720782"/>
+            </a:xfrm>
+            <a:prstGeom prst="rect">
+              <a:avLst/>
+            </a:prstGeom>
+            <a:gradFill>
+              <a:gsLst>
+                <a:gs pos="29000">
+                  <a:schemeClr val="accent5">
+                    <a:lumMod val="60000"/>
+                    <a:lumOff val="40000"/>
+                    <a:alpha val="0"/>
+                  </a:schemeClr>
+                </a:gs>
+                <a:gs pos="100000">
+                  <a:schemeClr val="accent5">
+                    <a:lumMod val="75000"/>
+                  </a:schemeClr>
+                </a:gs>
+              </a:gsLst>
+              <a:lin ang="1200000" scaled="0"/>
+            </a:gradFill>
+            <a:ln>
+              <a:noFill/>
+            </a:ln>
+          </p:spPr>
+          <p:style>
+            <a:lnRef idx="2">
+              <a:schemeClr val="accent1">
+                <a:shade val="50000"/>
+              </a:schemeClr>
+            </a:lnRef>
+            <a:fillRef idx="1">
+              <a:schemeClr val="accent1"/>
+            </a:fillRef>
+            <a:effectRef idx="0">
+              <a:schemeClr val="accent1"/>
+            </a:effectRef>
+            <a:fontRef idx="minor">
+              <a:schemeClr val="lt1"/>
+            </a:fontRef>
+          </p:style>
+          <p:txBody>
+            <a:bodyPr rtlCol="0" anchor="ctr"/>
+            <a:lstStyle/>
+            <a:p>
+              <a:pPr algn="ctr"/>
+              <a:endParaRPr lang="en-US"/>
+            </a:p>
+          </p:txBody>
+        </p:sp>
+      </p:grpSp>
+      <p:sp>
+        <p:nvSpPr>
+          <p:cNvPr id="3" name="TextBox 2">
+            <a:extLst>
+              <a:ext uri="{FF2B5EF4-FFF2-40B4-BE49-F238E27FC236}">
+                <a16:creationId xmlns:a16="http://schemas.microsoft.com/office/drawing/2014/main" id="{77200409-2D47-D2CE-81B0-9CA63B279327}"/>
+              </a:ext>
+            </a:extLst>
+          </p:cNvPr>
+          <p:cNvSpPr txBox="1"/>
+          <p:nvPr/>
+        </p:nvSpPr>
+        <p:spPr>
+          <a:xfrm>
+            <a:off x="876691" y="301843"/>
+            <a:ext cx="10477109" cy="1003532"/>
+          </a:xfrm>
+          <a:prstGeom prst="rect">
+            <a:avLst/>
+          </a:prstGeom>
+        </p:spPr>
+        <p:txBody>
+          <a:bodyPr rot="0" spcFirstLastPara="0" vertOverflow="overflow" horzOverflow="overflow" vert="horz" lIns="91440" tIns="45720" rIns="91440" bIns="45720" numCol="1" spcCol="0" rtlCol="0" fromWordArt="0" anchor="ctr" anchorCtr="0" forceAA="0" compatLnSpc="1">
+            <a:prstTxWarp prst="textNoShape">
+              <a:avLst/>
+            </a:prstTxWarp>
+            <a:normAutofit/>
+          </a:bodyPr>
+          <a:lstStyle/>
+          <a:p>
+            <a:pPr>
+              <a:lnSpc>
+                <a:spcPct val="90000"/>
+              </a:lnSpc>
+              <a:spcBef>
+                <a:spcPct val="0"/>
+              </a:spcBef>
+              <a:spcAft>
+                <a:spcPts val="600"/>
+              </a:spcAft>
+            </a:pPr>
+            <a:endParaRPr lang="en-US" sz="3200" b="1" kern="1200" dirty="0">
               <a:solidFill>
-                <a:srgbClr val="3B3B3B"/>
+                <a:srgbClr val="FFFFFF"/>
               </a:solidFill>
-              <a:effectLst/>
-              <a:latin typeface="roboto" panose="02000000000000000000" pitchFamily="2" charset="0"/>
+              <a:latin typeface="+mj-lt"/>
+              <a:ea typeface="+mj-ea"/>
+              <a:cs typeface="+mj-cs"/>
             </a:endParaRPr>
           </a:p>
         </p:txBody>
       </p:sp>
       <p:pic>
         <p:nvPicPr>
-          <p:cNvPr id="1026" name="Picture 2">
-            <a:extLst>
-              <a:ext uri="{FF2B5EF4-FFF2-40B4-BE49-F238E27FC236}">
-                <a16:creationId xmlns:a16="http://schemas.microsoft.com/office/drawing/2014/main" id="{2F4411B2-BAA1-1F53-60C2-98CB16ECDFFB}"/>
+          <p:cNvPr id="2052" name="Picture 4" descr="The End&quot; Images – Browse 12,137 Stock Photos, Vectors, and Video | Adobe  Stock">
+            <a:extLst>
+              <a:ext uri="{FF2B5EF4-FFF2-40B4-BE49-F238E27FC236}">
+                <a16:creationId xmlns:a16="http://schemas.microsoft.com/office/drawing/2014/main" id="{C9C62650-4B41-C65C-2BDD-B34D86E968F4}"/>
               </a:ext>
             </a:extLst>
           </p:cNvPr>
@@ -3635,21 +5840,23 @@
           </p:cNvPicPr>
           <p:nvPr/>
         </p:nvPicPr>
-        <p:blipFill rotWithShape="1">
-          <a:blip r:embed="rId3">
+        <p:blipFill>
+          <a:blip r:embed="rId2">
             <a:extLst>
               <a:ext uri="{28A0092B-C50C-407E-A947-70E740481C1C}">
                 <a14:useLocalDpi xmlns:a14="http://schemas.microsoft.com/office/drawing/2010/main" val="0"/>
               </a:ext>
             </a:extLst>
           </a:blip>
-          <a:srcRect l="32458" t="2460" r="32494" b="2460"/>
-          <a:stretch/>
+          <a:srcRect/>
+          <a:stretch>
+            <a:fillRect/>
+          </a:stretch>
         </p:blipFill>
         <p:spPr bwMode="auto">
           <a:xfrm>
-            <a:off x="7634377" y="2242868"/>
-            <a:ext cx="2820838" cy="2907102"/>
+            <a:off x="-4882" y="-29768"/>
+            <a:ext cx="12196882" cy="6914768"/>
           </a:xfrm>
           <a:prstGeom prst="rect">
             <a:avLst/>
@@ -3669,7 +5876,7 @@
     </p:spTree>
     <p:extLst>
       <p:ext uri="{BB962C8B-B14F-4D97-AF65-F5344CB8AC3E}">
-        <p14:creationId xmlns:p14="http://schemas.microsoft.com/office/powerpoint/2010/main" val="21090907"/>
+        <p14:creationId xmlns:p14="http://schemas.microsoft.com/office/powerpoint/2010/main" val="1051080647"/>
       </p:ext>
     </p:extLst>
   </p:cSld>
@@ -3679,9 +5886,17 @@
 </p:sld>
 </file>
 
-<file path=ppt/slides/slide3.xml><?xml version="1.0" encoding="utf-8"?>
+<file path=ppt/slides/slide2.xml><?xml version="1.0" encoding="utf-8"?>
 <p:sld xmlns:a="http://schemas.openxmlformats.org/drawingml/2006/main" xmlns:r="http://schemas.openxmlformats.org/officeDocument/2006/relationships" xmlns:p="http://schemas.openxmlformats.org/presentationml/2006/main">
   <p:cSld>
+    <p:bg>
+      <p:bgPr>
+        <a:solidFill>
+          <a:schemeClr val="bg1"/>
+        </a:solidFill>
+        <a:effectLst/>
+      </p:bgPr>
+    </p:bg>
     <p:spTree>
       <p:nvGrpSpPr>
         <p:cNvPr id="1" name=""/>
@@ -3696,12 +5911,72 @@
           <a:chExt cx="0" cy="0"/>
         </a:xfrm>
       </p:grpSpPr>
+      <p:sp useBgFill="1">
+        <p:nvSpPr>
+          <p:cNvPr id="1031" name="Rectangle 1030">
+            <a:extLst>
+              <a:ext uri="{FF2B5EF4-FFF2-40B4-BE49-F238E27FC236}">
+                <a16:creationId xmlns:a16="http://schemas.microsoft.com/office/drawing/2014/main" id="{362D44EE-C852-4460-B8B5-C4F2BC20510C}"/>
+              </a:ext>
+              <a:ext uri="{C183D7F6-B498-43B3-948B-1728B52AA6E4}">
+                <adec:decorative xmlns:adec="http://schemas.microsoft.com/office/drawing/2017/decorative" val="1"/>
+              </a:ext>
+            </a:extLst>
+          </p:cNvPr>
+          <p:cNvSpPr>
+            <a:spLocks noGrp="1" noRot="1" noChangeAspect="1" noMove="1" noResize="1" noEditPoints="1" noAdjustHandles="1" noChangeArrowheads="1" noChangeShapeType="1" noTextEdit="1"/>
+          </p:cNvSpPr>
+          <p:nvPr>
+            <p:extLst>
+              <p:ext uri="{386F3935-93C4-4BCD-93E2-E3B085C9AB24}">
+                <p16:designElem xmlns:p16="http://schemas.microsoft.com/office/powerpoint/2015/main" val="1"/>
+              </p:ext>
+            </p:extLst>
+          </p:nvPr>
+        </p:nvSpPr>
+        <p:spPr>
+          <a:xfrm>
+            <a:off x="0" y="0"/>
+            <a:ext cx="12192000" cy="6858000"/>
+          </a:xfrm>
+          <a:prstGeom prst="rect">
+            <a:avLst/>
+          </a:prstGeom>
+          <a:ln>
+            <a:noFill/>
+          </a:ln>
+        </p:spPr>
+        <p:style>
+          <a:lnRef idx="2">
+            <a:schemeClr val="accent1">
+              <a:shade val="50000"/>
+            </a:schemeClr>
+          </a:lnRef>
+          <a:fillRef idx="1">
+            <a:schemeClr val="accent1"/>
+          </a:fillRef>
+          <a:effectRef idx="0">
+            <a:schemeClr val="accent1"/>
+          </a:effectRef>
+          <a:fontRef idx="minor">
+            <a:schemeClr val="lt1"/>
+          </a:fontRef>
+        </p:style>
+        <p:txBody>
+          <a:bodyPr rtlCol="0" anchor="ctr"/>
+          <a:lstStyle/>
+          <a:p>
+            <a:pPr algn="ctr"/>
+            <a:endParaRPr lang="en-US"/>
+          </a:p>
+        </p:txBody>
+      </p:sp>
       <p:sp>
         <p:nvSpPr>
           <p:cNvPr id="2" name="Title 1">
             <a:extLst>
               <a:ext uri="{FF2B5EF4-FFF2-40B4-BE49-F238E27FC236}">
-                <a16:creationId xmlns:a16="http://schemas.microsoft.com/office/drawing/2014/main" id="{3E2213E4-0ED9-DE0E-107C-0302EBBB36EF}"/>
+                <a16:creationId xmlns:a16="http://schemas.microsoft.com/office/drawing/2014/main" id="{16F1E946-040B-6700-FACE-54ED0F39DA27}"/>
               </a:ext>
             </a:extLst>
           </p:cNvPr>
@@ -3714,17 +5989,19 @@
         </p:nvSpPr>
         <p:spPr>
           <a:xfrm>
-            <a:off x="1524000" y="354612"/>
-            <a:ext cx="9144000" cy="947977"/>
+            <a:off x="6194716" y="739978"/>
+            <a:ext cx="5334930" cy="3004145"/>
           </a:xfrm>
         </p:spPr>
         <p:txBody>
-          <a:bodyPr/>
+          <a:bodyPr>
+            <a:normAutofit/>
+          </a:bodyPr>
           <a:lstStyle/>
           <a:p>
             <a:r>
               <a:rPr lang="en-US" dirty="0"/>
-              <a:t>What is the data set</a:t>
+              <a:t>What is Customer Churn?</a:t>
             </a:r>
           </a:p>
         </p:txBody>
@@ -3734,7 +6011,7 @@
           <p:cNvPr id="3" name="Subtitle 2">
             <a:extLst>
               <a:ext uri="{FF2B5EF4-FFF2-40B4-BE49-F238E27FC236}">
-                <a16:creationId xmlns:a16="http://schemas.microsoft.com/office/drawing/2014/main" id="{27DAD8B4-EA10-9105-0EBC-DD648210C3A0}"/>
+                <a16:creationId xmlns:a16="http://schemas.microsoft.com/office/drawing/2014/main" id="{C29F3C71-3617-A86A-0136-60E87D1E77F0}"/>
               </a:ext>
             </a:extLst>
           </p:cNvPr>
@@ -3747,69 +6024,25 @@
         </p:nvSpPr>
         <p:spPr>
           <a:xfrm>
-            <a:off x="1524000" y="1544129"/>
-            <a:ext cx="9144000" cy="4191508"/>
+            <a:off x="6194715" y="3836197"/>
+            <a:ext cx="5334931" cy="2189214"/>
           </a:xfrm>
         </p:spPr>
         <p:txBody>
           <a:bodyPr>
-            <a:normAutofit fontScale="85000" lnSpcReduction="20000"/>
+            <a:normAutofit/>
           </a:bodyPr>
           <a:lstStyle/>
-          <a:p>
-            <a:r>
-              <a:rPr lang="en-US" sz="1600" b="0" i="0" dirty="0">
-                <a:solidFill>
-                  <a:srgbClr val="3C4043"/>
-                </a:solidFill>
-                <a:effectLst/>
-                <a:latin typeface="Inter"/>
-              </a:rPr>
-              <a:t>A marketing agency has many customers who use their service to produce ads for the client/customer websites. They've noticed that they have quite a bit of churn in clients. They randomly assign account managers right now, but want you to create a machine learning model that will help predict which customers will churn (stop buying their service) so that they can correctly assign the customers most at risk to churn an account manager. Luckily they have some historical data, can you help them out? Create a classification algorithm that will help classify whether or not a customer churned. Then the company can test this against incoming data for future customers to predict which customers will churn and assign them an account manager.</a:t>
-            </a:r>
-          </a:p>
-          <a:p>
-            <a:pPr algn="l"/>
-            <a:r>
-              <a:rPr lang="en-US" sz="1600" dirty="0">
-                <a:solidFill>
-                  <a:srgbClr val="3C4043"/>
-                </a:solidFill>
-                <a:latin typeface="Inter"/>
-              </a:rPr>
-              <a:t>Data Source: </a:t>
-            </a:r>
-            <a:r>
-              <a:rPr lang="en-US" sz="1600" dirty="0">
-                <a:solidFill>
-                  <a:srgbClr val="3C4043"/>
-                </a:solidFill>
-                <a:latin typeface="Inter"/>
-                <a:hlinkClick r:id="rId2"/>
-              </a:rPr>
-              <a:t>https://www.kaggle.com/datasets/hassanamin/customer-churn</a:t>
-            </a:r>
-            <a:endParaRPr lang="en-US" sz="1600" dirty="0">
-              <a:solidFill>
-                <a:srgbClr val="3C4043"/>
-              </a:solidFill>
-              <a:latin typeface="Inter"/>
-            </a:endParaRPr>
-          </a:p>
           <a:p>
             <a:pPr marL="342900" indent="-342900" algn="l" fontAlgn="base">
               <a:buFont typeface="Arial" panose="020B0604020202020204" pitchFamily="34" charset="0"/>
               <a:buChar char="•"/>
             </a:pPr>
             <a:r>
-              <a:rPr lang="en-US" sz="1600" b="0" i="0" dirty="0">
-                <a:solidFill>
-                  <a:srgbClr val="3C4043"/>
-                </a:solidFill>
+              <a:rPr lang="en-US" sz="1300" b="0" i="0" dirty="0">
                 <a:effectLst/>
-                <a:latin typeface="Inter"/>
               </a:rPr>
-              <a:t>Name: Name of the latest contact at Company</a:t>
+              <a:t>Customer churn rate (CCR) is the essential metric for tracking how many customers are leaving your firm. It is always expressed as a percentage. It also always covers a specific period of time. For example, “a 10% customer churn rate for the last quarter”.</a:t>
             </a:r>
           </a:p>
           <a:p>
@@ -3818,14 +6051,32 @@
               <a:buChar char="•"/>
             </a:pPr>
             <a:r>
-              <a:rPr lang="en-US" sz="1600" b="0" i="0" dirty="0">
-                <a:solidFill>
-                  <a:srgbClr val="3C4043"/>
-                </a:solidFill>
+              <a:rPr lang="en-US" sz="1300" b="0" i="0" dirty="0">
                 <a:effectLst/>
-                <a:latin typeface="Inter"/>
               </a:rPr>
-              <a:t>Age: Customer Age</a:t>
+              <a:t>Another thing to bear in mind is that customer churn rate is the inverse of the </a:t>
+            </a:r>
+            <a:r>
+              <a:rPr lang="en-US" sz="1300" b="0" i="0" u="none" strike="noStrike" dirty="0">
+                <a:effectLst/>
+              </a:rPr>
+              <a:t>customer retention</a:t>
+            </a:r>
+            <a:r>
+              <a:rPr lang="en-US" sz="1300" b="0" i="0" dirty="0">
+                <a:effectLst/>
+              </a:rPr>
+              <a:t> rate. For </a:t>
+            </a:r>
+            <a:r>
+              <a:rPr lang="en-US" sz="1300" dirty="0"/>
+              <a:t>example, i</a:t>
+            </a:r>
+            <a:r>
+              <a:rPr lang="en-US" sz="1300" b="0" i="0" dirty="0">
+                <a:effectLst/>
+              </a:rPr>
+              <a:t>f you have a churn rate of 10%, your retention rate is therefore 90%. </a:t>
             </a:r>
           </a:p>
           <a:p>
@@ -3834,165 +6085,1044 @@
               <a:buChar char="•"/>
             </a:pPr>
             <a:r>
-              <a:rPr lang="en-US" sz="1600" b="0" i="0" dirty="0" err="1">
+              <a:rPr lang="en-US" sz="1300" b="0" i="0" dirty="0">
+                <a:effectLst/>
+              </a:rPr>
+              <a:t>This matters because decision-makers looking at forecasting need to address customer churn to achieve their customer retention goals.</a:t>
+            </a:r>
+          </a:p>
+        </p:txBody>
+      </p:sp>
+      <p:sp>
+        <p:nvSpPr>
+          <p:cNvPr id="1033" name="Freeform: Shape 1032">
+            <a:extLst>
+              <a:ext uri="{FF2B5EF4-FFF2-40B4-BE49-F238E27FC236}">
+                <a16:creationId xmlns:a16="http://schemas.microsoft.com/office/drawing/2014/main" id="{658970D8-8D1D-4B5C-894B-E871CC86543D}"/>
+              </a:ext>
+              <a:ext uri="{C183D7F6-B498-43B3-948B-1728B52AA6E4}">
+                <adec:decorative xmlns:adec="http://schemas.microsoft.com/office/drawing/2017/decorative" val="1"/>
+              </a:ext>
+            </a:extLst>
+          </p:cNvPr>
+          <p:cNvSpPr>
+            <a:spLocks noGrp="1" noRot="1" noChangeAspect="1" noMove="1" noResize="1" noEditPoints="1" noAdjustHandles="1" noChangeArrowheads="1" noChangeShapeType="1" noTextEdit="1"/>
+          </p:cNvSpPr>
+          <p:nvPr>
+            <p:extLst>
+              <p:ext uri="{386F3935-93C4-4BCD-93E2-E3B085C9AB24}">
+                <p16:designElem xmlns:p16="http://schemas.microsoft.com/office/powerpoint/2015/main" val="1"/>
+              </p:ext>
+            </p:extLst>
+          </p:nvPr>
+        </p:nvSpPr>
+        <p:spPr>
+          <a:xfrm flipH="1">
+            <a:off x="530529" y="1"/>
+            <a:ext cx="1155142" cy="591009"/>
+          </a:xfrm>
+          <a:custGeom>
+            <a:avLst/>
+            <a:gdLst>
+              <a:gd name="connsiteX0" fmla="*/ 1355 w 1155142"/>
+              <a:gd name="connsiteY0" fmla="*/ 0 h 591009"/>
+              <a:gd name="connsiteX1" fmla="*/ 1153787 w 1155142"/>
+              <a:gd name="connsiteY1" fmla="*/ 0 h 591009"/>
+              <a:gd name="connsiteX2" fmla="*/ 1155142 w 1155142"/>
+              <a:gd name="connsiteY2" fmla="*/ 13438 h 591009"/>
+              <a:gd name="connsiteX3" fmla="*/ 577571 w 1155142"/>
+              <a:gd name="connsiteY3" fmla="*/ 591009 h 591009"/>
+              <a:gd name="connsiteX4" fmla="*/ 0 w 1155142"/>
+              <a:gd name="connsiteY4" fmla="*/ 13438 h 591009"/>
+            </a:gdLst>
+            <a:ahLst/>
+            <a:cxnLst>
+              <a:cxn ang="0">
+                <a:pos x="connsiteX0" y="connsiteY0"/>
+              </a:cxn>
+              <a:cxn ang="0">
+                <a:pos x="connsiteX1" y="connsiteY1"/>
+              </a:cxn>
+              <a:cxn ang="0">
+                <a:pos x="connsiteX2" y="connsiteY2"/>
+              </a:cxn>
+              <a:cxn ang="0">
+                <a:pos x="connsiteX3" y="connsiteY3"/>
+              </a:cxn>
+              <a:cxn ang="0">
+                <a:pos x="connsiteX4" y="connsiteY4"/>
+              </a:cxn>
+            </a:cxnLst>
+            <a:rect l="l" t="t" r="r" b="b"/>
+            <a:pathLst>
+              <a:path w="1155142" h="591009">
+                <a:moveTo>
+                  <a:pt x="1355" y="0"/>
+                </a:moveTo>
+                <a:lnTo>
+                  <a:pt x="1153787" y="0"/>
+                </a:lnTo>
+                <a:lnTo>
+                  <a:pt x="1155142" y="13438"/>
+                </a:lnTo>
+                <a:cubicBezTo>
+                  <a:pt x="1155142" y="332422"/>
+                  <a:pt x="896555" y="591009"/>
+                  <a:pt x="577571" y="591009"/>
+                </a:cubicBezTo>
+                <a:cubicBezTo>
+                  <a:pt x="258587" y="591009"/>
+                  <a:pt x="0" y="332422"/>
+                  <a:pt x="0" y="13438"/>
+                </a:cubicBezTo>
+                <a:close/>
+              </a:path>
+            </a:pathLst>
+          </a:custGeom>
+          <a:solidFill>
+            <a:schemeClr val="accent5"/>
+          </a:solidFill>
+          <a:ln>
+            <a:noFill/>
+          </a:ln>
+        </p:spPr>
+        <p:style>
+          <a:lnRef idx="2">
+            <a:schemeClr val="accent1">
+              <a:shade val="50000"/>
+            </a:schemeClr>
+          </a:lnRef>
+          <a:fillRef idx="1">
+            <a:schemeClr val="accent1"/>
+          </a:fillRef>
+          <a:effectRef idx="0">
+            <a:schemeClr val="accent1"/>
+          </a:effectRef>
+          <a:fontRef idx="minor">
+            <a:schemeClr val="lt1"/>
+          </a:fontRef>
+        </p:style>
+        <p:txBody>
+          <a:bodyPr wrap="square" rtlCol="0" anchor="ctr">
+            <a:noAutofit/>
+          </a:bodyPr>
+          <a:lstStyle/>
+          <a:p>
+            <a:pPr algn="ctr"/>
+            <a:endParaRPr lang="en-US"/>
+          </a:p>
+        </p:txBody>
+      </p:sp>
+      <p:sp>
+        <p:nvSpPr>
+          <p:cNvPr id="1035" name="Freeform: Shape 1034">
+            <a:extLst>
+              <a:ext uri="{FF2B5EF4-FFF2-40B4-BE49-F238E27FC236}">
+                <a16:creationId xmlns:a16="http://schemas.microsoft.com/office/drawing/2014/main" id="{F227E5B6-9132-43CA-B503-37A18562ADF2}"/>
+              </a:ext>
+              <a:ext uri="{C183D7F6-B498-43B3-948B-1728B52AA6E4}">
+                <adec:decorative xmlns:adec="http://schemas.microsoft.com/office/drawing/2017/decorative" val="1"/>
+              </a:ext>
+            </a:extLst>
+          </p:cNvPr>
+          <p:cNvSpPr>
+            <a:spLocks noGrp="1" noRot="1" noChangeAspect="1" noMove="1" noResize="1" noEditPoints="1" noAdjustHandles="1" noChangeArrowheads="1" noChangeShapeType="1" noTextEdit="1"/>
+          </p:cNvSpPr>
+          <p:nvPr>
+            <p:extLst>
+              <p:ext uri="{386F3935-93C4-4BCD-93E2-E3B085C9AB24}">
+                <p16:designElem xmlns:p16="http://schemas.microsoft.com/office/powerpoint/2015/main" val="1"/>
+              </p:ext>
+            </p:extLst>
+          </p:nvPr>
+        </p:nvSpPr>
+        <p:spPr>
+          <a:xfrm flipH="1">
+            <a:off x="4349052" y="0"/>
+            <a:ext cx="1737401" cy="959536"/>
+          </a:xfrm>
+          <a:custGeom>
+            <a:avLst/>
+            <a:gdLst>
+              <a:gd name="connsiteX0" fmla="*/ 0 w 1737401"/>
+              <a:gd name="connsiteY0" fmla="*/ 0 h 959536"/>
+              <a:gd name="connsiteX1" fmla="*/ 123825 w 1737401"/>
+              <a:gd name="connsiteY1" fmla="*/ 0 h 959536"/>
+              <a:gd name="connsiteX2" fmla="*/ 123825 w 1737401"/>
+              <a:gd name="connsiteY2" fmla="*/ 790277 h 959536"/>
+              <a:gd name="connsiteX3" fmla="*/ 1490095 w 1737401"/>
+              <a:gd name="connsiteY3" fmla="*/ 0 h 959536"/>
+              <a:gd name="connsiteX4" fmla="*/ 1737401 w 1737401"/>
+              <a:gd name="connsiteY4" fmla="*/ 0 h 959536"/>
+              <a:gd name="connsiteX5" fmla="*/ 92869 w 1737401"/>
+              <a:gd name="connsiteY5" fmla="*/ 951249 h 959536"/>
+              <a:gd name="connsiteX6" fmla="*/ 61913 w 1737401"/>
+              <a:gd name="connsiteY6" fmla="*/ 959536 h 959536"/>
+              <a:gd name="connsiteX7" fmla="*/ 0 w 1737401"/>
+              <a:gd name="connsiteY7" fmla="*/ 897624 h 959536"/>
+            </a:gdLst>
+            <a:ahLst/>
+            <a:cxnLst>
+              <a:cxn ang="0">
+                <a:pos x="connsiteX0" y="connsiteY0"/>
+              </a:cxn>
+              <a:cxn ang="0">
+                <a:pos x="connsiteX1" y="connsiteY1"/>
+              </a:cxn>
+              <a:cxn ang="0">
+                <a:pos x="connsiteX2" y="connsiteY2"/>
+              </a:cxn>
+              <a:cxn ang="0">
+                <a:pos x="connsiteX3" y="connsiteY3"/>
+              </a:cxn>
+              <a:cxn ang="0">
+                <a:pos x="connsiteX4" y="connsiteY4"/>
+              </a:cxn>
+              <a:cxn ang="0">
+                <a:pos x="connsiteX5" y="connsiteY5"/>
+              </a:cxn>
+              <a:cxn ang="0">
+                <a:pos x="connsiteX6" y="connsiteY6"/>
+              </a:cxn>
+              <a:cxn ang="0">
+                <a:pos x="connsiteX7" y="connsiteY7"/>
+              </a:cxn>
+            </a:cxnLst>
+            <a:rect l="l" t="t" r="r" b="b"/>
+            <a:pathLst>
+              <a:path w="1737401" h="959536">
+                <a:moveTo>
+                  <a:pt x="0" y="0"/>
+                </a:moveTo>
+                <a:lnTo>
+                  <a:pt x="123825" y="0"/>
+                </a:lnTo>
+                <a:lnTo>
+                  <a:pt x="123825" y="790277"/>
+                </a:lnTo>
+                <a:lnTo>
+                  <a:pt x="1490095" y="0"/>
+                </a:lnTo>
+                <a:lnTo>
+                  <a:pt x="1737401" y="0"/>
+                </a:lnTo>
+                <a:lnTo>
+                  <a:pt x="92869" y="951249"/>
+                </a:lnTo>
+                <a:cubicBezTo>
+                  <a:pt x="83458" y="956688"/>
+                  <a:pt x="72780" y="959546"/>
+                  <a:pt x="61913" y="959536"/>
+                </a:cubicBezTo>
+                <a:cubicBezTo>
+                  <a:pt x="27719" y="959536"/>
+                  <a:pt x="0" y="931818"/>
+                  <a:pt x="0" y="897624"/>
+                </a:cubicBezTo>
+                <a:close/>
+              </a:path>
+            </a:pathLst>
+          </a:custGeom>
+          <a:solidFill>
+            <a:schemeClr val="accent6"/>
+          </a:solidFill>
+          <a:ln w="9525" cap="flat">
+            <a:noFill/>
+            <a:prstDash val="solid"/>
+            <a:miter/>
+          </a:ln>
+        </p:spPr>
+        <p:txBody>
+          <a:bodyPr rtlCol="0" anchor="ctr"/>
+          <a:lstStyle/>
+          <a:p>
+            <a:endParaRPr lang="en-US"/>
+          </a:p>
+        </p:txBody>
+      </p:sp>
+      <p:sp>
+        <p:nvSpPr>
+          <p:cNvPr id="1037" name="Freeform: Shape 1036">
+            <a:extLst>
+              <a:ext uri="{FF2B5EF4-FFF2-40B4-BE49-F238E27FC236}">
+                <a16:creationId xmlns:a16="http://schemas.microsoft.com/office/drawing/2014/main" id="{03C2051E-A88D-48E5-BACF-AAED17892722}"/>
+              </a:ext>
+              <a:ext uri="{C183D7F6-B498-43B3-948B-1728B52AA6E4}">
+                <adec:decorative xmlns:adec="http://schemas.microsoft.com/office/drawing/2017/decorative" val="1"/>
+              </a:ext>
+            </a:extLst>
+          </p:cNvPr>
+          <p:cNvSpPr>
+            <a:spLocks noGrp="1" noRot="1" noChangeAspect="1" noMove="1" noResize="1" noEditPoints="1" noAdjustHandles="1" noChangeArrowheads="1" noChangeShapeType="1" noTextEdit="1"/>
+          </p:cNvSpPr>
+          <p:nvPr>
+            <p:extLst>
+              <p:ext uri="{386F3935-93C4-4BCD-93E2-E3B085C9AB24}">
+                <p16:designElem xmlns:p16="http://schemas.microsoft.com/office/powerpoint/2015/main" val="1"/>
+              </p:ext>
+            </p:extLst>
+          </p:nvPr>
+        </p:nvSpPr>
+        <p:spPr>
+          <a:xfrm flipH="1">
+            <a:off x="0" y="2916245"/>
+            <a:ext cx="159741" cy="552996"/>
+          </a:xfrm>
+          <a:custGeom>
+            <a:avLst/>
+            <a:gdLst>
+              <a:gd name="connsiteX0" fmla="*/ 159741 w 159741"/>
+              <a:gd name="connsiteY0" fmla="*/ 0 h 552996"/>
+              <a:gd name="connsiteX1" fmla="*/ 159741 w 159741"/>
+              <a:gd name="connsiteY1" fmla="*/ 552996 h 552996"/>
+              <a:gd name="connsiteX2" fmla="*/ 141849 w 159741"/>
+              <a:gd name="connsiteY2" fmla="*/ 543285 h 552996"/>
+              <a:gd name="connsiteX3" fmla="*/ 0 w 159741"/>
+              <a:gd name="connsiteY3" fmla="*/ 276498 h 552996"/>
+              <a:gd name="connsiteX4" fmla="*/ 141849 w 159741"/>
+              <a:gd name="connsiteY4" fmla="*/ 9711 h 552996"/>
+            </a:gdLst>
+            <a:ahLst/>
+            <a:cxnLst>
+              <a:cxn ang="0">
+                <a:pos x="connsiteX0" y="connsiteY0"/>
+              </a:cxn>
+              <a:cxn ang="0">
+                <a:pos x="connsiteX1" y="connsiteY1"/>
+              </a:cxn>
+              <a:cxn ang="0">
+                <a:pos x="connsiteX2" y="connsiteY2"/>
+              </a:cxn>
+              <a:cxn ang="0">
+                <a:pos x="connsiteX3" y="connsiteY3"/>
+              </a:cxn>
+              <a:cxn ang="0">
+                <a:pos x="connsiteX4" y="connsiteY4"/>
+              </a:cxn>
+            </a:cxnLst>
+            <a:rect l="l" t="t" r="r" b="b"/>
+            <a:pathLst>
+              <a:path w="159741" h="552996">
+                <a:moveTo>
+                  <a:pt x="159741" y="0"/>
+                </a:moveTo>
+                <a:lnTo>
+                  <a:pt x="159741" y="552996"/>
+                </a:lnTo>
+                <a:lnTo>
+                  <a:pt x="141849" y="543285"/>
+                </a:lnTo>
+                <a:cubicBezTo>
+                  <a:pt x="56268" y="485467"/>
+                  <a:pt x="0" y="387554"/>
+                  <a:pt x="0" y="276498"/>
+                </a:cubicBezTo>
+                <a:cubicBezTo>
+                  <a:pt x="0" y="165443"/>
+                  <a:pt x="56268" y="67529"/>
+                  <a:pt x="141849" y="9711"/>
+                </a:cubicBezTo>
+                <a:close/>
+              </a:path>
+            </a:pathLst>
+          </a:custGeom>
+          <a:solidFill>
+            <a:schemeClr val="accent2"/>
+          </a:solidFill>
+          <a:ln w="127000">
+            <a:noFill/>
+          </a:ln>
+        </p:spPr>
+        <p:style>
+          <a:lnRef idx="2">
+            <a:schemeClr val="accent1">
+              <a:shade val="50000"/>
+            </a:schemeClr>
+          </a:lnRef>
+          <a:fillRef idx="1">
+            <a:schemeClr val="accent1"/>
+          </a:fillRef>
+          <a:effectRef idx="0">
+            <a:schemeClr val="accent1"/>
+          </a:effectRef>
+          <a:fontRef idx="minor">
+            <a:schemeClr val="lt1"/>
+          </a:fontRef>
+        </p:style>
+        <p:txBody>
+          <a:bodyPr wrap="square" rtlCol="0" anchor="ctr">
+            <a:noAutofit/>
+          </a:bodyPr>
+          <a:lstStyle/>
+          <a:p>
+            <a:pPr algn="ctr"/>
+            <a:endParaRPr lang="en-US"/>
+          </a:p>
+        </p:txBody>
+      </p:sp>
+      <p:sp>
+        <p:nvSpPr>
+          <p:cNvPr id="1039" name="Freeform: Shape 1038">
+            <a:extLst>
+              <a:ext uri="{FF2B5EF4-FFF2-40B4-BE49-F238E27FC236}">
+                <a16:creationId xmlns:a16="http://schemas.microsoft.com/office/drawing/2014/main" id="{7821A508-2985-4905-874A-527429BAABFA}"/>
+              </a:ext>
+              <a:ext uri="{C183D7F6-B498-43B3-948B-1728B52AA6E4}">
+                <adec:decorative xmlns:adec="http://schemas.microsoft.com/office/drawing/2017/decorative" val="1"/>
+              </a:ext>
+            </a:extLst>
+          </p:cNvPr>
+          <p:cNvSpPr>
+            <a:spLocks noGrp="1" noRot="1" noChangeAspect="1" noMove="1" noResize="1" noEditPoints="1" noAdjustHandles="1" noChangeArrowheads="1" noChangeShapeType="1" noTextEdit="1"/>
+          </p:cNvSpPr>
+          <p:nvPr>
+            <p:extLst>
+              <p:ext uri="{386F3935-93C4-4BCD-93E2-E3B085C9AB24}">
+                <p16:designElem xmlns:p16="http://schemas.microsoft.com/office/powerpoint/2015/main" val="1"/>
+              </p:ext>
+            </p:extLst>
+          </p:nvPr>
+        </p:nvSpPr>
+        <p:spPr>
+          <a:xfrm flipH="1">
+            <a:off x="0" y="5835649"/>
+            <a:ext cx="1548180" cy="1022351"/>
+          </a:xfrm>
+          <a:custGeom>
+            <a:avLst/>
+            <a:gdLst>
+              <a:gd name="connsiteX0" fmla="*/ 61913 w 1548180"/>
+              <a:gd name="connsiteY0" fmla="*/ 0 h 1022351"/>
+              <a:gd name="connsiteX1" fmla="*/ 1548180 w 1548180"/>
+              <a:gd name="connsiteY1" fmla="*/ 0 h 1022351"/>
+              <a:gd name="connsiteX2" fmla="*/ 1548180 w 1548180"/>
+              <a:gd name="connsiteY2" fmla="*/ 123825 h 1022351"/>
+              <a:gd name="connsiteX3" fmla="*/ 123825 w 1548180"/>
+              <a:gd name="connsiteY3" fmla="*/ 123825 h 1022351"/>
+              <a:gd name="connsiteX4" fmla="*/ 123825 w 1548180"/>
+              <a:gd name="connsiteY4" fmla="*/ 1022351 h 1022351"/>
+              <a:gd name="connsiteX5" fmla="*/ 0 w 1548180"/>
+              <a:gd name="connsiteY5" fmla="*/ 1022351 h 1022351"/>
+              <a:gd name="connsiteX6" fmla="*/ 0 w 1548180"/>
+              <a:gd name="connsiteY6" fmla="*/ 61913 h 1022351"/>
+              <a:gd name="connsiteX7" fmla="*/ 61913 w 1548180"/>
+              <a:gd name="connsiteY7" fmla="*/ 0 h 1022351"/>
+            </a:gdLst>
+            <a:ahLst/>
+            <a:cxnLst>
+              <a:cxn ang="0">
+                <a:pos x="connsiteX0" y="connsiteY0"/>
+              </a:cxn>
+              <a:cxn ang="0">
+                <a:pos x="connsiteX1" y="connsiteY1"/>
+              </a:cxn>
+              <a:cxn ang="0">
+                <a:pos x="connsiteX2" y="connsiteY2"/>
+              </a:cxn>
+              <a:cxn ang="0">
+                <a:pos x="connsiteX3" y="connsiteY3"/>
+              </a:cxn>
+              <a:cxn ang="0">
+                <a:pos x="connsiteX4" y="connsiteY4"/>
+              </a:cxn>
+              <a:cxn ang="0">
+                <a:pos x="connsiteX5" y="connsiteY5"/>
+              </a:cxn>
+              <a:cxn ang="0">
+                <a:pos x="connsiteX6" y="connsiteY6"/>
+              </a:cxn>
+              <a:cxn ang="0">
+                <a:pos x="connsiteX7" y="connsiteY7"/>
+              </a:cxn>
+            </a:cxnLst>
+            <a:rect l="l" t="t" r="r" b="b"/>
+            <a:pathLst>
+              <a:path w="1548180" h="1022351">
+                <a:moveTo>
+                  <a:pt x="61913" y="0"/>
+                </a:moveTo>
+                <a:lnTo>
+                  <a:pt x="1548180" y="0"/>
+                </a:lnTo>
+                <a:lnTo>
+                  <a:pt x="1548180" y="123825"/>
+                </a:lnTo>
+                <a:lnTo>
+                  <a:pt x="123825" y="123825"/>
+                </a:lnTo>
+                <a:lnTo>
+                  <a:pt x="123825" y="1022351"/>
+                </a:lnTo>
+                <a:lnTo>
+                  <a:pt x="0" y="1022351"/>
+                </a:lnTo>
+                <a:lnTo>
+                  <a:pt x="0" y="61913"/>
+                </a:lnTo>
+                <a:cubicBezTo>
+                  <a:pt x="0" y="27719"/>
+                  <a:pt x="27719" y="0"/>
+                  <a:pt x="61913" y="0"/>
+                </a:cubicBezTo>
+                <a:close/>
+              </a:path>
+            </a:pathLst>
+          </a:custGeom>
+          <a:solidFill>
+            <a:schemeClr val="accent6"/>
+          </a:solidFill>
+          <a:ln w="9525" cap="flat">
+            <a:noFill/>
+            <a:prstDash val="solid"/>
+            <a:miter/>
+          </a:ln>
+        </p:spPr>
+        <p:txBody>
+          <a:bodyPr rtlCol="0" anchor="ctr"/>
+          <a:lstStyle/>
+          <a:p>
+            <a:endParaRPr lang="en-US"/>
+          </a:p>
+        </p:txBody>
+      </p:sp>
+      <p:sp>
+        <p:nvSpPr>
+          <p:cNvPr id="1041" name="Freeform: Shape 1040">
+            <a:extLst>
+              <a:ext uri="{FF2B5EF4-FFF2-40B4-BE49-F238E27FC236}">
+                <a16:creationId xmlns:a16="http://schemas.microsoft.com/office/drawing/2014/main" id="{D2929CB1-0E3C-4B2D-ADC5-0154FB33BA44}"/>
+              </a:ext>
+              <a:ext uri="{C183D7F6-B498-43B3-948B-1728B52AA6E4}">
+                <adec:decorative xmlns:adec="http://schemas.microsoft.com/office/drawing/2017/decorative" val="1"/>
+              </a:ext>
+            </a:extLst>
+          </p:cNvPr>
+          <p:cNvSpPr>
+            <a:spLocks noGrp="1" noRot="1" noChangeAspect="1" noMove="1" noResize="1" noEditPoints="1" noAdjustHandles="1" noChangeArrowheads="1" noChangeShapeType="1" noTextEdit="1"/>
+          </p:cNvSpPr>
+          <p:nvPr>
+            <p:extLst>
+              <p:ext uri="{386F3935-93C4-4BCD-93E2-E3B085C9AB24}">
+                <p16:designElem xmlns:p16="http://schemas.microsoft.com/office/powerpoint/2015/main" val="1"/>
+              </p:ext>
+            </p:extLst>
+          </p:nvPr>
+        </p:nvSpPr>
+        <p:spPr>
+          <a:xfrm flipH="1">
+            <a:off x="3697761" y="5717906"/>
+            <a:ext cx="1771609" cy="1140095"/>
+          </a:xfrm>
+          <a:custGeom>
+            <a:avLst/>
+            <a:gdLst>
+              <a:gd name="connsiteX0" fmla="*/ 1561721 w 1771609"/>
+              <a:gd name="connsiteY0" fmla="*/ 763041 h 1140095"/>
+              <a:gd name="connsiteX1" fmla="*/ 1623024 w 1771609"/>
+              <a:gd name="connsiteY1" fmla="*/ 792810 h 1140095"/>
+              <a:gd name="connsiteX2" fmla="*/ 1711735 w 1771609"/>
+              <a:gd name="connsiteY2" fmla="*/ 970132 h 1140095"/>
+              <a:gd name="connsiteX3" fmla="*/ 1771609 w 1771609"/>
+              <a:gd name="connsiteY3" fmla="*/ 1140095 h 1140095"/>
+              <a:gd name="connsiteX4" fmla="*/ 1637225 w 1771609"/>
+              <a:gd name="connsiteY4" fmla="*/ 1140095 h 1140095"/>
+              <a:gd name="connsiteX5" fmla="*/ 1594820 w 1771609"/>
+              <a:gd name="connsiteY5" fmla="*/ 1019711 h 1140095"/>
+              <a:gd name="connsiteX6" fmla="*/ 1513200 w 1771609"/>
+              <a:gd name="connsiteY6" fmla="*/ 856627 h 1140095"/>
+              <a:gd name="connsiteX7" fmla="*/ 1538499 w 1771609"/>
+              <a:gd name="connsiteY7" fmla="*/ 770415 h 1140095"/>
+              <a:gd name="connsiteX8" fmla="*/ 1561721 w 1771609"/>
+              <a:gd name="connsiteY8" fmla="*/ 763041 h 1140095"/>
+              <a:gd name="connsiteX9" fmla="*/ 933455 w 1771609"/>
+              <a:gd name="connsiteY9" fmla="*/ 161309 h 1140095"/>
+              <a:gd name="connsiteX10" fmla="*/ 957797 w 1771609"/>
+              <a:gd name="connsiteY10" fmla="*/ 167970 h 1140095"/>
+              <a:gd name="connsiteX11" fmla="*/ 1286982 w 1771609"/>
+              <a:gd name="connsiteY11" fmla="*/ 387616 h 1140095"/>
+              <a:gd name="connsiteX12" fmla="*/ 1293725 w 1771609"/>
+              <a:gd name="connsiteY12" fmla="*/ 477075 h 1140095"/>
+              <a:gd name="connsiteX13" fmla="*/ 1245453 w 1771609"/>
+              <a:gd name="connsiteY13" fmla="*/ 499154 h 1140095"/>
+              <a:gd name="connsiteX14" fmla="*/ 1245167 w 1771609"/>
+              <a:gd name="connsiteY14" fmla="*/ 499154 h 1140095"/>
+              <a:gd name="connsiteX15" fmla="*/ 1203638 w 1771609"/>
+              <a:gd name="connsiteY15" fmla="*/ 484104 h 1140095"/>
+              <a:gd name="connsiteX16" fmla="*/ 900647 w 1771609"/>
+              <a:gd name="connsiteY16" fmla="*/ 281508 h 1140095"/>
+              <a:gd name="connsiteX17" fmla="*/ 872454 w 1771609"/>
+              <a:gd name="connsiteY17" fmla="*/ 196164 h 1140095"/>
+              <a:gd name="connsiteX18" fmla="*/ 933455 w 1771609"/>
+              <a:gd name="connsiteY18" fmla="*/ 161309 h 1140095"/>
+              <a:gd name="connsiteX19" fmla="*/ 256260 w 1771609"/>
+              <a:gd name="connsiteY19" fmla="*/ 29 h 1140095"/>
+              <a:gd name="connsiteX20" fmla="*/ 454020 w 1771609"/>
+              <a:gd name="connsiteY20" fmla="*/ 13474 h 1140095"/>
+              <a:gd name="connsiteX21" fmla="*/ 509236 w 1771609"/>
+              <a:gd name="connsiteY21" fmla="*/ 84182 h 1140095"/>
+              <a:gd name="connsiteX22" fmla="*/ 445829 w 1771609"/>
+              <a:gd name="connsiteY22" fmla="*/ 139871 h 1140095"/>
+              <a:gd name="connsiteX23" fmla="*/ 437447 w 1771609"/>
+              <a:gd name="connsiteY23" fmla="*/ 139395 h 1140095"/>
+              <a:gd name="connsiteX24" fmla="*/ 73211 w 1771609"/>
+              <a:gd name="connsiteY24" fmla="*/ 137204 h 1140095"/>
+              <a:gd name="connsiteX25" fmla="*/ 749 w 1771609"/>
+              <a:gd name="connsiteY25" fmla="*/ 84082 h 1140095"/>
+              <a:gd name="connsiteX26" fmla="*/ 53871 w 1771609"/>
+              <a:gd name="connsiteY26" fmla="*/ 11621 h 1140095"/>
+              <a:gd name="connsiteX27" fmla="*/ 58352 w 1771609"/>
+              <a:gd name="connsiteY27" fmla="*/ 11093 h 1140095"/>
+              <a:gd name="connsiteX28" fmla="*/ 256260 w 1771609"/>
+              <a:gd name="connsiteY28" fmla="*/ 29 h 1140095"/>
+            </a:gdLst>
+            <a:ahLst/>
+            <a:cxnLst>
+              <a:cxn ang="0">
+                <a:pos x="connsiteX0" y="connsiteY0"/>
+              </a:cxn>
+              <a:cxn ang="0">
+                <a:pos x="connsiteX1" y="connsiteY1"/>
+              </a:cxn>
+              <a:cxn ang="0">
+                <a:pos x="connsiteX2" y="connsiteY2"/>
+              </a:cxn>
+              <a:cxn ang="0">
+                <a:pos x="connsiteX3" y="connsiteY3"/>
+              </a:cxn>
+              <a:cxn ang="0">
+                <a:pos x="connsiteX4" y="connsiteY4"/>
+              </a:cxn>
+              <a:cxn ang="0">
+                <a:pos x="connsiteX5" y="connsiteY5"/>
+              </a:cxn>
+              <a:cxn ang="0">
+                <a:pos x="connsiteX6" y="connsiteY6"/>
+              </a:cxn>
+              <a:cxn ang="0">
+                <a:pos x="connsiteX7" y="connsiteY7"/>
+              </a:cxn>
+              <a:cxn ang="0">
+                <a:pos x="connsiteX8" y="connsiteY8"/>
+              </a:cxn>
+              <a:cxn ang="0">
+                <a:pos x="connsiteX9" y="connsiteY9"/>
+              </a:cxn>
+              <a:cxn ang="0">
+                <a:pos x="connsiteX10" y="connsiteY10"/>
+              </a:cxn>
+              <a:cxn ang="0">
+                <a:pos x="connsiteX11" y="connsiteY11"/>
+              </a:cxn>
+              <a:cxn ang="0">
+                <a:pos x="connsiteX12" y="connsiteY12"/>
+              </a:cxn>
+              <a:cxn ang="0">
+                <a:pos x="connsiteX13" y="connsiteY13"/>
+              </a:cxn>
+              <a:cxn ang="0">
+                <a:pos x="connsiteX14" y="connsiteY14"/>
+              </a:cxn>
+              <a:cxn ang="0">
+                <a:pos x="connsiteX15" y="connsiteY15"/>
+              </a:cxn>
+              <a:cxn ang="0">
+                <a:pos x="connsiteX16" y="connsiteY16"/>
+              </a:cxn>
+              <a:cxn ang="0">
+                <a:pos x="connsiteX17" y="connsiteY17"/>
+              </a:cxn>
+              <a:cxn ang="0">
+                <a:pos x="connsiteX18" y="connsiteY18"/>
+              </a:cxn>
+              <a:cxn ang="0">
+                <a:pos x="connsiteX19" y="connsiteY19"/>
+              </a:cxn>
+              <a:cxn ang="0">
+                <a:pos x="connsiteX20" y="connsiteY20"/>
+              </a:cxn>
+              <a:cxn ang="0">
+                <a:pos x="connsiteX21" y="connsiteY21"/>
+              </a:cxn>
+              <a:cxn ang="0">
+                <a:pos x="connsiteX22" y="connsiteY22"/>
+              </a:cxn>
+              <a:cxn ang="0">
+                <a:pos x="connsiteX23" y="connsiteY23"/>
+              </a:cxn>
+              <a:cxn ang="0">
+                <a:pos x="connsiteX24" y="connsiteY24"/>
+              </a:cxn>
+              <a:cxn ang="0">
+                <a:pos x="connsiteX25" y="connsiteY25"/>
+              </a:cxn>
+              <a:cxn ang="0">
+                <a:pos x="connsiteX26" y="connsiteY26"/>
+              </a:cxn>
+              <a:cxn ang="0">
+                <a:pos x="connsiteX27" y="connsiteY27"/>
+              </a:cxn>
+              <a:cxn ang="0">
+                <a:pos x="connsiteX28" y="connsiteY28"/>
+              </a:cxn>
+            </a:cxnLst>
+            <a:rect l="l" t="t" r="r" b="b"/>
+            <a:pathLst>
+              <a:path w="1771609" h="1140095">
+                <a:moveTo>
+                  <a:pt x="1561721" y="763041"/>
+                </a:moveTo>
+                <a:cubicBezTo>
+                  <a:pt x="1585506" y="760324"/>
+                  <a:pt x="1609722" y="771249"/>
+                  <a:pt x="1623024" y="792810"/>
+                </a:cubicBezTo>
+                <a:cubicBezTo>
+                  <a:pt x="1656300" y="850065"/>
+                  <a:pt x="1685920" y="909291"/>
+                  <a:pt x="1711735" y="970132"/>
+                </a:cubicBezTo>
+                <a:lnTo>
+                  <a:pt x="1771609" y="1140095"/>
+                </a:lnTo>
+                <a:lnTo>
+                  <a:pt x="1637225" y="1140095"/>
+                </a:lnTo>
+                <a:lnTo>
+                  <a:pt x="1594820" y="1019711"/>
+                </a:lnTo>
+                <a:cubicBezTo>
+                  <a:pt x="1571072" y="963753"/>
+                  <a:pt x="1543818" y="909282"/>
+                  <a:pt x="1513200" y="856627"/>
+                </a:cubicBezTo>
+                <a:cubicBezTo>
+                  <a:pt x="1496379" y="825834"/>
+                  <a:pt x="1507704" y="787236"/>
+                  <a:pt x="1538499" y="770415"/>
+                </a:cubicBezTo>
+                <a:cubicBezTo>
+                  <a:pt x="1545912" y="766367"/>
+                  <a:pt x="1553792" y="763946"/>
+                  <a:pt x="1561721" y="763041"/>
+                </a:cubicBezTo>
+                <a:close/>
+                <a:moveTo>
+                  <a:pt x="933455" y="161309"/>
+                </a:moveTo>
+                <a:cubicBezTo>
+                  <a:pt x="941693" y="161855"/>
+                  <a:pt x="949959" y="164025"/>
+                  <a:pt x="957797" y="167970"/>
+                </a:cubicBezTo>
+                <a:cubicBezTo>
+                  <a:pt x="1076184" y="227289"/>
+                  <a:pt x="1186759" y="301068"/>
+                  <a:pt x="1286982" y="387616"/>
+                </a:cubicBezTo>
+                <a:cubicBezTo>
+                  <a:pt x="1313547" y="410457"/>
+                  <a:pt x="1316566" y="450510"/>
+                  <a:pt x="1293725" y="477075"/>
+                </a:cubicBezTo>
+                <a:cubicBezTo>
+                  <a:pt x="1281638" y="491137"/>
+                  <a:pt x="1263998" y="499204"/>
+                  <a:pt x="1245453" y="499154"/>
+                </a:cubicBezTo>
+                <a:lnTo>
+                  <a:pt x="1245167" y="499154"/>
+                </a:lnTo>
+                <a:cubicBezTo>
+                  <a:pt x="1229965" y="499301"/>
+                  <a:pt x="1215220" y="493956"/>
+                  <a:pt x="1203638" y="484104"/>
+                </a:cubicBezTo>
+                <a:cubicBezTo>
+                  <a:pt x="1111407" y="404300"/>
+                  <a:pt x="1009633" y="336248"/>
+                  <a:pt x="900647" y="281508"/>
+                </a:cubicBezTo>
+                <a:cubicBezTo>
+                  <a:pt x="869295" y="265726"/>
+                  <a:pt x="856672" y="227516"/>
+                  <a:pt x="872454" y="196164"/>
+                </a:cubicBezTo>
+                <a:cubicBezTo>
+                  <a:pt x="884290" y="172650"/>
+                  <a:pt x="908742" y="159670"/>
+                  <a:pt x="933455" y="161309"/>
+                </a:cubicBezTo>
+                <a:close/>
+                <a:moveTo>
+                  <a:pt x="256260" y="29"/>
+                </a:moveTo>
+                <a:cubicBezTo>
+                  <a:pt x="322331" y="427"/>
+                  <a:pt x="388378" y="4909"/>
+                  <a:pt x="454020" y="13474"/>
+                </a:cubicBezTo>
+                <a:cubicBezTo>
+                  <a:pt x="488793" y="17752"/>
+                  <a:pt x="513514" y="49409"/>
+                  <a:pt x="509236" y="84182"/>
+                </a:cubicBezTo>
+                <a:cubicBezTo>
+                  <a:pt x="505303" y="116151"/>
+                  <a:pt x="478038" y="140098"/>
+                  <a:pt x="445829" y="139871"/>
+                </a:cubicBezTo>
+                <a:cubicBezTo>
+                  <a:pt x="443027" y="139899"/>
+                  <a:pt x="440227" y="139740"/>
+                  <a:pt x="437447" y="139395"/>
+                </a:cubicBezTo>
+                <a:cubicBezTo>
+                  <a:pt x="316592" y="123615"/>
+                  <a:pt x="194247" y="122878"/>
+                  <a:pt x="73211" y="137204"/>
+                </a:cubicBezTo>
+                <a:cubicBezTo>
+                  <a:pt x="38532" y="142545"/>
+                  <a:pt x="6090" y="118762"/>
+                  <a:pt x="749" y="84082"/>
+                </a:cubicBezTo>
+                <a:cubicBezTo>
+                  <a:pt x="-4591" y="49403"/>
+                  <a:pt x="19192" y="16961"/>
+                  <a:pt x="53871" y="11621"/>
+                </a:cubicBezTo>
+                <a:cubicBezTo>
+                  <a:pt x="55358" y="11392"/>
+                  <a:pt x="56852" y="11216"/>
+                  <a:pt x="58352" y="11093"/>
+                </a:cubicBezTo>
+                <a:cubicBezTo>
+                  <a:pt x="124093" y="3319"/>
+                  <a:pt x="190189" y="-369"/>
+                  <a:pt x="256260" y="29"/>
+                </a:cubicBezTo>
+                <a:close/>
+              </a:path>
+            </a:pathLst>
+          </a:custGeom>
+          <a:solidFill>
+            <a:schemeClr val="accent4"/>
+          </a:solidFill>
+          <a:ln w="9525" cap="flat">
+            <a:noFill/>
+            <a:prstDash val="solid"/>
+            <a:miter/>
+          </a:ln>
+        </p:spPr>
+        <p:txBody>
+          <a:bodyPr rtlCol="0" anchor="ctr"/>
+          <a:lstStyle/>
+          <a:p>
+            <a:endParaRPr lang="en-US"/>
+          </a:p>
+        </p:txBody>
+      </p:sp>
+      <p:pic>
+        <p:nvPicPr>
+          <p:cNvPr id="1026" name="Picture 2">
+            <a:extLst>
+              <a:ext uri="{FF2B5EF4-FFF2-40B4-BE49-F238E27FC236}">
+                <a16:creationId xmlns:a16="http://schemas.microsoft.com/office/drawing/2014/main" id="{2F4411B2-BAA1-1F53-60C2-98CB16ECDFFB}"/>
+              </a:ext>
+            </a:extLst>
+          </p:cNvPr>
+          <p:cNvPicPr>
+            <a:picLocks noChangeAspect="1" noChangeArrowheads="1"/>
+          </p:cNvPicPr>
+          <p:nvPr/>
+        </p:nvPicPr>
+        <p:blipFill rotWithShape="1">
+          <a:blip r:embed="rId2">
+            <a:extLst>
+              <a:ext uri="{28A0092B-C50C-407E-A947-70E740481C1C}">
+                <a14:useLocalDpi xmlns:a14="http://schemas.microsoft.com/office/drawing/2010/main" val="0"/>
+              </a:ext>
+            </a:extLst>
+          </a:blip>
+          <a:srcRect l="30770" r="31229" b="-1"/>
+          <a:stretch/>
+        </p:blipFill>
+        <p:spPr bwMode="auto">
+          <a:xfrm>
+            <a:off x="631840" y="598720"/>
+            <a:ext cx="5178249" cy="5178249"/>
+          </a:xfrm>
+          <a:custGeom>
+            <a:avLst/>
+            <a:gdLst/>
+            <a:ahLst/>
+            <a:cxnLst/>
+            <a:rect l="l" t="t" r="r" b="b"/>
+            <a:pathLst>
+              <a:path w="3741748" h="3741748">
+                <a:moveTo>
+                  <a:pt x="1870874" y="0"/>
+                </a:moveTo>
+                <a:cubicBezTo>
+                  <a:pt x="2904129" y="0"/>
+                  <a:pt x="3741748" y="837619"/>
+                  <a:pt x="3741748" y="1870874"/>
+                </a:cubicBezTo>
+                <a:cubicBezTo>
+                  <a:pt x="3741748" y="2904129"/>
+                  <a:pt x="2904129" y="3741748"/>
+                  <a:pt x="1870874" y="3741748"/>
+                </a:cubicBezTo>
+                <a:cubicBezTo>
+                  <a:pt x="837619" y="3741748"/>
+                  <a:pt x="0" y="2904129"/>
+                  <a:pt x="0" y="1870874"/>
+                </a:cubicBezTo>
+                <a:cubicBezTo>
+                  <a:pt x="0" y="837619"/>
+                  <a:pt x="837619" y="0"/>
+                  <a:pt x="1870874" y="0"/>
+                </a:cubicBezTo>
+                <a:close/>
+              </a:path>
+            </a:pathLst>
+          </a:custGeom>
+          <a:noFill/>
+          <a:extLst>
+            <a:ext uri="{909E8E84-426E-40DD-AFC4-6F175D3DCCD1}">
+              <a14:hiddenFill xmlns:a14="http://schemas.microsoft.com/office/drawing/2010/main">
                 <a:solidFill>
-                  <a:srgbClr val="3C4043"/>
+                  <a:srgbClr val="FFFFFF"/>
                 </a:solidFill>
-                <a:effectLst/>
-                <a:latin typeface="Inter"/>
-              </a:rPr>
-              <a:t>Total_Purchase</a:t>
-            </a:r>
-            <a:r>
-              <a:rPr lang="en-US" sz="1600" b="0" i="0" dirty="0">
-                <a:solidFill>
-                  <a:srgbClr val="3C4043"/>
-                </a:solidFill>
-                <a:effectLst/>
-                <a:latin typeface="Inter"/>
-              </a:rPr>
-              <a:t>: Total Ads Purchased</a:t>
-            </a:r>
-          </a:p>
-          <a:p>
-            <a:pPr marL="342900" indent="-342900" algn="l" fontAlgn="base">
-              <a:buFont typeface="Arial" panose="020B0604020202020204" pitchFamily="34" charset="0"/>
-              <a:buChar char="•"/>
-            </a:pPr>
-            <a:r>
-              <a:rPr lang="en-US" sz="1600" b="0" i="0" dirty="0" err="1">
-                <a:solidFill>
-                  <a:srgbClr val="3C4043"/>
-                </a:solidFill>
-                <a:effectLst/>
-                <a:latin typeface="Inter"/>
-              </a:rPr>
-              <a:t>Account_Manager</a:t>
-            </a:r>
-            <a:r>
-              <a:rPr lang="en-US" sz="1600" b="0" i="0" dirty="0">
-                <a:solidFill>
-                  <a:srgbClr val="3C4043"/>
-                </a:solidFill>
-                <a:effectLst/>
-                <a:latin typeface="Inter"/>
-              </a:rPr>
-              <a:t>: Binary 0=No manager, 1= Account manager assigned</a:t>
-            </a:r>
-          </a:p>
-          <a:p>
-            <a:pPr marL="342900" indent="-342900" algn="l" fontAlgn="base">
-              <a:buFont typeface="Arial" panose="020B0604020202020204" pitchFamily="34" charset="0"/>
-              <a:buChar char="•"/>
-            </a:pPr>
-            <a:r>
-              <a:rPr lang="en-US" sz="1600" b="0" i="0" dirty="0">
-                <a:solidFill>
-                  <a:srgbClr val="3C4043"/>
-                </a:solidFill>
-                <a:effectLst/>
-                <a:latin typeface="Inter"/>
-              </a:rPr>
-              <a:t>Years: Total Years as a customer</a:t>
-            </a:r>
-          </a:p>
-          <a:p>
-            <a:pPr marL="342900" indent="-342900" algn="l" fontAlgn="base">
-              <a:buFont typeface="Arial" panose="020B0604020202020204" pitchFamily="34" charset="0"/>
-              <a:buChar char="•"/>
-            </a:pPr>
-            <a:r>
-              <a:rPr lang="en-US" sz="1600" b="0" i="0" dirty="0" err="1">
-                <a:solidFill>
-                  <a:srgbClr val="3C4043"/>
-                </a:solidFill>
-                <a:effectLst/>
-                <a:latin typeface="Inter"/>
-              </a:rPr>
-              <a:t>Num_sites</a:t>
-            </a:r>
-            <a:r>
-              <a:rPr lang="en-US" sz="1600" b="0" i="0" dirty="0">
-                <a:solidFill>
-                  <a:srgbClr val="3C4043"/>
-                </a:solidFill>
-                <a:effectLst/>
-                <a:latin typeface="Inter"/>
-              </a:rPr>
-              <a:t>: Number of websites that use the service.</a:t>
-            </a:r>
-          </a:p>
-          <a:p>
-            <a:pPr marL="342900" indent="-342900" algn="l" fontAlgn="base">
-              <a:buFont typeface="Arial" panose="020B0604020202020204" pitchFamily="34" charset="0"/>
-              <a:buChar char="•"/>
-            </a:pPr>
-            <a:r>
-              <a:rPr lang="en-US" sz="1600" b="0" i="0" dirty="0" err="1">
-                <a:solidFill>
-                  <a:srgbClr val="3C4043"/>
-                </a:solidFill>
-                <a:effectLst/>
-                <a:latin typeface="Inter"/>
-              </a:rPr>
-              <a:t>Onboard_date</a:t>
-            </a:r>
-            <a:r>
-              <a:rPr lang="en-US" sz="1600" b="0" i="0" dirty="0">
-                <a:solidFill>
-                  <a:srgbClr val="3C4043"/>
-                </a:solidFill>
-                <a:effectLst/>
-                <a:latin typeface="Inter"/>
-              </a:rPr>
-              <a:t>: The date that the name of the latest contact was onboarded</a:t>
-            </a:r>
-          </a:p>
-          <a:p>
-            <a:pPr marL="342900" indent="-342900" algn="l" fontAlgn="base">
-              <a:buFont typeface="Arial" panose="020B0604020202020204" pitchFamily="34" charset="0"/>
-              <a:buChar char="•"/>
-            </a:pPr>
-            <a:r>
-              <a:rPr lang="en-US" sz="1600" b="0" i="0" dirty="0">
-                <a:solidFill>
-                  <a:srgbClr val="3C4043"/>
-                </a:solidFill>
-                <a:effectLst/>
-                <a:latin typeface="Inter"/>
-              </a:rPr>
-              <a:t>Location: Client HQ Address</a:t>
-            </a:r>
-          </a:p>
-          <a:p>
-            <a:pPr marL="342900" indent="-342900" algn="l" fontAlgn="base">
-              <a:buFont typeface="Arial" panose="020B0604020202020204" pitchFamily="34" charset="0"/>
-              <a:buChar char="•"/>
-            </a:pPr>
-            <a:r>
-              <a:rPr lang="en-US" sz="1600" b="0" i="0" dirty="0">
-                <a:solidFill>
-                  <a:srgbClr val="3C4043"/>
-                </a:solidFill>
-                <a:effectLst/>
-                <a:latin typeface="Inter"/>
-              </a:rPr>
-              <a:t>Company: Name of Client Company</a:t>
-            </a:r>
-          </a:p>
-          <a:p>
-            <a:pPr marL="342900" indent="-342900">
-              <a:buFont typeface="Arial" panose="020B0604020202020204" pitchFamily="34" charset="0"/>
-              <a:buChar char="•"/>
-            </a:pPr>
-            <a:endParaRPr lang="en-US" dirty="0">
-              <a:solidFill>
-                <a:srgbClr val="3C4043"/>
-              </a:solidFill>
-              <a:latin typeface="Inter"/>
-            </a:endParaRPr>
-          </a:p>
-          <a:p>
+              </a14:hiddenFill>
+            </a:ext>
+          </a:extLst>
+        </p:spPr>
+      </p:pic>
+      <p:sp>
+        <p:nvSpPr>
+          <p:cNvPr id="1043" name="Freeform: Shape 1042">
+            <a:extLst>
+              <a:ext uri="{FF2B5EF4-FFF2-40B4-BE49-F238E27FC236}">
+                <a16:creationId xmlns:a16="http://schemas.microsoft.com/office/drawing/2014/main" id="{5F2F0C84-BE8C-4DC2-A6D3-30349A801D5C}"/>
+              </a:ext>
+              <a:ext uri="{C183D7F6-B498-43B3-948B-1728B52AA6E4}">
+                <adec:decorative xmlns:adec="http://schemas.microsoft.com/office/drawing/2017/decorative" val="1"/>
+              </a:ext>
+            </a:extLst>
+          </p:cNvPr>
+          <p:cNvSpPr>
+            <a:spLocks noGrp="1" noRot="1" noChangeAspect="1" noMove="1" noResize="1" noEditPoints="1" noAdjustHandles="1" noChangeArrowheads="1" noChangeShapeType="1" noTextEdit="1"/>
+          </p:cNvSpPr>
+          <p:nvPr>
+            <p:extLst>
+              <p:ext uri="{386F3935-93C4-4BCD-93E2-E3B085C9AB24}">
+                <p16:designElem xmlns:p16="http://schemas.microsoft.com/office/powerpoint/2015/main" val="1"/>
+              </p:ext>
+            </p:extLst>
+          </p:nvPr>
+        </p:nvSpPr>
+        <p:spPr>
+          <a:xfrm flipH="1">
+            <a:off x="4520513" y="6258756"/>
+            <a:ext cx="1565940" cy="599245"/>
+          </a:xfrm>
+          <a:custGeom>
+            <a:avLst/>
+            <a:gdLst>
+              <a:gd name="connsiteX0" fmla="*/ 782970 w 1565940"/>
+              <a:gd name="connsiteY0" fmla="*/ 0 h 599245"/>
+              <a:gd name="connsiteX1" fmla="*/ 1528042 w 1565940"/>
+              <a:gd name="connsiteY1" fmla="*/ 480469 h 599245"/>
+              <a:gd name="connsiteX2" fmla="*/ 1565940 w 1565940"/>
+              <a:gd name="connsiteY2" fmla="*/ 599245 h 599245"/>
+              <a:gd name="connsiteX3" fmla="*/ 0 w 1565940"/>
+              <a:gd name="connsiteY3" fmla="*/ 599245 h 599245"/>
+              <a:gd name="connsiteX4" fmla="*/ 37898 w 1565940"/>
+              <a:gd name="connsiteY4" fmla="*/ 480469 h 599245"/>
+              <a:gd name="connsiteX5" fmla="*/ 782970 w 1565940"/>
+              <a:gd name="connsiteY5" fmla="*/ 0 h 599245"/>
+            </a:gdLst>
+            <a:ahLst/>
+            <a:cxnLst>
+              <a:cxn ang="0">
+                <a:pos x="connsiteX0" y="connsiteY0"/>
+              </a:cxn>
+              <a:cxn ang="0">
+                <a:pos x="connsiteX1" y="connsiteY1"/>
+              </a:cxn>
+              <a:cxn ang="0">
+                <a:pos x="connsiteX2" y="connsiteY2"/>
+              </a:cxn>
+              <a:cxn ang="0">
+                <a:pos x="connsiteX3" y="connsiteY3"/>
+              </a:cxn>
+              <a:cxn ang="0">
+                <a:pos x="connsiteX4" y="connsiteY4"/>
+              </a:cxn>
+              <a:cxn ang="0">
+                <a:pos x="connsiteX5" y="connsiteY5"/>
+              </a:cxn>
+            </a:cxnLst>
+            <a:rect l="l" t="t" r="r" b="b"/>
+            <a:pathLst>
+              <a:path w="1565940" h="599245">
+                <a:moveTo>
+                  <a:pt x="782970" y="0"/>
+                </a:moveTo>
+                <a:cubicBezTo>
+                  <a:pt x="1117910" y="0"/>
+                  <a:pt x="1405287" y="198118"/>
+                  <a:pt x="1528042" y="480469"/>
+                </a:cubicBezTo>
+                <a:lnTo>
+                  <a:pt x="1565940" y="599245"/>
+                </a:lnTo>
+                <a:lnTo>
+                  <a:pt x="0" y="599245"/>
+                </a:lnTo>
+                <a:lnTo>
+                  <a:pt x="37898" y="480469"/>
+                </a:lnTo>
+                <a:cubicBezTo>
+                  <a:pt x="160653" y="198118"/>
+                  <a:pt x="448030" y="0"/>
+                  <a:pt x="782970" y="0"/>
+                </a:cubicBezTo>
+                <a:close/>
+              </a:path>
+            </a:pathLst>
+          </a:custGeom>
+          <a:solidFill>
+            <a:schemeClr val="accent2"/>
+          </a:solidFill>
+          <a:ln>
+            <a:noFill/>
+          </a:ln>
+        </p:spPr>
+        <p:style>
+          <a:lnRef idx="2">
+            <a:schemeClr val="accent1">
+              <a:shade val="50000"/>
+            </a:schemeClr>
+          </a:lnRef>
+          <a:fillRef idx="1">
+            <a:schemeClr val="accent1"/>
+          </a:fillRef>
+          <a:effectRef idx="0">
+            <a:schemeClr val="accent1"/>
+          </a:effectRef>
+          <a:fontRef idx="minor">
+            <a:schemeClr val="lt1"/>
+          </a:fontRef>
+        </p:style>
+        <p:txBody>
+          <a:bodyPr wrap="square" rtlCol="0" anchor="ctr">
+            <a:noAutofit/>
+          </a:bodyPr>
+          <a:lstStyle/>
+          <a:p>
+            <a:pPr algn="ctr"/>
             <a:endParaRPr lang="en-US" dirty="0"/>
           </a:p>
         </p:txBody>
@@ -4000,7 +7130,7 @@
     </p:spTree>
     <p:extLst>
       <p:ext uri="{BB962C8B-B14F-4D97-AF65-F5344CB8AC3E}">
-        <p14:creationId xmlns:p14="http://schemas.microsoft.com/office/powerpoint/2010/main" val="3298599993"/>
+        <p14:creationId xmlns:p14="http://schemas.microsoft.com/office/powerpoint/2010/main" val="21090907"/>
       </p:ext>
     </p:extLst>
   </p:cSld>
@@ -4010,9 +7140,17 @@
 </p:sld>
 </file>
 
-<file path=ppt/slides/slide4.xml><?xml version="1.0" encoding="utf-8"?>
+<file path=ppt/slides/slide3.xml><?xml version="1.0" encoding="utf-8"?>
 <p:sld xmlns:a="http://schemas.openxmlformats.org/drawingml/2006/main" xmlns:r="http://schemas.openxmlformats.org/officeDocument/2006/relationships" xmlns:p="http://schemas.openxmlformats.org/presentationml/2006/main">
   <p:cSld>
+    <p:bg>
+      <p:bgPr>
+        <a:solidFill>
+          <a:schemeClr val="bg1"/>
+        </a:solidFill>
+        <a:effectLst/>
+      </p:bgPr>
+    </p:bg>
     <p:spTree>
       <p:nvGrpSpPr>
         <p:cNvPr id="1" name=""/>
@@ -4027,12 +7165,515 @@
           <a:chExt cx="0" cy="0"/>
         </a:xfrm>
       </p:grpSpPr>
+      <p:grpSp>
+        <p:nvGrpSpPr>
+          <p:cNvPr id="17" name="Group 16">
+            <a:extLst>
+              <a:ext uri="{FF2B5EF4-FFF2-40B4-BE49-F238E27FC236}">
+                <a16:creationId xmlns:a16="http://schemas.microsoft.com/office/drawing/2014/main" id="{1E5539EC-8CB8-002F-68C6-678840282659}"/>
+              </a:ext>
+              <a:ext uri="{C183D7F6-B498-43B3-948B-1728B52AA6E4}">
+                <adec:decorative xmlns:adec="http://schemas.microsoft.com/office/drawing/2017/decorative" val="1"/>
+              </a:ext>
+            </a:extLst>
+          </p:cNvPr>
+          <p:cNvGrpSpPr>
+            <a:grpSpLocks noGrp="1" noUngrp="1" noRot="1" noChangeAspect="1" noMove="1" noResize="1"/>
+          </p:cNvGrpSpPr>
+          <p:nvPr>
+            <p:extLst>
+              <p:ext uri="{386F3935-93C4-4BCD-93E2-E3B085C9AB24}">
+                <p16:designElem xmlns:p16="http://schemas.microsoft.com/office/powerpoint/2015/main" val="1"/>
+              </p:ext>
+            </p:extLst>
+          </p:nvPr>
+        </p:nvGrpSpPr>
+        <p:grpSpPr>
+          <a:xfrm>
+            <a:off x="-1" y="-29768"/>
+            <a:ext cx="12202175" cy="1519356"/>
+            <a:chOff x="-1" y="-29768"/>
+            <a:chExt cx="12202175" cy="1519356"/>
+          </a:xfrm>
+        </p:grpSpPr>
+        <p:sp>
+          <p:nvSpPr>
+            <p:cNvPr id="18" name="Rectangle 17">
+              <a:extLst>
+                <a:ext uri="{FF2B5EF4-FFF2-40B4-BE49-F238E27FC236}">
+                  <a16:creationId xmlns:a16="http://schemas.microsoft.com/office/drawing/2014/main" id="{6C5D55A6-9EFD-CDA3-20CC-A99812CE1ABC}"/>
+                </a:ext>
+                <a:ext uri="{C183D7F6-B498-43B3-948B-1728B52AA6E4}">
+                  <adec:decorative xmlns:adec="http://schemas.microsoft.com/office/drawing/2017/decorative" val="1"/>
+                </a:ext>
+              </a:extLst>
+            </p:cNvPr>
+            <p:cNvSpPr/>
+            <p:nvPr>
+              <p:extLst>
+                <p:ext uri="{386F3935-93C4-4BCD-93E2-E3B085C9AB24}">
+                  <p16:designElem xmlns:p16="http://schemas.microsoft.com/office/powerpoint/2015/main" val="1"/>
+                </p:ext>
+              </p:extLst>
+            </p:nvPr>
+          </p:nvSpPr>
+          <p:spPr>
+            <a:xfrm rot="16200000">
+              <a:off x="5341412" y="-5371175"/>
+              <a:ext cx="1519350" cy="12202174"/>
+            </a:xfrm>
+            <a:prstGeom prst="rect">
+              <a:avLst/>
+            </a:prstGeom>
+            <a:gradFill>
+              <a:gsLst>
+                <a:gs pos="0">
+                  <a:schemeClr val="accent5"/>
+                </a:gs>
+                <a:gs pos="100000">
+                  <a:schemeClr val="accent2"/>
+                </a:gs>
+              </a:gsLst>
+              <a:lin ang="10200000" scaled="0"/>
+            </a:gradFill>
+            <a:ln>
+              <a:noFill/>
+            </a:ln>
+          </p:spPr>
+          <p:style>
+            <a:lnRef idx="2">
+              <a:schemeClr val="accent1">
+                <a:shade val="50000"/>
+              </a:schemeClr>
+            </a:lnRef>
+            <a:fillRef idx="1">
+              <a:schemeClr val="accent1"/>
+            </a:fillRef>
+            <a:effectRef idx="0">
+              <a:schemeClr val="accent1"/>
+            </a:effectRef>
+            <a:fontRef idx="minor">
+              <a:schemeClr val="lt1"/>
+            </a:fontRef>
+          </p:style>
+          <p:txBody>
+            <a:bodyPr rtlCol="0" anchor="ctr"/>
+            <a:lstStyle/>
+            <a:p>
+              <a:pPr algn="ctr"/>
+              <a:endParaRPr lang="en-US"/>
+            </a:p>
+          </p:txBody>
+        </p:sp>
+        <p:sp>
+          <p:nvSpPr>
+            <p:cNvPr id="19" name="Rectangle 18">
+              <a:extLst>
+                <a:ext uri="{FF2B5EF4-FFF2-40B4-BE49-F238E27FC236}">
+                  <a16:creationId xmlns:a16="http://schemas.microsoft.com/office/drawing/2014/main" id="{A5B6E73B-6DFD-AE6C-1628-DF8DC3008562}"/>
+                </a:ext>
+                <a:ext uri="{C183D7F6-B498-43B3-948B-1728B52AA6E4}">
+                  <adec:decorative xmlns:adec="http://schemas.microsoft.com/office/drawing/2017/decorative" val="1"/>
+                </a:ext>
+              </a:extLst>
+            </p:cNvPr>
+            <p:cNvSpPr/>
+            <p:nvPr>
+              <p:extLst>
+                <p:ext uri="{386F3935-93C4-4BCD-93E2-E3B085C9AB24}">
+                  <p16:designElem xmlns:p16="http://schemas.microsoft.com/office/powerpoint/2015/main" val="1"/>
+                </p:ext>
+              </p:extLst>
+            </p:nvPr>
+          </p:nvSpPr>
+          <p:spPr>
+            <a:xfrm rot="16200000">
+              <a:off x="8917093" y="-1801610"/>
+              <a:ext cx="1507122" cy="5063040"/>
+            </a:xfrm>
+            <a:prstGeom prst="rect">
+              <a:avLst/>
+            </a:prstGeom>
+            <a:gradFill>
+              <a:gsLst>
+                <a:gs pos="59000">
+                  <a:schemeClr val="accent5">
+                    <a:lumMod val="60000"/>
+                    <a:lumOff val="40000"/>
+                    <a:alpha val="0"/>
+                  </a:schemeClr>
+                </a:gs>
+                <a:gs pos="100000">
+                  <a:schemeClr val="accent5">
+                    <a:lumMod val="60000"/>
+                    <a:lumOff val="40000"/>
+                  </a:schemeClr>
+                </a:gs>
+              </a:gsLst>
+              <a:lin ang="1200000" scaled="0"/>
+            </a:gradFill>
+            <a:ln>
+              <a:noFill/>
+            </a:ln>
+          </p:spPr>
+          <p:style>
+            <a:lnRef idx="2">
+              <a:schemeClr val="accent1">
+                <a:shade val="50000"/>
+              </a:schemeClr>
+            </a:lnRef>
+            <a:fillRef idx="1">
+              <a:schemeClr val="accent1"/>
+            </a:fillRef>
+            <a:effectRef idx="0">
+              <a:schemeClr val="accent1"/>
+            </a:effectRef>
+            <a:fontRef idx="minor">
+              <a:schemeClr val="lt1"/>
+            </a:fontRef>
+          </p:style>
+          <p:txBody>
+            <a:bodyPr rtlCol="0" anchor="ctr"/>
+            <a:lstStyle/>
+            <a:p>
+              <a:pPr algn="ctr"/>
+              <a:endParaRPr lang="en-US"/>
+            </a:p>
+          </p:txBody>
+        </p:sp>
+        <p:sp>
+          <p:nvSpPr>
+            <p:cNvPr id="20" name="Rectangle 19">
+              <a:extLst>
+                <a:ext uri="{FF2B5EF4-FFF2-40B4-BE49-F238E27FC236}">
+                  <a16:creationId xmlns:a16="http://schemas.microsoft.com/office/drawing/2014/main" id="{10E00FC4-DDBC-F424-CF71-73AF7A284A68}"/>
+                </a:ext>
+                <a:ext uri="{C183D7F6-B498-43B3-948B-1728B52AA6E4}">
+                  <adec:decorative xmlns:adec="http://schemas.microsoft.com/office/drawing/2017/decorative" val="1"/>
+                </a:ext>
+              </a:extLst>
+            </p:cNvPr>
+            <p:cNvSpPr/>
+            <p:nvPr>
+              <p:extLst>
+                <p:ext uri="{386F3935-93C4-4BCD-93E2-E3B085C9AB24}">
+                  <p16:designElem xmlns:p16="http://schemas.microsoft.com/office/powerpoint/2015/main" val="1"/>
+                </p:ext>
+              </p:extLst>
+            </p:nvPr>
+          </p:nvSpPr>
+          <p:spPr>
+            <a:xfrm rot="5400000">
+              <a:off x="3100712" y="-3130481"/>
+              <a:ext cx="1519356" cy="7720782"/>
+            </a:xfrm>
+            <a:prstGeom prst="rect">
+              <a:avLst/>
+            </a:prstGeom>
+            <a:gradFill>
+              <a:gsLst>
+                <a:gs pos="29000">
+                  <a:schemeClr val="accent5">
+                    <a:lumMod val="60000"/>
+                    <a:lumOff val="40000"/>
+                    <a:alpha val="0"/>
+                  </a:schemeClr>
+                </a:gs>
+                <a:gs pos="100000">
+                  <a:schemeClr val="accent5">
+                    <a:lumMod val="75000"/>
+                  </a:schemeClr>
+                </a:gs>
+              </a:gsLst>
+              <a:lin ang="1200000" scaled="0"/>
+            </a:gradFill>
+            <a:ln>
+              <a:noFill/>
+            </a:ln>
+          </p:spPr>
+          <p:style>
+            <a:lnRef idx="2">
+              <a:schemeClr val="accent1">
+                <a:shade val="50000"/>
+              </a:schemeClr>
+            </a:lnRef>
+            <a:fillRef idx="1">
+              <a:schemeClr val="accent1"/>
+            </a:fillRef>
+            <a:effectRef idx="0">
+              <a:schemeClr val="accent1"/>
+            </a:effectRef>
+            <a:fontRef idx="minor">
+              <a:schemeClr val="lt1"/>
+            </a:fontRef>
+          </p:style>
+          <p:txBody>
+            <a:bodyPr rtlCol="0" anchor="ctr"/>
+            <a:lstStyle/>
+            <a:p>
+              <a:pPr algn="ctr"/>
+              <a:endParaRPr lang="en-US"/>
+            </a:p>
+          </p:txBody>
+        </p:sp>
+      </p:grpSp>
+      <p:sp>
+        <p:nvSpPr>
+          <p:cNvPr id="3" name="TextBox 2">
+            <a:extLst>
+              <a:ext uri="{FF2B5EF4-FFF2-40B4-BE49-F238E27FC236}">
+                <a16:creationId xmlns:a16="http://schemas.microsoft.com/office/drawing/2014/main" id="{77200409-2D47-D2CE-81B0-9CA63B279327}"/>
+              </a:ext>
+            </a:extLst>
+          </p:cNvPr>
+          <p:cNvSpPr txBox="1"/>
+          <p:nvPr/>
+        </p:nvSpPr>
+        <p:spPr>
+          <a:xfrm>
+            <a:off x="876691" y="301843"/>
+            <a:ext cx="10477109" cy="1003532"/>
+          </a:xfrm>
+          <a:prstGeom prst="rect">
+            <a:avLst/>
+          </a:prstGeom>
+        </p:spPr>
+        <p:txBody>
+          <a:bodyPr rot="0" spcFirstLastPara="0" vertOverflow="overflow" horzOverflow="overflow" vert="horz" lIns="91440" tIns="45720" rIns="91440" bIns="45720" numCol="1" spcCol="0" rtlCol="0" fromWordArt="0" anchor="ctr" anchorCtr="0" forceAA="0" compatLnSpc="1">
+            <a:prstTxWarp prst="textNoShape">
+              <a:avLst/>
+            </a:prstTxWarp>
+            <a:normAutofit/>
+          </a:bodyPr>
+          <a:lstStyle/>
+          <a:p>
+            <a:pPr>
+              <a:lnSpc>
+                <a:spcPct val="90000"/>
+              </a:lnSpc>
+              <a:spcBef>
+                <a:spcPct val="0"/>
+              </a:spcBef>
+              <a:spcAft>
+                <a:spcPts val="600"/>
+              </a:spcAft>
+            </a:pPr>
+            <a:r>
+              <a:rPr lang="en-US" sz="3200" b="1" dirty="0">
+                <a:solidFill>
+                  <a:srgbClr val="FFFFFF"/>
+                </a:solidFill>
+                <a:latin typeface="+mj-lt"/>
+                <a:ea typeface="+mj-ea"/>
+                <a:cs typeface="+mj-cs"/>
+              </a:rPr>
+              <a:t>What about the Data Set?</a:t>
+            </a:r>
+            <a:endParaRPr lang="en-US" sz="3200" b="1" kern="1200" dirty="0">
+              <a:solidFill>
+                <a:srgbClr val="FFFFFF"/>
+              </a:solidFill>
+              <a:latin typeface="+mj-lt"/>
+              <a:ea typeface="+mj-ea"/>
+              <a:cs typeface="+mj-cs"/>
+            </a:endParaRPr>
+          </a:p>
+        </p:txBody>
+      </p:sp>
+      <p:sp>
+        <p:nvSpPr>
+          <p:cNvPr id="7" name="Subtitle 2">
+            <a:extLst>
+              <a:ext uri="{FF2B5EF4-FFF2-40B4-BE49-F238E27FC236}">
+                <a16:creationId xmlns:a16="http://schemas.microsoft.com/office/drawing/2014/main" id="{6A326955-4F88-3FA5-A7C4-31FE578ED3CC}"/>
+              </a:ext>
+            </a:extLst>
+          </p:cNvPr>
+          <p:cNvSpPr>
+            <a:spLocks noGrp="1"/>
+          </p:cNvSpPr>
+          <p:nvPr>
+            <p:ph type="subTitle" idx="1"/>
+          </p:nvPr>
+        </p:nvSpPr>
+        <p:spPr>
+          <a:xfrm>
+            <a:off x="612475" y="1544129"/>
+            <a:ext cx="10936397" cy="4191508"/>
+          </a:xfrm>
+        </p:spPr>
+        <p:txBody>
+          <a:bodyPr>
+            <a:normAutofit fontScale="92500" lnSpcReduction="20000"/>
+          </a:bodyPr>
+          <a:lstStyle/>
+          <a:p>
+            <a:pPr algn="l">
+              <a:lnSpc>
+                <a:spcPct val="120000"/>
+              </a:lnSpc>
+            </a:pPr>
+            <a:r>
+              <a:rPr lang="en-US" sz="1600" b="0" i="0" dirty="0">
+                <a:effectLst/>
+              </a:rPr>
+              <a:t>A marketing agency has many customers who use their service to produce ads for customer websites. They've noticed that they have quite a bit of churn in clients. They randomly assign account managers but want to be more </a:t>
+            </a:r>
+            <a:r>
+              <a:rPr lang="en-US" sz="1600" dirty="0"/>
+              <a:t>strategic by assigning their best account managers to the clients most at risk to churn. T</a:t>
+            </a:r>
+            <a:r>
+              <a:rPr lang="en-US" sz="1600" b="0" i="0" dirty="0">
+                <a:effectLst/>
+              </a:rPr>
+              <a:t>hey have provided their historical client data, so that we can leverage to build a machine-learning model to quickly identify at-risk customers.</a:t>
+            </a:r>
+          </a:p>
+          <a:p>
+            <a:pPr algn="l">
+              <a:lnSpc>
+                <a:spcPct val="120000"/>
+              </a:lnSpc>
+            </a:pPr>
+            <a:r>
+              <a:rPr lang="en-US" sz="1600" b="1" i="0" u="sng" dirty="0">
+                <a:effectLst/>
+              </a:rPr>
+              <a:t>Key Data Points</a:t>
+            </a:r>
+          </a:p>
+          <a:p>
+            <a:pPr marL="342900" indent="-342900" algn="l" fontAlgn="base">
+              <a:buFont typeface="Arial" panose="020B0604020202020204" pitchFamily="34" charset="0"/>
+              <a:buChar char="•"/>
+            </a:pPr>
+            <a:r>
+              <a:rPr lang="en-US" sz="1600" b="0" i="0" dirty="0">
+                <a:effectLst/>
+              </a:rPr>
+              <a:t>Name: Name of the latest contact at Company</a:t>
+            </a:r>
+          </a:p>
+          <a:p>
+            <a:pPr marL="342900" indent="-342900" algn="l" fontAlgn="base">
+              <a:buFont typeface="Arial" panose="020B0604020202020204" pitchFamily="34" charset="0"/>
+              <a:buChar char="•"/>
+            </a:pPr>
+            <a:r>
+              <a:rPr lang="en-US" sz="1600" b="0" i="0" dirty="0">
+                <a:effectLst/>
+              </a:rPr>
+              <a:t>Age: Customer Age</a:t>
+            </a:r>
+          </a:p>
+          <a:p>
+            <a:pPr marL="342900" indent="-342900" algn="l" fontAlgn="base">
+              <a:buFont typeface="Arial" panose="020B0604020202020204" pitchFamily="34" charset="0"/>
+              <a:buChar char="•"/>
+            </a:pPr>
+            <a:r>
+              <a:rPr lang="en-US" sz="1600" b="0" i="0" dirty="0">
+                <a:effectLst/>
+              </a:rPr>
+              <a:t>Total Purchase: Total Ads Purchased</a:t>
+            </a:r>
+          </a:p>
+          <a:p>
+            <a:pPr marL="342900" indent="-342900" algn="l" fontAlgn="base">
+              <a:buFont typeface="Arial" panose="020B0604020202020204" pitchFamily="34" charset="0"/>
+              <a:buChar char="•"/>
+            </a:pPr>
+            <a:r>
+              <a:rPr lang="en-US" sz="1600" b="0" i="0" dirty="0">
+                <a:effectLst/>
+              </a:rPr>
+              <a:t>Account Manager: Binary 0=No manager, 1= Account manager assigned</a:t>
+            </a:r>
+          </a:p>
+          <a:p>
+            <a:pPr marL="342900" indent="-342900" algn="l" fontAlgn="base">
+              <a:buFont typeface="Arial" panose="020B0604020202020204" pitchFamily="34" charset="0"/>
+              <a:buChar char="•"/>
+            </a:pPr>
+            <a:r>
+              <a:rPr lang="en-US" sz="1600" b="0" i="0" dirty="0">
+                <a:effectLst/>
+              </a:rPr>
+              <a:t>Years: Total Years as a customer</a:t>
+            </a:r>
+          </a:p>
+          <a:p>
+            <a:pPr marL="342900" indent="-342900" algn="l" fontAlgn="base">
+              <a:buFont typeface="Arial" panose="020B0604020202020204" pitchFamily="34" charset="0"/>
+              <a:buChar char="•"/>
+            </a:pPr>
+            <a:r>
+              <a:rPr lang="en-US" sz="1600" b="0" i="0" dirty="0">
+                <a:effectLst/>
+              </a:rPr>
+              <a:t>Number of Websites Used: Number of websites that use the service.</a:t>
+            </a:r>
+          </a:p>
+          <a:p>
+            <a:pPr marL="342900" indent="-342900" algn="l" fontAlgn="base">
+              <a:buFont typeface="Arial" panose="020B0604020202020204" pitchFamily="34" charset="0"/>
+              <a:buChar char="•"/>
+            </a:pPr>
+            <a:r>
+              <a:rPr lang="en-US" sz="1600" b="0" i="0" dirty="0">
+                <a:effectLst/>
+              </a:rPr>
+              <a:t>Onboard Date: The date that the name of the latest contact was onboarded</a:t>
+            </a:r>
+          </a:p>
+          <a:p>
+            <a:pPr marL="342900" indent="-342900" algn="l" fontAlgn="base">
+              <a:buFont typeface="Arial" panose="020B0604020202020204" pitchFamily="34" charset="0"/>
+              <a:buChar char="•"/>
+            </a:pPr>
+            <a:r>
+              <a:rPr lang="en-US" sz="1600" b="0" i="0" dirty="0">
+                <a:effectLst/>
+              </a:rPr>
+              <a:t>Location: Client HQ Address</a:t>
+            </a:r>
+          </a:p>
+          <a:p>
+            <a:pPr marL="342900" indent="-342900" algn="l" fontAlgn="base">
+              <a:buFont typeface="Arial" panose="020B0604020202020204" pitchFamily="34" charset="0"/>
+              <a:buChar char="•"/>
+            </a:pPr>
+            <a:r>
+              <a:rPr lang="en-US" sz="1600" b="0" i="0" dirty="0">
+                <a:effectLst/>
+              </a:rPr>
+              <a:t>Company: Name of Client Company</a:t>
+            </a:r>
+          </a:p>
+          <a:p>
+            <a:pPr marL="342900" indent="-342900">
+              <a:buFont typeface="Arial" panose="020B0604020202020204" pitchFamily="34" charset="0"/>
+              <a:buChar char="•"/>
+            </a:pPr>
+            <a:endParaRPr lang="en-US" dirty="0">
+              <a:solidFill>
+                <a:srgbClr val="3C4043"/>
+              </a:solidFill>
+              <a:latin typeface="Inter"/>
+            </a:endParaRPr>
+          </a:p>
+          <a:p>
+            <a:endParaRPr lang="en-US" dirty="0"/>
+          </a:p>
+        </p:txBody>
+      </p:sp>
       <p:pic>
         <p:nvPicPr>
-          <p:cNvPr id="7" name="Picture 6">
-            <a:extLst>
-              <a:ext uri="{FF2B5EF4-FFF2-40B4-BE49-F238E27FC236}">
-                <a16:creationId xmlns:a16="http://schemas.microsoft.com/office/drawing/2014/main" id="{F9839F9D-45CD-47A6-59C6-57D9F9B08437}"/>
+          <p:cNvPr id="8" name="Picture 7">
+            <a:extLst>
+              <a:ext uri="{FF2B5EF4-FFF2-40B4-BE49-F238E27FC236}">
+                <a16:creationId xmlns:a16="http://schemas.microsoft.com/office/drawing/2014/main" id="{6E3B201B-02EB-D2AB-73B7-4A1018AA93DF}"/>
               </a:ext>
             </a:extLst>
           </p:cNvPr>
@@ -4041,26 +7682,77 @@
           </p:cNvPicPr>
           <p:nvPr/>
         </p:nvPicPr>
-        <p:blipFill>
+        <p:blipFill rotWithShape="1">
           <a:blip r:embed="rId2"/>
-          <a:stretch>
-            <a:fillRect/>
-          </a:stretch>
+          <a:srcRect r="9210"/>
+          <a:stretch/>
         </p:blipFill>
         <p:spPr>
           <a:xfrm>
-            <a:off x="65956" y="176841"/>
-            <a:ext cx="12060088" cy="6504317"/>
+            <a:off x="7139134" y="3145536"/>
+            <a:ext cx="4058092" cy="1383841"/>
           </a:xfrm>
           <a:prstGeom prst="rect">
             <a:avLst/>
           </a:prstGeom>
         </p:spPr>
       </p:pic>
+      <p:sp>
+        <p:nvSpPr>
+          <p:cNvPr id="9" name="TextBox 8">
+            <a:extLst>
+              <a:ext uri="{FF2B5EF4-FFF2-40B4-BE49-F238E27FC236}">
+                <a16:creationId xmlns:a16="http://schemas.microsoft.com/office/drawing/2014/main" id="{256BD870-260A-9BF5-49A2-C6251BAF5D0F}"/>
+              </a:ext>
+            </a:extLst>
+          </p:cNvPr>
+          <p:cNvSpPr txBox="1"/>
+          <p:nvPr/>
+        </p:nvSpPr>
+        <p:spPr>
+          <a:xfrm>
+            <a:off x="947870" y="5790178"/>
+            <a:ext cx="5960853" cy="553998"/>
+          </a:xfrm>
+          <a:prstGeom prst="rect">
+            <a:avLst/>
+          </a:prstGeom>
+          <a:noFill/>
+        </p:spPr>
+        <p:txBody>
+          <a:bodyPr wrap="square" rtlCol="0">
+            <a:spAutoFit/>
+          </a:bodyPr>
+          <a:lstStyle/>
+          <a:p>
+            <a:r>
+              <a:rPr lang="en-US" sz="1200" dirty="0"/>
+              <a:t>Data Source: </a:t>
+            </a:r>
+            <a:r>
+              <a:rPr lang="en-US" sz="1200" dirty="0">
+                <a:solidFill>
+                  <a:srgbClr val="3C4043"/>
+                </a:solidFill>
+                <a:hlinkClick r:id="rId3"/>
+              </a:rPr>
+              <a:t>https://www.kaggle.com/datasets/hassanamin/customer-churn</a:t>
+            </a:r>
+            <a:endParaRPr lang="en-US" sz="1200" dirty="0">
+              <a:solidFill>
+                <a:srgbClr val="3C4043"/>
+              </a:solidFill>
+            </a:endParaRPr>
+          </a:p>
+          <a:p>
+            <a:endParaRPr lang="en-US" dirty="0"/>
+          </a:p>
+        </p:txBody>
+      </p:sp>
     </p:spTree>
     <p:extLst>
       <p:ext uri="{BB962C8B-B14F-4D97-AF65-F5344CB8AC3E}">
-        <p14:creationId xmlns:p14="http://schemas.microsoft.com/office/powerpoint/2010/main" val="2046918960"/>
+        <p14:creationId xmlns:p14="http://schemas.microsoft.com/office/powerpoint/2010/main" val="926853438"/>
       </p:ext>
     </p:extLst>
   </p:cSld>
@@ -4070,9 +7762,17 @@
 </p:sld>
 </file>
 
-<file path=ppt/slides/slide5.xml><?xml version="1.0" encoding="utf-8"?>
+<file path=ppt/slides/slide4.xml><?xml version="1.0" encoding="utf-8"?>
 <p:sld xmlns:a="http://schemas.openxmlformats.org/drawingml/2006/main" xmlns:r="http://schemas.openxmlformats.org/officeDocument/2006/relationships" xmlns:p="http://schemas.openxmlformats.org/presentationml/2006/main">
   <p:cSld>
+    <p:bg>
+      <p:bgPr>
+        <a:solidFill>
+          <a:schemeClr val="bg1"/>
+        </a:solidFill>
+        <a:effectLst/>
+      </p:bgPr>
+    </p:bg>
     <p:spTree>
       <p:nvGrpSpPr>
         <p:cNvPr id="1" name=""/>
@@ -4087,40 +7787,353 @@
           <a:chExt cx="0" cy="0"/>
         </a:xfrm>
       </p:grpSpPr>
-      <p:pic>
-        <p:nvPicPr>
-          <p:cNvPr id="3" name="Picture 2">
-            <a:extLst>
-              <a:ext uri="{FF2B5EF4-FFF2-40B4-BE49-F238E27FC236}">
-                <a16:creationId xmlns:a16="http://schemas.microsoft.com/office/drawing/2014/main" id="{5FAEC99C-464E-23AF-A11A-3392DED5F528}"/>
-              </a:ext>
-            </a:extLst>
-          </p:cNvPr>
-          <p:cNvPicPr>
-            <a:picLocks noChangeAspect="1"/>
-          </p:cNvPicPr>
+      <p:grpSp>
+        <p:nvGrpSpPr>
+          <p:cNvPr id="17" name="Group 16">
+            <a:extLst>
+              <a:ext uri="{FF2B5EF4-FFF2-40B4-BE49-F238E27FC236}">
+                <a16:creationId xmlns:a16="http://schemas.microsoft.com/office/drawing/2014/main" id="{1E5539EC-8CB8-002F-68C6-678840282659}"/>
+              </a:ext>
+              <a:ext uri="{C183D7F6-B498-43B3-948B-1728B52AA6E4}">
+                <adec:decorative xmlns:adec="http://schemas.microsoft.com/office/drawing/2017/decorative" val="1"/>
+              </a:ext>
+            </a:extLst>
+          </p:cNvPr>
+          <p:cNvGrpSpPr>
+            <a:grpSpLocks noGrp="1" noUngrp="1" noRot="1" noChangeAspect="1" noMove="1" noResize="1"/>
+          </p:cNvGrpSpPr>
+          <p:nvPr>
+            <p:extLst>
+              <p:ext uri="{386F3935-93C4-4BCD-93E2-E3B085C9AB24}">
+                <p16:designElem xmlns:p16="http://schemas.microsoft.com/office/powerpoint/2015/main" val="1"/>
+              </p:ext>
+            </p:extLst>
+          </p:nvPr>
+        </p:nvGrpSpPr>
+        <p:grpSpPr>
+          <a:xfrm>
+            <a:off x="-1" y="-29768"/>
+            <a:ext cx="12202175" cy="1519356"/>
+            <a:chOff x="-1" y="-29768"/>
+            <a:chExt cx="12202175" cy="1519356"/>
+          </a:xfrm>
+        </p:grpSpPr>
+        <p:sp>
+          <p:nvSpPr>
+            <p:cNvPr id="18" name="Rectangle 17">
+              <a:extLst>
+                <a:ext uri="{FF2B5EF4-FFF2-40B4-BE49-F238E27FC236}">
+                  <a16:creationId xmlns:a16="http://schemas.microsoft.com/office/drawing/2014/main" id="{6C5D55A6-9EFD-CDA3-20CC-A99812CE1ABC}"/>
+                </a:ext>
+                <a:ext uri="{C183D7F6-B498-43B3-948B-1728B52AA6E4}">
+                  <adec:decorative xmlns:adec="http://schemas.microsoft.com/office/drawing/2017/decorative" val="1"/>
+                </a:ext>
+              </a:extLst>
+            </p:cNvPr>
+            <p:cNvSpPr/>
+            <p:nvPr>
+              <p:extLst>
+                <p:ext uri="{386F3935-93C4-4BCD-93E2-E3B085C9AB24}">
+                  <p16:designElem xmlns:p16="http://schemas.microsoft.com/office/powerpoint/2015/main" val="1"/>
+                </p:ext>
+              </p:extLst>
+            </p:nvPr>
+          </p:nvSpPr>
+          <p:spPr>
+            <a:xfrm rot="16200000">
+              <a:off x="5341412" y="-5371175"/>
+              <a:ext cx="1519350" cy="12202174"/>
+            </a:xfrm>
+            <a:prstGeom prst="rect">
+              <a:avLst/>
+            </a:prstGeom>
+            <a:gradFill>
+              <a:gsLst>
+                <a:gs pos="0">
+                  <a:schemeClr val="accent5"/>
+                </a:gs>
+                <a:gs pos="100000">
+                  <a:schemeClr val="accent2"/>
+                </a:gs>
+              </a:gsLst>
+              <a:lin ang="10200000" scaled="0"/>
+            </a:gradFill>
+            <a:ln>
+              <a:noFill/>
+            </a:ln>
+          </p:spPr>
+          <p:style>
+            <a:lnRef idx="2">
+              <a:schemeClr val="accent1">
+                <a:shade val="50000"/>
+              </a:schemeClr>
+            </a:lnRef>
+            <a:fillRef idx="1">
+              <a:schemeClr val="accent1"/>
+            </a:fillRef>
+            <a:effectRef idx="0">
+              <a:schemeClr val="accent1"/>
+            </a:effectRef>
+            <a:fontRef idx="minor">
+              <a:schemeClr val="lt1"/>
+            </a:fontRef>
+          </p:style>
+          <p:txBody>
+            <a:bodyPr rtlCol="0" anchor="ctr"/>
+            <a:lstStyle/>
+            <a:p>
+              <a:pPr algn="ctr"/>
+              <a:endParaRPr lang="en-US"/>
+            </a:p>
+          </p:txBody>
+        </p:sp>
+        <p:sp>
+          <p:nvSpPr>
+            <p:cNvPr id="19" name="Rectangle 18">
+              <a:extLst>
+                <a:ext uri="{FF2B5EF4-FFF2-40B4-BE49-F238E27FC236}">
+                  <a16:creationId xmlns:a16="http://schemas.microsoft.com/office/drawing/2014/main" id="{A5B6E73B-6DFD-AE6C-1628-DF8DC3008562}"/>
+                </a:ext>
+                <a:ext uri="{C183D7F6-B498-43B3-948B-1728B52AA6E4}">
+                  <adec:decorative xmlns:adec="http://schemas.microsoft.com/office/drawing/2017/decorative" val="1"/>
+                </a:ext>
+              </a:extLst>
+            </p:cNvPr>
+            <p:cNvSpPr/>
+            <p:nvPr>
+              <p:extLst>
+                <p:ext uri="{386F3935-93C4-4BCD-93E2-E3B085C9AB24}">
+                  <p16:designElem xmlns:p16="http://schemas.microsoft.com/office/powerpoint/2015/main" val="1"/>
+                </p:ext>
+              </p:extLst>
+            </p:nvPr>
+          </p:nvSpPr>
+          <p:spPr>
+            <a:xfrm rot="16200000">
+              <a:off x="8917093" y="-1801610"/>
+              <a:ext cx="1507122" cy="5063040"/>
+            </a:xfrm>
+            <a:prstGeom prst="rect">
+              <a:avLst/>
+            </a:prstGeom>
+            <a:gradFill>
+              <a:gsLst>
+                <a:gs pos="59000">
+                  <a:schemeClr val="accent5">
+                    <a:lumMod val="60000"/>
+                    <a:lumOff val="40000"/>
+                    <a:alpha val="0"/>
+                  </a:schemeClr>
+                </a:gs>
+                <a:gs pos="100000">
+                  <a:schemeClr val="accent5">
+                    <a:lumMod val="60000"/>
+                    <a:lumOff val="40000"/>
+                  </a:schemeClr>
+                </a:gs>
+              </a:gsLst>
+              <a:lin ang="1200000" scaled="0"/>
+            </a:gradFill>
+            <a:ln>
+              <a:noFill/>
+            </a:ln>
+          </p:spPr>
+          <p:style>
+            <a:lnRef idx="2">
+              <a:schemeClr val="accent1">
+                <a:shade val="50000"/>
+              </a:schemeClr>
+            </a:lnRef>
+            <a:fillRef idx="1">
+              <a:schemeClr val="accent1"/>
+            </a:fillRef>
+            <a:effectRef idx="0">
+              <a:schemeClr val="accent1"/>
+            </a:effectRef>
+            <a:fontRef idx="minor">
+              <a:schemeClr val="lt1"/>
+            </a:fontRef>
+          </p:style>
+          <p:txBody>
+            <a:bodyPr rtlCol="0" anchor="ctr"/>
+            <a:lstStyle/>
+            <a:p>
+              <a:pPr algn="ctr"/>
+              <a:endParaRPr lang="en-US"/>
+            </a:p>
+          </p:txBody>
+        </p:sp>
+        <p:sp>
+          <p:nvSpPr>
+            <p:cNvPr id="20" name="Rectangle 19">
+              <a:extLst>
+                <a:ext uri="{FF2B5EF4-FFF2-40B4-BE49-F238E27FC236}">
+                  <a16:creationId xmlns:a16="http://schemas.microsoft.com/office/drawing/2014/main" id="{10E00FC4-DDBC-F424-CF71-73AF7A284A68}"/>
+                </a:ext>
+                <a:ext uri="{C183D7F6-B498-43B3-948B-1728B52AA6E4}">
+                  <adec:decorative xmlns:adec="http://schemas.microsoft.com/office/drawing/2017/decorative" val="1"/>
+                </a:ext>
+              </a:extLst>
+            </p:cNvPr>
+            <p:cNvSpPr/>
+            <p:nvPr>
+              <p:extLst>
+                <p:ext uri="{386F3935-93C4-4BCD-93E2-E3B085C9AB24}">
+                  <p16:designElem xmlns:p16="http://schemas.microsoft.com/office/powerpoint/2015/main" val="1"/>
+                </p:ext>
+              </p:extLst>
+            </p:nvPr>
+          </p:nvSpPr>
+          <p:spPr>
+            <a:xfrm rot="5400000">
+              <a:off x="3100712" y="-3130481"/>
+              <a:ext cx="1519356" cy="7720782"/>
+            </a:xfrm>
+            <a:prstGeom prst="rect">
+              <a:avLst/>
+            </a:prstGeom>
+            <a:gradFill>
+              <a:gsLst>
+                <a:gs pos="29000">
+                  <a:schemeClr val="accent5">
+                    <a:lumMod val="60000"/>
+                    <a:lumOff val="40000"/>
+                    <a:alpha val="0"/>
+                  </a:schemeClr>
+                </a:gs>
+                <a:gs pos="100000">
+                  <a:schemeClr val="accent5">
+                    <a:lumMod val="75000"/>
+                  </a:schemeClr>
+                </a:gs>
+              </a:gsLst>
+              <a:lin ang="1200000" scaled="0"/>
+            </a:gradFill>
+            <a:ln>
+              <a:noFill/>
+            </a:ln>
+          </p:spPr>
+          <p:style>
+            <a:lnRef idx="2">
+              <a:schemeClr val="accent1">
+                <a:shade val="50000"/>
+              </a:schemeClr>
+            </a:lnRef>
+            <a:fillRef idx="1">
+              <a:schemeClr val="accent1"/>
+            </a:fillRef>
+            <a:effectRef idx="0">
+              <a:schemeClr val="accent1"/>
+            </a:effectRef>
+            <a:fontRef idx="minor">
+              <a:schemeClr val="lt1"/>
+            </a:fontRef>
+          </p:style>
+          <p:txBody>
+            <a:bodyPr rtlCol="0" anchor="ctr"/>
+            <a:lstStyle/>
+            <a:p>
+              <a:pPr algn="ctr"/>
+              <a:endParaRPr lang="en-US"/>
+            </a:p>
+          </p:txBody>
+        </p:sp>
+      </p:grpSp>
+      <p:sp>
+        <p:nvSpPr>
+          <p:cNvPr id="3" name="TextBox 2">
+            <a:extLst>
+              <a:ext uri="{FF2B5EF4-FFF2-40B4-BE49-F238E27FC236}">
+                <a16:creationId xmlns:a16="http://schemas.microsoft.com/office/drawing/2014/main" id="{77200409-2D47-D2CE-81B0-9CA63B279327}"/>
+              </a:ext>
+            </a:extLst>
+          </p:cNvPr>
+          <p:cNvSpPr txBox="1"/>
           <p:nvPr/>
-        </p:nvPicPr>
-        <p:blipFill>
-          <a:blip r:embed="rId2"/>
-          <a:stretch>
-            <a:fillRect/>
-          </a:stretch>
-        </p:blipFill>
+        </p:nvSpPr>
         <p:spPr>
           <a:xfrm>
-            <a:off x="0" y="139637"/>
-            <a:ext cx="12192000" cy="6578725"/>
+            <a:off x="876691" y="301843"/>
+            <a:ext cx="10477109" cy="1003532"/>
           </a:xfrm>
           <a:prstGeom prst="rect">
             <a:avLst/>
           </a:prstGeom>
         </p:spPr>
+        <p:txBody>
+          <a:bodyPr rot="0" spcFirstLastPara="0" vertOverflow="overflow" horzOverflow="overflow" vert="horz" lIns="91440" tIns="45720" rIns="91440" bIns="45720" numCol="1" spcCol="0" rtlCol="0" fromWordArt="0" anchor="ctr" anchorCtr="0" forceAA="0" compatLnSpc="1">
+            <a:prstTxWarp prst="textNoShape">
+              <a:avLst/>
+            </a:prstTxWarp>
+            <a:normAutofit/>
+          </a:bodyPr>
+          <a:lstStyle/>
+          <a:p>
+            <a:pPr>
+              <a:lnSpc>
+                <a:spcPct val="90000"/>
+              </a:lnSpc>
+              <a:spcBef>
+                <a:spcPct val="0"/>
+              </a:spcBef>
+              <a:spcAft>
+                <a:spcPts val="600"/>
+              </a:spcAft>
+            </a:pPr>
+            <a:r>
+              <a:rPr lang="en-US" sz="3200" b="1" dirty="0">
+                <a:solidFill>
+                  <a:srgbClr val="FFFFFF"/>
+                </a:solidFill>
+                <a:latin typeface="+mj-lt"/>
+                <a:ea typeface="+mj-ea"/>
+                <a:cs typeface="+mj-cs"/>
+              </a:rPr>
+              <a:t>Data Overview</a:t>
+            </a:r>
+            <a:endParaRPr lang="en-US" sz="3200" b="1" kern="1200" dirty="0">
+              <a:solidFill>
+                <a:srgbClr val="FFFFFF"/>
+              </a:solidFill>
+              <a:latin typeface="+mj-lt"/>
+              <a:ea typeface="+mj-ea"/>
+              <a:cs typeface="+mj-cs"/>
+            </a:endParaRPr>
+          </a:p>
+        </p:txBody>
+      </p:sp>
+      <p:pic>
+        <p:nvPicPr>
+          <p:cNvPr id="6" name="Google Shape;119;g284be9a9b70_1_0">
+            <a:extLst>
+              <a:ext uri="{FF2B5EF4-FFF2-40B4-BE49-F238E27FC236}">
+                <a16:creationId xmlns:a16="http://schemas.microsoft.com/office/drawing/2014/main" id="{1E7B892F-FE1C-CD1D-BCDC-1E71E8A8B3C6}"/>
+              </a:ext>
+            </a:extLst>
+          </p:cNvPr>
+          <p:cNvPicPr preferRelativeResize="0"/>
+          <p:nvPr/>
+        </p:nvPicPr>
+        <p:blipFill rotWithShape="1">
+          <a:blip r:embed="rId2"/>
+          <a:srcRect l="1121" r="-1"/>
+          <a:stretch/>
+        </p:blipFill>
+        <p:spPr>
+          <a:xfrm>
+            <a:off x="3913632" y="1495701"/>
+            <a:ext cx="4698877" cy="4667355"/>
+          </a:xfrm>
+          <a:prstGeom prst="rect">
+            <a:avLst/>
+          </a:prstGeom>
+          <a:noFill/>
+        </p:spPr>
       </p:pic>
     </p:spTree>
     <p:extLst>
       <p:ext uri="{BB962C8B-B14F-4D97-AF65-F5344CB8AC3E}">
-        <p14:creationId xmlns:p14="http://schemas.microsoft.com/office/powerpoint/2010/main" val="1501753239"/>
+        <p14:creationId xmlns:p14="http://schemas.microsoft.com/office/powerpoint/2010/main" val="3205659227"/>
       </p:ext>
     </p:extLst>
   </p:cSld>
@@ -4130,9 +8143,17 @@
 </p:sld>
 </file>
 
-<file path=ppt/slides/slide6.xml><?xml version="1.0" encoding="utf-8"?>
+<file path=ppt/slides/slide5.xml><?xml version="1.0" encoding="utf-8"?>
 <p:sld xmlns:a="http://schemas.openxmlformats.org/drawingml/2006/main" xmlns:r="http://schemas.openxmlformats.org/officeDocument/2006/relationships" xmlns:p="http://schemas.openxmlformats.org/presentationml/2006/main">
   <p:cSld>
+    <p:bg>
+      <p:bgPr>
+        <a:solidFill>
+          <a:schemeClr val="bg1"/>
+        </a:solidFill>
+        <a:effectLst/>
+      </p:bgPr>
+    </p:bg>
     <p:spTree>
       <p:nvGrpSpPr>
         <p:cNvPr id="1" name=""/>
@@ -4147,66 +8168,372 @@
           <a:chExt cx="0" cy="0"/>
         </a:xfrm>
       </p:grpSpPr>
+      <p:grpSp>
+        <p:nvGrpSpPr>
+          <p:cNvPr id="17" name="Group 16">
+            <a:extLst>
+              <a:ext uri="{FF2B5EF4-FFF2-40B4-BE49-F238E27FC236}">
+                <a16:creationId xmlns:a16="http://schemas.microsoft.com/office/drawing/2014/main" id="{1E5539EC-8CB8-002F-68C6-678840282659}"/>
+              </a:ext>
+              <a:ext uri="{C183D7F6-B498-43B3-948B-1728B52AA6E4}">
+                <adec:decorative xmlns:adec="http://schemas.microsoft.com/office/drawing/2017/decorative" val="1"/>
+              </a:ext>
+            </a:extLst>
+          </p:cNvPr>
+          <p:cNvGrpSpPr>
+            <a:grpSpLocks noGrp="1" noUngrp="1" noRot="1" noChangeAspect="1" noMove="1" noResize="1"/>
+          </p:cNvGrpSpPr>
+          <p:nvPr>
+            <p:extLst>
+              <p:ext uri="{386F3935-93C4-4BCD-93E2-E3B085C9AB24}">
+                <p16:designElem xmlns:p16="http://schemas.microsoft.com/office/powerpoint/2015/main" val="1"/>
+              </p:ext>
+            </p:extLst>
+          </p:nvPr>
+        </p:nvGrpSpPr>
+        <p:grpSpPr>
+          <a:xfrm>
+            <a:off x="-1" y="-29768"/>
+            <a:ext cx="12202175" cy="1519356"/>
+            <a:chOff x="-1" y="-29768"/>
+            <a:chExt cx="12202175" cy="1519356"/>
+          </a:xfrm>
+        </p:grpSpPr>
+        <p:sp>
+          <p:nvSpPr>
+            <p:cNvPr id="18" name="Rectangle 17">
+              <a:extLst>
+                <a:ext uri="{FF2B5EF4-FFF2-40B4-BE49-F238E27FC236}">
+                  <a16:creationId xmlns:a16="http://schemas.microsoft.com/office/drawing/2014/main" id="{6C5D55A6-9EFD-CDA3-20CC-A99812CE1ABC}"/>
+                </a:ext>
+                <a:ext uri="{C183D7F6-B498-43B3-948B-1728B52AA6E4}">
+                  <adec:decorative xmlns:adec="http://schemas.microsoft.com/office/drawing/2017/decorative" val="1"/>
+                </a:ext>
+              </a:extLst>
+            </p:cNvPr>
+            <p:cNvSpPr/>
+            <p:nvPr>
+              <p:extLst>
+                <p:ext uri="{386F3935-93C4-4BCD-93E2-E3B085C9AB24}">
+                  <p16:designElem xmlns:p16="http://schemas.microsoft.com/office/powerpoint/2015/main" val="1"/>
+                </p:ext>
+              </p:extLst>
+            </p:nvPr>
+          </p:nvSpPr>
+          <p:spPr>
+            <a:xfrm rot="16200000">
+              <a:off x="5341412" y="-5371175"/>
+              <a:ext cx="1519350" cy="12202174"/>
+            </a:xfrm>
+            <a:prstGeom prst="rect">
+              <a:avLst/>
+            </a:prstGeom>
+            <a:gradFill>
+              <a:gsLst>
+                <a:gs pos="0">
+                  <a:schemeClr val="accent5"/>
+                </a:gs>
+                <a:gs pos="100000">
+                  <a:schemeClr val="accent2"/>
+                </a:gs>
+              </a:gsLst>
+              <a:lin ang="10200000" scaled="0"/>
+            </a:gradFill>
+            <a:ln>
+              <a:noFill/>
+            </a:ln>
+          </p:spPr>
+          <p:style>
+            <a:lnRef idx="2">
+              <a:schemeClr val="accent1">
+                <a:shade val="50000"/>
+              </a:schemeClr>
+            </a:lnRef>
+            <a:fillRef idx="1">
+              <a:schemeClr val="accent1"/>
+            </a:fillRef>
+            <a:effectRef idx="0">
+              <a:schemeClr val="accent1"/>
+            </a:effectRef>
+            <a:fontRef idx="minor">
+              <a:schemeClr val="lt1"/>
+            </a:fontRef>
+          </p:style>
+          <p:txBody>
+            <a:bodyPr rtlCol="0" anchor="ctr"/>
+            <a:lstStyle/>
+            <a:p>
+              <a:pPr algn="ctr"/>
+              <a:endParaRPr lang="en-US"/>
+            </a:p>
+          </p:txBody>
+        </p:sp>
+        <p:sp>
+          <p:nvSpPr>
+            <p:cNvPr id="19" name="Rectangle 18">
+              <a:extLst>
+                <a:ext uri="{FF2B5EF4-FFF2-40B4-BE49-F238E27FC236}">
+                  <a16:creationId xmlns:a16="http://schemas.microsoft.com/office/drawing/2014/main" id="{A5B6E73B-6DFD-AE6C-1628-DF8DC3008562}"/>
+                </a:ext>
+                <a:ext uri="{C183D7F6-B498-43B3-948B-1728B52AA6E4}">
+                  <adec:decorative xmlns:adec="http://schemas.microsoft.com/office/drawing/2017/decorative" val="1"/>
+                </a:ext>
+              </a:extLst>
+            </p:cNvPr>
+            <p:cNvSpPr/>
+            <p:nvPr>
+              <p:extLst>
+                <p:ext uri="{386F3935-93C4-4BCD-93E2-E3B085C9AB24}">
+                  <p16:designElem xmlns:p16="http://schemas.microsoft.com/office/powerpoint/2015/main" val="1"/>
+                </p:ext>
+              </p:extLst>
+            </p:nvPr>
+          </p:nvSpPr>
+          <p:spPr>
+            <a:xfrm rot="16200000">
+              <a:off x="8917093" y="-1801610"/>
+              <a:ext cx="1507122" cy="5063040"/>
+            </a:xfrm>
+            <a:prstGeom prst="rect">
+              <a:avLst/>
+            </a:prstGeom>
+            <a:gradFill>
+              <a:gsLst>
+                <a:gs pos="59000">
+                  <a:schemeClr val="accent5">
+                    <a:lumMod val="60000"/>
+                    <a:lumOff val="40000"/>
+                    <a:alpha val="0"/>
+                  </a:schemeClr>
+                </a:gs>
+                <a:gs pos="100000">
+                  <a:schemeClr val="accent5">
+                    <a:lumMod val="60000"/>
+                    <a:lumOff val="40000"/>
+                  </a:schemeClr>
+                </a:gs>
+              </a:gsLst>
+              <a:lin ang="1200000" scaled="0"/>
+            </a:gradFill>
+            <a:ln>
+              <a:noFill/>
+            </a:ln>
+          </p:spPr>
+          <p:style>
+            <a:lnRef idx="2">
+              <a:schemeClr val="accent1">
+                <a:shade val="50000"/>
+              </a:schemeClr>
+            </a:lnRef>
+            <a:fillRef idx="1">
+              <a:schemeClr val="accent1"/>
+            </a:fillRef>
+            <a:effectRef idx="0">
+              <a:schemeClr val="accent1"/>
+            </a:effectRef>
+            <a:fontRef idx="minor">
+              <a:schemeClr val="lt1"/>
+            </a:fontRef>
+          </p:style>
+          <p:txBody>
+            <a:bodyPr rtlCol="0" anchor="ctr"/>
+            <a:lstStyle/>
+            <a:p>
+              <a:pPr algn="ctr"/>
+              <a:endParaRPr lang="en-US"/>
+            </a:p>
+          </p:txBody>
+        </p:sp>
+        <p:sp>
+          <p:nvSpPr>
+            <p:cNvPr id="20" name="Rectangle 19">
+              <a:extLst>
+                <a:ext uri="{FF2B5EF4-FFF2-40B4-BE49-F238E27FC236}">
+                  <a16:creationId xmlns:a16="http://schemas.microsoft.com/office/drawing/2014/main" id="{10E00FC4-DDBC-F424-CF71-73AF7A284A68}"/>
+                </a:ext>
+                <a:ext uri="{C183D7F6-B498-43B3-948B-1728B52AA6E4}">
+                  <adec:decorative xmlns:adec="http://schemas.microsoft.com/office/drawing/2017/decorative" val="1"/>
+                </a:ext>
+              </a:extLst>
+            </p:cNvPr>
+            <p:cNvSpPr/>
+            <p:nvPr>
+              <p:extLst>
+                <p:ext uri="{386F3935-93C4-4BCD-93E2-E3B085C9AB24}">
+                  <p16:designElem xmlns:p16="http://schemas.microsoft.com/office/powerpoint/2015/main" val="1"/>
+                </p:ext>
+              </p:extLst>
+            </p:nvPr>
+          </p:nvSpPr>
+          <p:spPr>
+            <a:xfrm rot="5400000">
+              <a:off x="3100712" y="-3130481"/>
+              <a:ext cx="1519356" cy="7720782"/>
+            </a:xfrm>
+            <a:prstGeom prst="rect">
+              <a:avLst/>
+            </a:prstGeom>
+            <a:gradFill>
+              <a:gsLst>
+                <a:gs pos="29000">
+                  <a:schemeClr val="accent5">
+                    <a:lumMod val="60000"/>
+                    <a:lumOff val="40000"/>
+                    <a:alpha val="0"/>
+                  </a:schemeClr>
+                </a:gs>
+                <a:gs pos="100000">
+                  <a:schemeClr val="accent5">
+                    <a:lumMod val="75000"/>
+                  </a:schemeClr>
+                </a:gs>
+              </a:gsLst>
+              <a:lin ang="1200000" scaled="0"/>
+            </a:gradFill>
+            <a:ln>
+              <a:noFill/>
+            </a:ln>
+          </p:spPr>
+          <p:style>
+            <a:lnRef idx="2">
+              <a:schemeClr val="accent1">
+                <a:shade val="50000"/>
+              </a:schemeClr>
+            </a:lnRef>
+            <a:fillRef idx="1">
+              <a:schemeClr val="accent1"/>
+            </a:fillRef>
+            <a:effectRef idx="0">
+              <a:schemeClr val="accent1"/>
+            </a:effectRef>
+            <a:fontRef idx="minor">
+              <a:schemeClr val="lt1"/>
+            </a:fontRef>
+          </p:style>
+          <p:txBody>
+            <a:bodyPr rtlCol="0" anchor="ctr"/>
+            <a:lstStyle/>
+            <a:p>
+              <a:pPr algn="ctr"/>
+              <a:endParaRPr lang="en-US"/>
+            </a:p>
+          </p:txBody>
+        </p:sp>
+      </p:grpSp>
       <p:sp>
         <p:nvSpPr>
-          <p:cNvPr id="2" name="Title 1">
-            <a:extLst>
-              <a:ext uri="{FF2B5EF4-FFF2-40B4-BE49-F238E27FC236}">
-                <a16:creationId xmlns:a16="http://schemas.microsoft.com/office/drawing/2014/main" id="{3E2213E4-0ED9-DE0E-107C-0302EBBB36EF}"/>
-              </a:ext>
-            </a:extLst>
-          </p:cNvPr>
-          <p:cNvSpPr>
-            <a:spLocks noGrp="1"/>
-          </p:cNvSpPr>
-          <p:nvPr>
-            <p:ph type="ctrTitle"/>
-          </p:nvPr>
+          <p:cNvPr id="3" name="TextBox 2">
+            <a:extLst>
+              <a:ext uri="{FF2B5EF4-FFF2-40B4-BE49-F238E27FC236}">
+                <a16:creationId xmlns:a16="http://schemas.microsoft.com/office/drawing/2014/main" id="{77200409-2D47-D2CE-81B0-9CA63B279327}"/>
+              </a:ext>
+            </a:extLst>
+          </p:cNvPr>
+          <p:cNvSpPr txBox="1"/>
+          <p:nvPr/>
         </p:nvSpPr>
-        <p:spPr/>
+        <p:spPr>
+          <a:xfrm>
+            <a:off x="876691" y="301843"/>
+            <a:ext cx="10477109" cy="1003532"/>
+          </a:xfrm>
+          <a:prstGeom prst="rect">
+            <a:avLst/>
+          </a:prstGeom>
+        </p:spPr>
         <p:txBody>
-          <a:bodyPr/>
+          <a:bodyPr rot="0" spcFirstLastPara="0" vertOverflow="overflow" horzOverflow="overflow" vert="horz" lIns="91440" tIns="45720" rIns="91440" bIns="45720" numCol="1" spcCol="0" rtlCol="0" fromWordArt="0" anchor="ctr" anchorCtr="0" forceAA="0" compatLnSpc="1">
+            <a:prstTxWarp prst="textNoShape">
+              <a:avLst/>
+            </a:prstTxWarp>
+            <a:normAutofit/>
+          </a:bodyPr>
           <a:lstStyle/>
           <a:p>
-            <a:r>
-              <a:rPr lang="en-US" dirty="0"/>
-              <a:t>Data Exploration</a:t>
-            </a:r>
+            <a:pPr>
+              <a:lnSpc>
+                <a:spcPct val="90000"/>
+              </a:lnSpc>
+              <a:spcBef>
+                <a:spcPct val="0"/>
+              </a:spcBef>
+              <a:spcAft>
+                <a:spcPts val="600"/>
+              </a:spcAft>
+            </a:pPr>
+            <a:r>
+              <a:rPr lang="en-US" sz="3200" b="1" dirty="0">
+                <a:solidFill>
+                  <a:srgbClr val="FFFFFF"/>
+                </a:solidFill>
+                <a:latin typeface="+mj-lt"/>
+                <a:ea typeface="+mj-ea"/>
+                <a:cs typeface="+mj-cs"/>
+              </a:rPr>
+              <a:t>Data Overview</a:t>
+            </a:r>
+            <a:endParaRPr lang="en-US" sz="3200" b="1" kern="1200" dirty="0">
+              <a:solidFill>
+                <a:srgbClr val="FFFFFF"/>
+              </a:solidFill>
+              <a:latin typeface="+mj-lt"/>
+              <a:ea typeface="+mj-ea"/>
+              <a:cs typeface="+mj-cs"/>
+            </a:endParaRPr>
           </a:p>
         </p:txBody>
       </p:sp>
-      <p:sp>
-        <p:nvSpPr>
-          <p:cNvPr id="3" name="Subtitle 2">
-            <a:extLst>
-              <a:ext uri="{FF2B5EF4-FFF2-40B4-BE49-F238E27FC236}">
-                <a16:creationId xmlns:a16="http://schemas.microsoft.com/office/drawing/2014/main" id="{27DAD8B4-EA10-9105-0EBC-DD648210C3A0}"/>
-              </a:ext>
-            </a:extLst>
-          </p:cNvPr>
-          <p:cNvSpPr>
-            <a:spLocks noGrp="1"/>
-          </p:cNvSpPr>
-          <p:nvPr>
-            <p:ph type="subTitle" idx="1"/>
-          </p:nvPr>
-        </p:nvSpPr>
-        <p:spPr/>
-        <p:txBody>
-          <a:bodyPr/>
-          <a:lstStyle/>
-          <a:p>
-            <a:r>
-              <a:rPr lang="en-US" dirty="0"/>
-              <a:t>Tunga</a:t>
-            </a:r>
-          </a:p>
-        </p:txBody>
-      </p:sp>
+      <p:pic>
+        <p:nvPicPr>
+          <p:cNvPr id="2" name="Picture 2">
+            <a:extLst>
+              <a:ext uri="{FF2B5EF4-FFF2-40B4-BE49-F238E27FC236}">
+                <a16:creationId xmlns:a16="http://schemas.microsoft.com/office/drawing/2014/main" id="{1AA3298C-82E3-5270-D7FB-B3D7DAE38183}"/>
+              </a:ext>
+            </a:extLst>
+          </p:cNvPr>
+          <p:cNvPicPr>
+            <a:picLocks noChangeAspect="1" noChangeArrowheads="1"/>
+          </p:cNvPicPr>
+          <p:nvPr/>
+        </p:nvPicPr>
+        <p:blipFill>
+          <a:blip r:embed="rId2">
+            <a:extLst>
+              <a:ext uri="{28A0092B-C50C-407E-A947-70E740481C1C}">
+                <a14:useLocalDpi xmlns:a14="http://schemas.microsoft.com/office/drawing/2010/main" val="0"/>
+              </a:ext>
+            </a:extLst>
+          </a:blip>
+          <a:srcRect/>
+          <a:stretch>
+            <a:fillRect/>
+          </a:stretch>
+        </p:blipFill>
+        <p:spPr bwMode="auto">
+          <a:xfrm>
+            <a:off x="2566856" y="1630869"/>
+            <a:ext cx="7058287" cy="5076511"/>
+          </a:xfrm>
+          <a:prstGeom prst="rect">
+            <a:avLst/>
+          </a:prstGeom>
+          <a:noFill/>
+          <a:extLst>
+            <a:ext uri="{909E8E84-426E-40DD-AFC4-6F175D3DCCD1}">
+              <a14:hiddenFill xmlns:a14="http://schemas.microsoft.com/office/drawing/2010/main">
+                <a:solidFill>
+                  <a:srgbClr val="FFFFFF"/>
+                </a:solidFill>
+              </a14:hiddenFill>
+            </a:ext>
+          </a:extLst>
+        </p:spPr>
+      </p:pic>
     </p:spTree>
     <p:extLst>
       <p:ext uri="{BB962C8B-B14F-4D97-AF65-F5344CB8AC3E}">
-        <p14:creationId xmlns:p14="http://schemas.microsoft.com/office/powerpoint/2010/main" val="3595791110"/>
+        <p14:creationId xmlns:p14="http://schemas.microsoft.com/office/powerpoint/2010/main" val="746755369"/>
       </p:ext>
     </p:extLst>
   </p:cSld>
@@ -4216,9 +8543,17 @@
 </p:sld>
 </file>
 
-<file path=ppt/slides/slide7.xml><?xml version="1.0" encoding="utf-8"?>
+<file path=ppt/slides/slide6.xml><?xml version="1.0" encoding="utf-8"?>
 <p:sld xmlns:a="http://schemas.openxmlformats.org/drawingml/2006/main" xmlns:r="http://schemas.openxmlformats.org/officeDocument/2006/relationships" xmlns:p="http://schemas.openxmlformats.org/presentationml/2006/main">
   <p:cSld>
+    <p:bg>
+      <p:bgPr>
+        <a:solidFill>
+          <a:schemeClr val="bg1"/>
+        </a:solidFill>
+        <a:effectLst/>
+      </p:bgPr>
+    </p:bg>
     <p:spTree>
       <p:nvGrpSpPr>
         <p:cNvPr id="1" name=""/>
@@ -4233,66 +8568,354 @@
           <a:chExt cx="0" cy="0"/>
         </a:xfrm>
       </p:grpSpPr>
+      <p:grpSp>
+        <p:nvGrpSpPr>
+          <p:cNvPr id="17" name="Group 16">
+            <a:extLst>
+              <a:ext uri="{FF2B5EF4-FFF2-40B4-BE49-F238E27FC236}">
+                <a16:creationId xmlns:a16="http://schemas.microsoft.com/office/drawing/2014/main" id="{1E5539EC-8CB8-002F-68C6-678840282659}"/>
+              </a:ext>
+              <a:ext uri="{C183D7F6-B498-43B3-948B-1728B52AA6E4}">
+                <adec:decorative xmlns:adec="http://schemas.microsoft.com/office/drawing/2017/decorative" val="1"/>
+              </a:ext>
+            </a:extLst>
+          </p:cNvPr>
+          <p:cNvGrpSpPr>
+            <a:grpSpLocks noGrp="1" noUngrp="1" noRot="1" noChangeAspect="1" noMove="1" noResize="1"/>
+          </p:cNvGrpSpPr>
+          <p:nvPr>
+            <p:extLst>
+              <p:ext uri="{386F3935-93C4-4BCD-93E2-E3B085C9AB24}">
+                <p16:designElem xmlns:p16="http://schemas.microsoft.com/office/powerpoint/2015/main" val="1"/>
+              </p:ext>
+            </p:extLst>
+          </p:nvPr>
+        </p:nvGrpSpPr>
+        <p:grpSpPr>
+          <a:xfrm>
+            <a:off x="-1" y="-29768"/>
+            <a:ext cx="12202175" cy="1519356"/>
+            <a:chOff x="-1" y="-29768"/>
+            <a:chExt cx="12202175" cy="1519356"/>
+          </a:xfrm>
+        </p:grpSpPr>
+        <p:sp>
+          <p:nvSpPr>
+            <p:cNvPr id="18" name="Rectangle 17">
+              <a:extLst>
+                <a:ext uri="{FF2B5EF4-FFF2-40B4-BE49-F238E27FC236}">
+                  <a16:creationId xmlns:a16="http://schemas.microsoft.com/office/drawing/2014/main" id="{6C5D55A6-9EFD-CDA3-20CC-A99812CE1ABC}"/>
+                </a:ext>
+                <a:ext uri="{C183D7F6-B498-43B3-948B-1728B52AA6E4}">
+                  <adec:decorative xmlns:adec="http://schemas.microsoft.com/office/drawing/2017/decorative" val="1"/>
+                </a:ext>
+              </a:extLst>
+            </p:cNvPr>
+            <p:cNvSpPr/>
+            <p:nvPr>
+              <p:extLst>
+                <p:ext uri="{386F3935-93C4-4BCD-93E2-E3B085C9AB24}">
+                  <p16:designElem xmlns:p16="http://schemas.microsoft.com/office/powerpoint/2015/main" val="1"/>
+                </p:ext>
+              </p:extLst>
+            </p:nvPr>
+          </p:nvSpPr>
+          <p:spPr>
+            <a:xfrm rot="16200000">
+              <a:off x="5341412" y="-5371175"/>
+              <a:ext cx="1519350" cy="12202174"/>
+            </a:xfrm>
+            <a:prstGeom prst="rect">
+              <a:avLst/>
+            </a:prstGeom>
+            <a:gradFill>
+              <a:gsLst>
+                <a:gs pos="0">
+                  <a:schemeClr val="accent5"/>
+                </a:gs>
+                <a:gs pos="100000">
+                  <a:schemeClr val="accent2"/>
+                </a:gs>
+              </a:gsLst>
+              <a:lin ang="10200000" scaled="0"/>
+            </a:gradFill>
+            <a:ln>
+              <a:noFill/>
+            </a:ln>
+          </p:spPr>
+          <p:style>
+            <a:lnRef idx="2">
+              <a:schemeClr val="accent1">
+                <a:shade val="50000"/>
+              </a:schemeClr>
+            </a:lnRef>
+            <a:fillRef idx="1">
+              <a:schemeClr val="accent1"/>
+            </a:fillRef>
+            <a:effectRef idx="0">
+              <a:schemeClr val="accent1"/>
+            </a:effectRef>
+            <a:fontRef idx="minor">
+              <a:schemeClr val="lt1"/>
+            </a:fontRef>
+          </p:style>
+          <p:txBody>
+            <a:bodyPr rtlCol="0" anchor="ctr"/>
+            <a:lstStyle/>
+            <a:p>
+              <a:pPr algn="ctr"/>
+              <a:endParaRPr lang="en-US"/>
+            </a:p>
+          </p:txBody>
+        </p:sp>
+        <p:sp>
+          <p:nvSpPr>
+            <p:cNvPr id="19" name="Rectangle 18">
+              <a:extLst>
+                <a:ext uri="{FF2B5EF4-FFF2-40B4-BE49-F238E27FC236}">
+                  <a16:creationId xmlns:a16="http://schemas.microsoft.com/office/drawing/2014/main" id="{A5B6E73B-6DFD-AE6C-1628-DF8DC3008562}"/>
+                </a:ext>
+                <a:ext uri="{C183D7F6-B498-43B3-948B-1728B52AA6E4}">
+                  <adec:decorative xmlns:adec="http://schemas.microsoft.com/office/drawing/2017/decorative" val="1"/>
+                </a:ext>
+              </a:extLst>
+            </p:cNvPr>
+            <p:cNvSpPr/>
+            <p:nvPr>
+              <p:extLst>
+                <p:ext uri="{386F3935-93C4-4BCD-93E2-E3B085C9AB24}">
+                  <p16:designElem xmlns:p16="http://schemas.microsoft.com/office/powerpoint/2015/main" val="1"/>
+                </p:ext>
+              </p:extLst>
+            </p:nvPr>
+          </p:nvSpPr>
+          <p:spPr>
+            <a:xfrm rot="16200000">
+              <a:off x="8917093" y="-1801610"/>
+              <a:ext cx="1507122" cy="5063040"/>
+            </a:xfrm>
+            <a:prstGeom prst="rect">
+              <a:avLst/>
+            </a:prstGeom>
+            <a:gradFill>
+              <a:gsLst>
+                <a:gs pos="59000">
+                  <a:schemeClr val="accent5">
+                    <a:lumMod val="60000"/>
+                    <a:lumOff val="40000"/>
+                    <a:alpha val="0"/>
+                  </a:schemeClr>
+                </a:gs>
+                <a:gs pos="100000">
+                  <a:schemeClr val="accent5">
+                    <a:lumMod val="60000"/>
+                    <a:lumOff val="40000"/>
+                  </a:schemeClr>
+                </a:gs>
+              </a:gsLst>
+              <a:lin ang="1200000" scaled="0"/>
+            </a:gradFill>
+            <a:ln>
+              <a:noFill/>
+            </a:ln>
+          </p:spPr>
+          <p:style>
+            <a:lnRef idx="2">
+              <a:schemeClr val="accent1">
+                <a:shade val="50000"/>
+              </a:schemeClr>
+            </a:lnRef>
+            <a:fillRef idx="1">
+              <a:schemeClr val="accent1"/>
+            </a:fillRef>
+            <a:effectRef idx="0">
+              <a:schemeClr val="accent1"/>
+            </a:effectRef>
+            <a:fontRef idx="minor">
+              <a:schemeClr val="lt1"/>
+            </a:fontRef>
+          </p:style>
+          <p:txBody>
+            <a:bodyPr rtlCol="0" anchor="ctr"/>
+            <a:lstStyle/>
+            <a:p>
+              <a:pPr algn="ctr"/>
+              <a:endParaRPr lang="en-US"/>
+            </a:p>
+          </p:txBody>
+        </p:sp>
+        <p:sp>
+          <p:nvSpPr>
+            <p:cNvPr id="20" name="Rectangle 19">
+              <a:extLst>
+                <a:ext uri="{FF2B5EF4-FFF2-40B4-BE49-F238E27FC236}">
+                  <a16:creationId xmlns:a16="http://schemas.microsoft.com/office/drawing/2014/main" id="{10E00FC4-DDBC-F424-CF71-73AF7A284A68}"/>
+                </a:ext>
+                <a:ext uri="{C183D7F6-B498-43B3-948B-1728B52AA6E4}">
+                  <adec:decorative xmlns:adec="http://schemas.microsoft.com/office/drawing/2017/decorative" val="1"/>
+                </a:ext>
+              </a:extLst>
+            </p:cNvPr>
+            <p:cNvSpPr/>
+            <p:nvPr>
+              <p:extLst>
+                <p:ext uri="{386F3935-93C4-4BCD-93E2-E3B085C9AB24}">
+                  <p16:designElem xmlns:p16="http://schemas.microsoft.com/office/powerpoint/2015/main" val="1"/>
+                </p:ext>
+              </p:extLst>
+            </p:nvPr>
+          </p:nvSpPr>
+          <p:spPr>
+            <a:xfrm rot="5400000">
+              <a:off x="3100712" y="-3130481"/>
+              <a:ext cx="1519356" cy="7720782"/>
+            </a:xfrm>
+            <a:prstGeom prst="rect">
+              <a:avLst/>
+            </a:prstGeom>
+            <a:gradFill>
+              <a:gsLst>
+                <a:gs pos="29000">
+                  <a:schemeClr val="accent5">
+                    <a:lumMod val="60000"/>
+                    <a:lumOff val="40000"/>
+                    <a:alpha val="0"/>
+                  </a:schemeClr>
+                </a:gs>
+                <a:gs pos="100000">
+                  <a:schemeClr val="accent5">
+                    <a:lumMod val="75000"/>
+                  </a:schemeClr>
+                </a:gs>
+              </a:gsLst>
+              <a:lin ang="1200000" scaled="0"/>
+            </a:gradFill>
+            <a:ln>
+              <a:noFill/>
+            </a:ln>
+          </p:spPr>
+          <p:style>
+            <a:lnRef idx="2">
+              <a:schemeClr val="accent1">
+                <a:shade val="50000"/>
+              </a:schemeClr>
+            </a:lnRef>
+            <a:fillRef idx="1">
+              <a:schemeClr val="accent1"/>
+            </a:fillRef>
+            <a:effectRef idx="0">
+              <a:schemeClr val="accent1"/>
+            </a:effectRef>
+            <a:fontRef idx="minor">
+              <a:schemeClr val="lt1"/>
+            </a:fontRef>
+          </p:style>
+          <p:txBody>
+            <a:bodyPr rtlCol="0" anchor="ctr"/>
+            <a:lstStyle/>
+            <a:p>
+              <a:pPr algn="ctr"/>
+              <a:endParaRPr lang="en-US"/>
+            </a:p>
+          </p:txBody>
+        </p:sp>
+      </p:grpSp>
       <p:sp>
         <p:nvSpPr>
-          <p:cNvPr id="2" name="Title 1">
-            <a:extLst>
-              <a:ext uri="{FF2B5EF4-FFF2-40B4-BE49-F238E27FC236}">
-                <a16:creationId xmlns:a16="http://schemas.microsoft.com/office/drawing/2014/main" id="{3E2213E4-0ED9-DE0E-107C-0302EBBB36EF}"/>
-              </a:ext>
-            </a:extLst>
-          </p:cNvPr>
-          <p:cNvSpPr>
-            <a:spLocks noGrp="1"/>
-          </p:cNvSpPr>
-          <p:nvPr>
-            <p:ph type="ctrTitle"/>
-          </p:nvPr>
+          <p:cNvPr id="3" name="TextBox 2">
+            <a:extLst>
+              <a:ext uri="{FF2B5EF4-FFF2-40B4-BE49-F238E27FC236}">
+                <a16:creationId xmlns:a16="http://schemas.microsoft.com/office/drawing/2014/main" id="{77200409-2D47-D2CE-81B0-9CA63B279327}"/>
+              </a:ext>
+            </a:extLst>
+          </p:cNvPr>
+          <p:cNvSpPr txBox="1"/>
+          <p:nvPr/>
         </p:nvSpPr>
-        <p:spPr/>
+        <p:spPr>
+          <a:xfrm>
+            <a:off x="876691" y="301843"/>
+            <a:ext cx="10477109" cy="1003532"/>
+          </a:xfrm>
+          <a:prstGeom prst="rect">
+            <a:avLst/>
+          </a:prstGeom>
+        </p:spPr>
         <p:txBody>
-          <a:bodyPr/>
+          <a:bodyPr rot="0" spcFirstLastPara="0" vertOverflow="overflow" horzOverflow="overflow" vert="horz" lIns="91440" tIns="45720" rIns="91440" bIns="45720" numCol="1" spcCol="0" rtlCol="0" fromWordArt="0" anchor="ctr" anchorCtr="0" forceAA="0" compatLnSpc="1">
+            <a:prstTxWarp prst="textNoShape">
+              <a:avLst/>
+            </a:prstTxWarp>
+            <a:normAutofit/>
+          </a:bodyPr>
           <a:lstStyle/>
           <a:p>
-            <a:r>
-              <a:rPr lang="en-US" dirty="0"/>
-              <a:t>Neural Networks</a:t>
-            </a:r>
+            <a:pPr>
+              <a:lnSpc>
+                <a:spcPct val="90000"/>
+              </a:lnSpc>
+              <a:spcBef>
+                <a:spcPct val="0"/>
+              </a:spcBef>
+              <a:spcAft>
+                <a:spcPts val="600"/>
+              </a:spcAft>
+            </a:pPr>
+            <a:r>
+              <a:rPr lang="en-US" sz="3200" b="1" dirty="0">
+                <a:solidFill>
+                  <a:srgbClr val="FFFFFF"/>
+                </a:solidFill>
+                <a:latin typeface="+mj-lt"/>
+                <a:ea typeface="+mj-ea"/>
+                <a:cs typeface="+mj-cs"/>
+              </a:rPr>
+              <a:t>Data Overview</a:t>
+            </a:r>
+            <a:endParaRPr lang="en-US" sz="3200" b="1" kern="1200" dirty="0">
+              <a:solidFill>
+                <a:srgbClr val="FFFFFF"/>
+              </a:solidFill>
+              <a:latin typeface="+mj-lt"/>
+              <a:ea typeface="+mj-ea"/>
+              <a:cs typeface="+mj-cs"/>
+            </a:endParaRPr>
           </a:p>
         </p:txBody>
       </p:sp>
-      <p:sp>
-        <p:nvSpPr>
-          <p:cNvPr id="3" name="Subtitle 2">
-            <a:extLst>
-              <a:ext uri="{FF2B5EF4-FFF2-40B4-BE49-F238E27FC236}">
-                <a16:creationId xmlns:a16="http://schemas.microsoft.com/office/drawing/2014/main" id="{27DAD8B4-EA10-9105-0EBC-DD648210C3A0}"/>
-              </a:ext>
-            </a:extLst>
-          </p:cNvPr>
-          <p:cNvSpPr>
-            <a:spLocks noGrp="1"/>
-          </p:cNvSpPr>
-          <p:nvPr>
-            <p:ph type="subTitle" idx="1"/>
-          </p:nvPr>
-        </p:nvSpPr>
-        <p:spPr/>
-        <p:txBody>
-          <a:bodyPr/>
-          <a:lstStyle/>
-          <a:p>
-            <a:r>
-              <a:rPr lang="en-US" dirty="0"/>
-              <a:t>Francesca</a:t>
-            </a:r>
-          </a:p>
-        </p:txBody>
-      </p:sp>
+      <p:pic>
+        <p:nvPicPr>
+          <p:cNvPr id="2" name="Google Shape;129;g284be9a9b70_1_13">
+            <a:extLst>
+              <a:ext uri="{FF2B5EF4-FFF2-40B4-BE49-F238E27FC236}">
+                <a16:creationId xmlns:a16="http://schemas.microsoft.com/office/drawing/2014/main" id="{6FF4F244-090A-276C-C706-411ED0A2D0B5}"/>
+              </a:ext>
+            </a:extLst>
+          </p:cNvPr>
+          <p:cNvPicPr preferRelativeResize="0"/>
+          <p:nvPr/>
+        </p:nvPicPr>
+        <p:blipFill>
+          <a:blip r:embed="rId2"/>
+          <a:stretch>
+            <a:fillRect/>
+          </a:stretch>
+        </p:blipFill>
+        <p:spPr>
+          <a:xfrm>
+            <a:off x="3990552" y="1708381"/>
+            <a:ext cx="4210896" cy="4963352"/>
+          </a:xfrm>
+          <a:prstGeom prst="rect">
+            <a:avLst/>
+          </a:prstGeom>
+          <a:noFill/>
+        </p:spPr>
+      </p:pic>
     </p:spTree>
     <p:extLst>
       <p:ext uri="{BB962C8B-B14F-4D97-AF65-F5344CB8AC3E}">
-        <p14:creationId xmlns:p14="http://schemas.microsoft.com/office/powerpoint/2010/main" val="435429103"/>
+        <p14:creationId xmlns:p14="http://schemas.microsoft.com/office/powerpoint/2010/main" val="3528245973"/>
       </p:ext>
     </p:extLst>
   </p:cSld>
@@ -4302,9 +8925,17 @@
 </p:sld>
 </file>
 
-<file path=ppt/slides/slide8.xml><?xml version="1.0" encoding="utf-8"?>
+<file path=ppt/slides/slide7.xml><?xml version="1.0" encoding="utf-8"?>
 <p:sld xmlns:a="http://schemas.openxmlformats.org/drawingml/2006/main" xmlns:r="http://schemas.openxmlformats.org/officeDocument/2006/relationships" xmlns:p="http://schemas.openxmlformats.org/presentationml/2006/main">
   <p:cSld>
+    <p:bg>
+      <p:bgPr>
+        <a:solidFill>
+          <a:schemeClr val="bg1"/>
+        </a:solidFill>
+        <a:effectLst/>
+      </p:bgPr>
+    </p:bg>
     <p:spTree>
       <p:nvGrpSpPr>
         <p:cNvPr id="1" name=""/>
@@ -4319,66 +8950,354 @@
           <a:chExt cx="0" cy="0"/>
         </a:xfrm>
       </p:grpSpPr>
+      <p:grpSp>
+        <p:nvGrpSpPr>
+          <p:cNvPr id="17" name="Group 16">
+            <a:extLst>
+              <a:ext uri="{FF2B5EF4-FFF2-40B4-BE49-F238E27FC236}">
+                <a16:creationId xmlns:a16="http://schemas.microsoft.com/office/drawing/2014/main" id="{1E5539EC-8CB8-002F-68C6-678840282659}"/>
+              </a:ext>
+              <a:ext uri="{C183D7F6-B498-43B3-948B-1728B52AA6E4}">
+                <adec:decorative xmlns:adec="http://schemas.microsoft.com/office/drawing/2017/decorative" val="1"/>
+              </a:ext>
+            </a:extLst>
+          </p:cNvPr>
+          <p:cNvGrpSpPr>
+            <a:grpSpLocks noGrp="1" noUngrp="1" noRot="1" noChangeAspect="1" noMove="1" noResize="1"/>
+          </p:cNvGrpSpPr>
+          <p:nvPr>
+            <p:extLst>
+              <p:ext uri="{386F3935-93C4-4BCD-93E2-E3B085C9AB24}">
+                <p16:designElem xmlns:p16="http://schemas.microsoft.com/office/powerpoint/2015/main" val="1"/>
+              </p:ext>
+            </p:extLst>
+          </p:nvPr>
+        </p:nvGrpSpPr>
+        <p:grpSpPr>
+          <a:xfrm>
+            <a:off x="-1" y="-29768"/>
+            <a:ext cx="12202175" cy="1519356"/>
+            <a:chOff x="-1" y="-29768"/>
+            <a:chExt cx="12202175" cy="1519356"/>
+          </a:xfrm>
+        </p:grpSpPr>
+        <p:sp>
+          <p:nvSpPr>
+            <p:cNvPr id="18" name="Rectangle 17">
+              <a:extLst>
+                <a:ext uri="{FF2B5EF4-FFF2-40B4-BE49-F238E27FC236}">
+                  <a16:creationId xmlns:a16="http://schemas.microsoft.com/office/drawing/2014/main" id="{6C5D55A6-9EFD-CDA3-20CC-A99812CE1ABC}"/>
+                </a:ext>
+                <a:ext uri="{C183D7F6-B498-43B3-948B-1728B52AA6E4}">
+                  <adec:decorative xmlns:adec="http://schemas.microsoft.com/office/drawing/2017/decorative" val="1"/>
+                </a:ext>
+              </a:extLst>
+            </p:cNvPr>
+            <p:cNvSpPr/>
+            <p:nvPr>
+              <p:extLst>
+                <p:ext uri="{386F3935-93C4-4BCD-93E2-E3B085C9AB24}">
+                  <p16:designElem xmlns:p16="http://schemas.microsoft.com/office/powerpoint/2015/main" val="1"/>
+                </p:ext>
+              </p:extLst>
+            </p:nvPr>
+          </p:nvSpPr>
+          <p:spPr>
+            <a:xfrm rot="16200000">
+              <a:off x="5341412" y="-5371175"/>
+              <a:ext cx="1519350" cy="12202174"/>
+            </a:xfrm>
+            <a:prstGeom prst="rect">
+              <a:avLst/>
+            </a:prstGeom>
+            <a:gradFill>
+              <a:gsLst>
+                <a:gs pos="0">
+                  <a:schemeClr val="accent5"/>
+                </a:gs>
+                <a:gs pos="100000">
+                  <a:schemeClr val="accent2"/>
+                </a:gs>
+              </a:gsLst>
+              <a:lin ang="10200000" scaled="0"/>
+            </a:gradFill>
+            <a:ln>
+              <a:noFill/>
+            </a:ln>
+          </p:spPr>
+          <p:style>
+            <a:lnRef idx="2">
+              <a:schemeClr val="accent1">
+                <a:shade val="50000"/>
+              </a:schemeClr>
+            </a:lnRef>
+            <a:fillRef idx="1">
+              <a:schemeClr val="accent1"/>
+            </a:fillRef>
+            <a:effectRef idx="0">
+              <a:schemeClr val="accent1"/>
+            </a:effectRef>
+            <a:fontRef idx="minor">
+              <a:schemeClr val="lt1"/>
+            </a:fontRef>
+          </p:style>
+          <p:txBody>
+            <a:bodyPr rtlCol="0" anchor="ctr"/>
+            <a:lstStyle/>
+            <a:p>
+              <a:pPr algn="ctr"/>
+              <a:endParaRPr lang="en-US"/>
+            </a:p>
+          </p:txBody>
+        </p:sp>
+        <p:sp>
+          <p:nvSpPr>
+            <p:cNvPr id="19" name="Rectangle 18">
+              <a:extLst>
+                <a:ext uri="{FF2B5EF4-FFF2-40B4-BE49-F238E27FC236}">
+                  <a16:creationId xmlns:a16="http://schemas.microsoft.com/office/drawing/2014/main" id="{A5B6E73B-6DFD-AE6C-1628-DF8DC3008562}"/>
+                </a:ext>
+                <a:ext uri="{C183D7F6-B498-43B3-948B-1728B52AA6E4}">
+                  <adec:decorative xmlns:adec="http://schemas.microsoft.com/office/drawing/2017/decorative" val="1"/>
+                </a:ext>
+              </a:extLst>
+            </p:cNvPr>
+            <p:cNvSpPr/>
+            <p:nvPr>
+              <p:extLst>
+                <p:ext uri="{386F3935-93C4-4BCD-93E2-E3B085C9AB24}">
+                  <p16:designElem xmlns:p16="http://schemas.microsoft.com/office/powerpoint/2015/main" val="1"/>
+                </p:ext>
+              </p:extLst>
+            </p:nvPr>
+          </p:nvSpPr>
+          <p:spPr>
+            <a:xfrm rot="16200000">
+              <a:off x="8917093" y="-1801610"/>
+              <a:ext cx="1507122" cy="5063040"/>
+            </a:xfrm>
+            <a:prstGeom prst="rect">
+              <a:avLst/>
+            </a:prstGeom>
+            <a:gradFill>
+              <a:gsLst>
+                <a:gs pos="59000">
+                  <a:schemeClr val="accent5">
+                    <a:lumMod val="60000"/>
+                    <a:lumOff val="40000"/>
+                    <a:alpha val="0"/>
+                  </a:schemeClr>
+                </a:gs>
+                <a:gs pos="100000">
+                  <a:schemeClr val="accent5">
+                    <a:lumMod val="60000"/>
+                    <a:lumOff val="40000"/>
+                  </a:schemeClr>
+                </a:gs>
+              </a:gsLst>
+              <a:lin ang="1200000" scaled="0"/>
+            </a:gradFill>
+            <a:ln>
+              <a:noFill/>
+            </a:ln>
+          </p:spPr>
+          <p:style>
+            <a:lnRef idx="2">
+              <a:schemeClr val="accent1">
+                <a:shade val="50000"/>
+              </a:schemeClr>
+            </a:lnRef>
+            <a:fillRef idx="1">
+              <a:schemeClr val="accent1"/>
+            </a:fillRef>
+            <a:effectRef idx="0">
+              <a:schemeClr val="accent1"/>
+            </a:effectRef>
+            <a:fontRef idx="minor">
+              <a:schemeClr val="lt1"/>
+            </a:fontRef>
+          </p:style>
+          <p:txBody>
+            <a:bodyPr rtlCol="0" anchor="ctr"/>
+            <a:lstStyle/>
+            <a:p>
+              <a:pPr algn="ctr"/>
+              <a:endParaRPr lang="en-US"/>
+            </a:p>
+          </p:txBody>
+        </p:sp>
+        <p:sp>
+          <p:nvSpPr>
+            <p:cNvPr id="20" name="Rectangle 19">
+              <a:extLst>
+                <a:ext uri="{FF2B5EF4-FFF2-40B4-BE49-F238E27FC236}">
+                  <a16:creationId xmlns:a16="http://schemas.microsoft.com/office/drawing/2014/main" id="{10E00FC4-DDBC-F424-CF71-73AF7A284A68}"/>
+                </a:ext>
+                <a:ext uri="{C183D7F6-B498-43B3-948B-1728B52AA6E4}">
+                  <adec:decorative xmlns:adec="http://schemas.microsoft.com/office/drawing/2017/decorative" val="1"/>
+                </a:ext>
+              </a:extLst>
+            </p:cNvPr>
+            <p:cNvSpPr/>
+            <p:nvPr>
+              <p:extLst>
+                <p:ext uri="{386F3935-93C4-4BCD-93E2-E3B085C9AB24}">
+                  <p16:designElem xmlns:p16="http://schemas.microsoft.com/office/powerpoint/2015/main" val="1"/>
+                </p:ext>
+              </p:extLst>
+            </p:nvPr>
+          </p:nvSpPr>
+          <p:spPr>
+            <a:xfrm rot="5400000">
+              <a:off x="3100712" y="-3130481"/>
+              <a:ext cx="1519356" cy="7720782"/>
+            </a:xfrm>
+            <a:prstGeom prst="rect">
+              <a:avLst/>
+            </a:prstGeom>
+            <a:gradFill>
+              <a:gsLst>
+                <a:gs pos="29000">
+                  <a:schemeClr val="accent5">
+                    <a:lumMod val="60000"/>
+                    <a:lumOff val="40000"/>
+                    <a:alpha val="0"/>
+                  </a:schemeClr>
+                </a:gs>
+                <a:gs pos="100000">
+                  <a:schemeClr val="accent5">
+                    <a:lumMod val="75000"/>
+                  </a:schemeClr>
+                </a:gs>
+              </a:gsLst>
+              <a:lin ang="1200000" scaled="0"/>
+            </a:gradFill>
+            <a:ln>
+              <a:noFill/>
+            </a:ln>
+          </p:spPr>
+          <p:style>
+            <a:lnRef idx="2">
+              <a:schemeClr val="accent1">
+                <a:shade val="50000"/>
+              </a:schemeClr>
+            </a:lnRef>
+            <a:fillRef idx="1">
+              <a:schemeClr val="accent1"/>
+            </a:fillRef>
+            <a:effectRef idx="0">
+              <a:schemeClr val="accent1"/>
+            </a:effectRef>
+            <a:fontRef idx="minor">
+              <a:schemeClr val="lt1"/>
+            </a:fontRef>
+          </p:style>
+          <p:txBody>
+            <a:bodyPr rtlCol="0" anchor="ctr"/>
+            <a:lstStyle/>
+            <a:p>
+              <a:pPr algn="ctr"/>
+              <a:endParaRPr lang="en-US"/>
+            </a:p>
+          </p:txBody>
+        </p:sp>
+      </p:grpSp>
       <p:sp>
         <p:nvSpPr>
-          <p:cNvPr id="2" name="Title 1">
-            <a:extLst>
-              <a:ext uri="{FF2B5EF4-FFF2-40B4-BE49-F238E27FC236}">
-                <a16:creationId xmlns:a16="http://schemas.microsoft.com/office/drawing/2014/main" id="{3E2213E4-0ED9-DE0E-107C-0302EBBB36EF}"/>
-              </a:ext>
-            </a:extLst>
-          </p:cNvPr>
-          <p:cNvSpPr>
-            <a:spLocks noGrp="1"/>
-          </p:cNvSpPr>
-          <p:nvPr>
-            <p:ph type="ctrTitle"/>
-          </p:nvPr>
+          <p:cNvPr id="3" name="TextBox 2">
+            <a:extLst>
+              <a:ext uri="{FF2B5EF4-FFF2-40B4-BE49-F238E27FC236}">
+                <a16:creationId xmlns:a16="http://schemas.microsoft.com/office/drawing/2014/main" id="{77200409-2D47-D2CE-81B0-9CA63B279327}"/>
+              </a:ext>
+            </a:extLst>
+          </p:cNvPr>
+          <p:cNvSpPr txBox="1"/>
+          <p:nvPr/>
         </p:nvSpPr>
-        <p:spPr/>
+        <p:spPr>
+          <a:xfrm>
+            <a:off x="876691" y="301843"/>
+            <a:ext cx="10477109" cy="1003532"/>
+          </a:xfrm>
+          <a:prstGeom prst="rect">
+            <a:avLst/>
+          </a:prstGeom>
+        </p:spPr>
         <p:txBody>
-          <a:bodyPr/>
+          <a:bodyPr rot="0" spcFirstLastPara="0" vertOverflow="overflow" horzOverflow="overflow" vert="horz" lIns="91440" tIns="45720" rIns="91440" bIns="45720" numCol="1" spcCol="0" rtlCol="0" fromWordArt="0" anchor="ctr" anchorCtr="0" forceAA="0" compatLnSpc="1">
+            <a:prstTxWarp prst="textNoShape">
+              <a:avLst/>
+            </a:prstTxWarp>
+            <a:normAutofit/>
+          </a:bodyPr>
           <a:lstStyle/>
           <a:p>
-            <a:r>
-              <a:rPr lang="en-US" dirty="0"/>
-              <a:t>TBD</a:t>
-            </a:r>
+            <a:pPr>
+              <a:lnSpc>
+                <a:spcPct val="90000"/>
+              </a:lnSpc>
+              <a:spcBef>
+                <a:spcPct val="0"/>
+              </a:spcBef>
+              <a:spcAft>
+                <a:spcPts val="600"/>
+              </a:spcAft>
+            </a:pPr>
+            <a:r>
+              <a:rPr lang="en-US" sz="3200" b="1" dirty="0">
+                <a:solidFill>
+                  <a:srgbClr val="FFFFFF"/>
+                </a:solidFill>
+                <a:latin typeface="+mj-lt"/>
+                <a:ea typeface="+mj-ea"/>
+                <a:cs typeface="+mj-cs"/>
+              </a:rPr>
+              <a:t>Data Overview</a:t>
+            </a:r>
+            <a:endParaRPr lang="en-US" sz="3200" b="1" kern="1200" dirty="0">
+              <a:solidFill>
+                <a:srgbClr val="FFFFFF"/>
+              </a:solidFill>
+              <a:latin typeface="+mj-lt"/>
+              <a:ea typeface="+mj-ea"/>
+              <a:cs typeface="+mj-cs"/>
+            </a:endParaRPr>
           </a:p>
         </p:txBody>
       </p:sp>
-      <p:sp>
-        <p:nvSpPr>
-          <p:cNvPr id="3" name="Subtitle 2">
-            <a:extLst>
-              <a:ext uri="{FF2B5EF4-FFF2-40B4-BE49-F238E27FC236}">
-                <a16:creationId xmlns:a16="http://schemas.microsoft.com/office/drawing/2014/main" id="{27DAD8B4-EA10-9105-0EBC-DD648210C3A0}"/>
-              </a:ext>
-            </a:extLst>
-          </p:cNvPr>
-          <p:cNvSpPr>
-            <a:spLocks noGrp="1"/>
-          </p:cNvSpPr>
-          <p:nvPr>
-            <p:ph type="subTitle" idx="1"/>
-          </p:nvPr>
-        </p:nvSpPr>
-        <p:spPr/>
-        <p:txBody>
-          <a:bodyPr/>
-          <a:lstStyle/>
-          <a:p>
-            <a:r>
-              <a:rPr lang="en-US" dirty="0"/>
-              <a:t>Max</a:t>
-            </a:r>
-          </a:p>
-        </p:txBody>
-      </p:sp>
+      <p:pic>
+        <p:nvPicPr>
+          <p:cNvPr id="2" name="Picture 1">
+            <a:extLst>
+              <a:ext uri="{FF2B5EF4-FFF2-40B4-BE49-F238E27FC236}">
+                <a16:creationId xmlns:a16="http://schemas.microsoft.com/office/drawing/2014/main" id="{F88E110C-7D3B-EA49-CCF2-F568AD83FA3F}"/>
+              </a:ext>
+            </a:extLst>
+          </p:cNvPr>
+          <p:cNvPicPr>
+            <a:picLocks noChangeAspect="1"/>
+          </p:cNvPicPr>
+          <p:nvPr/>
+        </p:nvPicPr>
+        <p:blipFill rotWithShape="1">
+          <a:blip r:embed="rId2"/>
+          <a:srcRect t="1420"/>
+          <a:stretch/>
+        </p:blipFill>
+        <p:spPr>
+          <a:xfrm>
+            <a:off x="1287018" y="1602718"/>
+            <a:ext cx="9617964" cy="4953439"/>
+          </a:xfrm>
+          <a:prstGeom prst="rect">
+            <a:avLst/>
+          </a:prstGeom>
+        </p:spPr>
+      </p:pic>
     </p:spTree>
     <p:extLst>
       <p:ext uri="{BB962C8B-B14F-4D97-AF65-F5344CB8AC3E}">
-        <p14:creationId xmlns:p14="http://schemas.microsoft.com/office/powerpoint/2010/main" val="220222973"/>
+        <p14:creationId xmlns:p14="http://schemas.microsoft.com/office/powerpoint/2010/main" val="2936063169"/>
       </p:ext>
     </p:extLst>
   </p:cSld>
@@ -4388,9 +9307,17 @@
 </p:sld>
 </file>
 
-<file path=ppt/slides/slide9.xml><?xml version="1.0" encoding="utf-8"?>
+<file path=ppt/slides/slide8.xml><?xml version="1.0" encoding="utf-8"?>
 <p:sld xmlns:a="http://schemas.openxmlformats.org/drawingml/2006/main" xmlns:r="http://schemas.openxmlformats.org/officeDocument/2006/relationships" xmlns:p="http://schemas.openxmlformats.org/presentationml/2006/main">
   <p:cSld>
+    <p:bg>
+      <p:bgPr>
+        <a:solidFill>
+          <a:schemeClr val="bg1"/>
+        </a:solidFill>
+        <a:effectLst/>
+      </p:bgPr>
+    </p:bg>
     <p:spTree>
       <p:nvGrpSpPr>
         <p:cNvPr id="1" name=""/>
@@ -4405,63 +9332,979 @@
           <a:chExt cx="0" cy="0"/>
         </a:xfrm>
       </p:grpSpPr>
+      <p:grpSp>
+        <p:nvGrpSpPr>
+          <p:cNvPr id="17" name="Group 16">
+            <a:extLst>
+              <a:ext uri="{FF2B5EF4-FFF2-40B4-BE49-F238E27FC236}">
+                <a16:creationId xmlns:a16="http://schemas.microsoft.com/office/drawing/2014/main" id="{1E5539EC-8CB8-002F-68C6-678840282659}"/>
+              </a:ext>
+              <a:ext uri="{C183D7F6-B498-43B3-948B-1728B52AA6E4}">
+                <adec:decorative xmlns:adec="http://schemas.microsoft.com/office/drawing/2017/decorative" val="1"/>
+              </a:ext>
+            </a:extLst>
+          </p:cNvPr>
+          <p:cNvGrpSpPr>
+            <a:grpSpLocks noGrp="1" noUngrp="1" noRot="1" noChangeAspect="1" noMove="1" noResize="1"/>
+          </p:cNvGrpSpPr>
+          <p:nvPr>
+            <p:extLst>
+              <p:ext uri="{386F3935-93C4-4BCD-93E2-E3B085C9AB24}">
+                <p16:designElem xmlns:p16="http://schemas.microsoft.com/office/powerpoint/2015/main" val="1"/>
+              </p:ext>
+            </p:extLst>
+          </p:nvPr>
+        </p:nvGrpSpPr>
+        <p:grpSpPr>
+          <a:xfrm>
+            <a:off x="-1" y="-29768"/>
+            <a:ext cx="12202175" cy="1519356"/>
+            <a:chOff x="-1" y="-29768"/>
+            <a:chExt cx="12202175" cy="1519356"/>
+          </a:xfrm>
+        </p:grpSpPr>
+        <p:sp>
+          <p:nvSpPr>
+            <p:cNvPr id="18" name="Rectangle 17">
+              <a:extLst>
+                <a:ext uri="{FF2B5EF4-FFF2-40B4-BE49-F238E27FC236}">
+                  <a16:creationId xmlns:a16="http://schemas.microsoft.com/office/drawing/2014/main" id="{6C5D55A6-9EFD-CDA3-20CC-A99812CE1ABC}"/>
+                </a:ext>
+                <a:ext uri="{C183D7F6-B498-43B3-948B-1728B52AA6E4}">
+                  <adec:decorative xmlns:adec="http://schemas.microsoft.com/office/drawing/2017/decorative" val="1"/>
+                </a:ext>
+              </a:extLst>
+            </p:cNvPr>
+            <p:cNvSpPr/>
+            <p:nvPr>
+              <p:extLst>
+                <p:ext uri="{386F3935-93C4-4BCD-93E2-E3B085C9AB24}">
+                  <p16:designElem xmlns:p16="http://schemas.microsoft.com/office/powerpoint/2015/main" val="1"/>
+                </p:ext>
+              </p:extLst>
+            </p:nvPr>
+          </p:nvSpPr>
+          <p:spPr>
+            <a:xfrm rot="16200000">
+              <a:off x="5341412" y="-5371175"/>
+              <a:ext cx="1519350" cy="12202174"/>
+            </a:xfrm>
+            <a:prstGeom prst="rect">
+              <a:avLst/>
+            </a:prstGeom>
+            <a:gradFill>
+              <a:gsLst>
+                <a:gs pos="0">
+                  <a:schemeClr val="accent5"/>
+                </a:gs>
+                <a:gs pos="100000">
+                  <a:schemeClr val="accent2"/>
+                </a:gs>
+              </a:gsLst>
+              <a:lin ang="10200000" scaled="0"/>
+            </a:gradFill>
+            <a:ln>
+              <a:noFill/>
+            </a:ln>
+          </p:spPr>
+          <p:style>
+            <a:lnRef idx="2">
+              <a:schemeClr val="accent1">
+                <a:shade val="50000"/>
+              </a:schemeClr>
+            </a:lnRef>
+            <a:fillRef idx="1">
+              <a:schemeClr val="accent1"/>
+            </a:fillRef>
+            <a:effectRef idx="0">
+              <a:schemeClr val="accent1"/>
+            </a:effectRef>
+            <a:fontRef idx="minor">
+              <a:schemeClr val="lt1"/>
+            </a:fontRef>
+          </p:style>
+          <p:txBody>
+            <a:bodyPr rtlCol="0" anchor="ctr"/>
+            <a:lstStyle/>
+            <a:p>
+              <a:pPr algn="ctr"/>
+              <a:endParaRPr lang="en-US"/>
+            </a:p>
+          </p:txBody>
+        </p:sp>
+        <p:sp>
+          <p:nvSpPr>
+            <p:cNvPr id="19" name="Rectangle 18">
+              <a:extLst>
+                <a:ext uri="{FF2B5EF4-FFF2-40B4-BE49-F238E27FC236}">
+                  <a16:creationId xmlns:a16="http://schemas.microsoft.com/office/drawing/2014/main" id="{A5B6E73B-6DFD-AE6C-1628-DF8DC3008562}"/>
+                </a:ext>
+                <a:ext uri="{C183D7F6-B498-43B3-948B-1728B52AA6E4}">
+                  <adec:decorative xmlns:adec="http://schemas.microsoft.com/office/drawing/2017/decorative" val="1"/>
+                </a:ext>
+              </a:extLst>
+            </p:cNvPr>
+            <p:cNvSpPr/>
+            <p:nvPr>
+              <p:extLst>
+                <p:ext uri="{386F3935-93C4-4BCD-93E2-E3B085C9AB24}">
+                  <p16:designElem xmlns:p16="http://schemas.microsoft.com/office/powerpoint/2015/main" val="1"/>
+                </p:ext>
+              </p:extLst>
+            </p:nvPr>
+          </p:nvSpPr>
+          <p:spPr>
+            <a:xfrm rot="16200000">
+              <a:off x="8917093" y="-1801610"/>
+              <a:ext cx="1507122" cy="5063040"/>
+            </a:xfrm>
+            <a:prstGeom prst="rect">
+              <a:avLst/>
+            </a:prstGeom>
+            <a:gradFill>
+              <a:gsLst>
+                <a:gs pos="59000">
+                  <a:schemeClr val="accent5">
+                    <a:lumMod val="60000"/>
+                    <a:lumOff val="40000"/>
+                    <a:alpha val="0"/>
+                  </a:schemeClr>
+                </a:gs>
+                <a:gs pos="100000">
+                  <a:schemeClr val="accent5">
+                    <a:lumMod val="60000"/>
+                    <a:lumOff val="40000"/>
+                  </a:schemeClr>
+                </a:gs>
+              </a:gsLst>
+              <a:lin ang="1200000" scaled="0"/>
+            </a:gradFill>
+            <a:ln>
+              <a:noFill/>
+            </a:ln>
+          </p:spPr>
+          <p:style>
+            <a:lnRef idx="2">
+              <a:schemeClr val="accent1">
+                <a:shade val="50000"/>
+              </a:schemeClr>
+            </a:lnRef>
+            <a:fillRef idx="1">
+              <a:schemeClr val="accent1"/>
+            </a:fillRef>
+            <a:effectRef idx="0">
+              <a:schemeClr val="accent1"/>
+            </a:effectRef>
+            <a:fontRef idx="minor">
+              <a:schemeClr val="lt1"/>
+            </a:fontRef>
+          </p:style>
+          <p:txBody>
+            <a:bodyPr rtlCol="0" anchor="ctr"/>
+            <a:lstStyle/>
+            <a:p>
+              <a:pPr algn="ctr"/>
+              <a:endParaRPr lang="en-US"/>
+            </a:p>
+          </p:txBody>
+        </p:sp>
+        <p:sp>
+          <p:nvSpPr>
+            <p:cNvPr id="20" name="Rectangle 19">
+              <a:extLst>
+                <a:ext uri="{FF2B5EF4-FFF2-40B4-BE49-F238E27FC236}">
+                  <a16:creationId xmlns:a16="http://schemas.microsoft.com/office/drawing/2014/main" id="{10E00FC4-DDBC-F424-CF71-73AF7A284A68}"/>
+                </a:ext>
+                <a:ext uri="{C183D7F6-B498-43B3-948B-1728B52AA6E4}">
+                  <adec:decorative xmlns:adec="http://schemas.microsoft.com/office/drawing/2017/decorative" val="1"/>
+                </a:ext>
+              </a:extLst>
+            </p:cNvPr>
+            <p:cNvSpPr/>
+            <p:nvPr>
+              <p:extLst>
+                <p:ext uri="{386F3935-93C4-4BCD-93E2-E3B085C9AB24}">
+                  <p16:designElem xmlns:p16="http://schemas.microsoft.com/office/powerpoint/2015/main" val="1"/>
+                </p:ext>
+              </p:extLst>
+            </p:nvPr>
+          </p:nvSpPr>
+          <p:spPr>
+            <a:xfrm rot="5400000">
+              <a:off x="3100712" y="-3130481"/>
+              <a:ext cx="1519356" cy="7720782"/>
+            </a:xfrm>
+            <a:prstGeom prst="rect">
+              <a:avLst/>
+            </a:prstGeom>
+            <a:gradFill>
+              <a:gsLst>
+                <a:gs pos="29000">
+                  <a:schemeClr val="accent5">
+                    <a:lumMod val="60000"/>
+                    <a:lumOff val="40000"/>
+                    <a:alpha val="0"/>
+                  </a:schemeClr>
+                </a:gs>
+                <a:gs pos="100000">
+                  <a:schemeClr val="accent5">
+                    <a:lumMod val="75000"/>
+                  </a:schemeClr>
+                </a:gs>
+              </a:gsLst>
+              <a:lin ang="1200000" scaled="0"/>
+            </a:gradFill>
+            <a:ln>
+              <a:noFill/>
+            </a:ln>
+          </p:spPr>
+          <p:style>
+            <a:lnRef idx="2">
+              <a:schemeClr val="accent1">
+                <a:shade val="50000"/>
+              </a:schemeClr>
+            </a:lnRef>
+            <a:fillRef idx="1">
+              <a:schemeClr val="accent1"/>
+            </a:fillRef>
+            <a:effectRef idx="0">
+              <a:schemeClr val="accent1"/>
+            </a:effectRef>
+            <a:fontRef idx="minor">
+              <a:schemeClr val="lt1"/>
+            </a:fontRef>
+          </p:style>
+          <p:txBody>
+            <a:bodyPr rtlCol="0" anchor="ctr"/>
+            <a:lstStyle/>
+            <a:p>
+              <a:pPr algn="ctr"/>
+              <a:endParaRPr lang="en-US"/>
+            </a:p>
+          </p:txBody>
+        </p:sp>
+      </p:grpSp>
       <p:sp>
         <p:nvSpPr>
-          <p:cNvPr id="2" name="Title 1">
-            <a:extLst>
-              <a:ext uri="{FF2B5EF4-FFF2-40B4-BE49-F238E27FC236}">
-                <a16:creationId xmlns:a16="http://schemas.microsoft.com/office/drawing/2014/main" id="{3E2213E4-0ED9-DE0E-107C-0302EBBB36EF}"/>
-              </a:ext>
-            </a:extLst>
-          </p:cNvPr>
-          <p:cNvSpPr>
-            <a:spLocks noGrp="1"/>
-          </p:cNvSpPr>
-          <p:nvPr>
-            <p:ph type="ctrTitle"/>
-          </p:nvPr>
+          <p:cNvPr id="3" name="TextBox 2">
+            <a:extLst>
+              <a:ext uri="{FF2B5EF4-FFF2-40B4-BE49-F238E27FC236}">
+                <a16:creationId xmlns:a16="http://schemas.microsoft.com/office/drawing/2014/main" id="{77200409-2D47-D2CE-81B0-9CA63B279327}"/>
+              </a:ext>
+            </a:extLst>
+          </p:cNvPr>
+          <p:cNvSpPr txBox="1"/>
+          <p:nvPr/>
         </p:nvSpPr>
-        <p:spPr/>
+        <p:spPr>
+          <a:xfrm>
+            <a:off x="876691" y="301843"/>
+            <a:ext cx="10477109" cy="1003532"/>
+          </a:xfrm>
+          <a:prstGeom prst="rect">
+            <a:avLst/>
+          </a:prstGeom>
+        </p:spPr>
         <p:txBody>
-          <a:bodyPr/>
+          <a:bodyPr rot="0" spcFirstLastPara="0" vertOverflow="overflow" horzOverflow="overflow" vert="horz" lIns="91440" tIns="45720" rIns="91440" bIns="45720" numCol="1" spcCol="0" rtlCol="0" fromWordArt="0" anchor="ctr" anchorCtr="0" forceAA="0" compatLnSpc="1">
+            <a:prstTxWarp prst="textNoShape">
+              <a:avLst/>
+            </a:prstTxWarp>
+            <a:normAutofit/>
+          </a:bodyPr>
           <a:lstStyle/>
           <a:p>
-            <a:r>
-              <a:rPr lang="en-US" dirty="0"/>
-              <a:t>Challenges Faced</a:t>
-            </a:r>
+            <a:pPr>
+              <a:lnSpc>
+                <a:spcPct val="90000"/>
+              </a:lnSpc>
+              <a:spcBef>
+                <a:spcPct val="0"/>
+              </a:spcBef>
+              <a:spcAft>
+                <a:spcPts val="600"/>
+              </a:spcAft>
+            </a:pPr>
+            <a:r>
+              <a:rPr lang="en-US" sz="3200" b="1" dirty="0">
+                <a:solidFill>
+                  <a:srgbClr val="FFFFFF"/>
+                </a:solidFill>
+                <a:latin typeface="+mj-lt"/>
+                <a:ea typeface="+mj-ea"/>
+                <a:cs typeface="+mj-cs"/>
+              </a:rPr>
+              <a:t>Data Overview</a:t>
+            </a:r>
+            <a:endParaRPr lang="en-US" sz="3200" b="1" kern="1200" dirty="0">
+              <a:solidFill>
+                <a:srgbClr val="FFFFFF"/>
+              </a:solidFill>
+              <a:latin typeface="+mj-lt"/>
+              <a:ea typeface="+mj-ea"/>
+              <a:cs typeface="+mj-cs"/>
+            </a:endParaRPr>
           </a:p>
         </p:txBody>
       </p:sp>
+      <p:pic>
+        <p:nvPicPr>
+          <p:cNvPr id="2" name="Google Shape;114;p5">
+            <a:extLst>
+              <a:ext uri="{FF2B5EF4-FFF2-40B4-BE49-F238E27FC236}">
+                <a16:creationId xmlns:a16="http://schemas.microsoft.com/office/drawing/2014/main" id="{7AE3FBAA-499A-7366-77EB-5AFF06E71498}"/>
+              </a:ext>
+            </a:extLst>
+          </p:cNvPr>
+          <p:cNvPicPr preferRelativeResize="0"/>
+          <p:nvPr/>
+        </p:nvPicPr>
+        <p:blipFill rotWithShape="1">
+          <a:blip r:embed="rId2">
+            <a:alphaModFix/>
+          </a:blip>
+          <a:srcRect b="2147"/>
+          <a:stretch/>
+        </p:blipFill>
+        <p:spPr>
+          <a:xfrm>
+            <a:off x="850392" y="1630869"/>
+            <a:ext cx="10491216" cy="4978251"/>
+          </a:xfrm>
+          <a:prstGeom prst="rect">
+            <a:avLst/>
+          </a:prstGeom>
+          <a:noFill/>
+          <a:ln>
+            <a:noFill/>
+          </a:ln>
+        </p:spPr>
+      </p:pic>
+    </p:spTree>
+    <p:extLst>
+      <p:ext uri="{BB962C8B-B14F-4D97-AF65-F5344CB8AC3E}">
+        <p14:creationId xmlns:p14="http://schemas.microsoft.com/office/powerpoint/2010/main" val="1966528045"/>
+      </p:ext>
+    </p:extLst>
+  </p:cSld>
+  <p:clrMapOvr>
+    <a:masterClrMapping/>
+  </p:clrMapOvr>
+</p:sld>
+</file>
+
+<file path=ppt/slides/slide9.xml><?xml version="1.0" encoding="utf-8"?>
+<p:sld xmlns:a="http://schemas.openxmlformats.org/drawingml/2006/main" xmlns:r="http://schemas.openxmlformats.org/officeDocument/2006/relationships" xmlns:p="http://schemas.openxmlformats.org/presentationml/2006/main">
+  <p:cSld>
+    <p:bg>
+      <p:bgPr>
+        <a:solidFill>
+          <a:schemeClr val="bg1"/>
+        </a:solidFill>
+        <a:effectLst/>
+      </p:bgPr>
+    </p:bg>
+    <p:spTree>
+      <p:nvGrpSpPr>
+        <p:cNvPr id="1" name=""/>
+        <p:cNvGrpSpPr/>
+        <p:nvPr/>
+      </p:nvGrpSpPr>
+      <p:grpSpPr>
+        <a:xfrm>
+          <a:off x="0" y="0"/>
+          <a:ext cx="0" cy="0"/>
+          <a:chOff x="0" y="0"/>
+          <a:chExt cx="0" cy="0"/>
+        </a:xfrm>
+      </p:grpSpPr>
+      <p:grpSp>
+        <p:nvGrpSpPr>
+          <p:cNvPr id="17" name="Group 16">
+            <a:extLst>
+              <a:ext uri="{FF2B5EF4-FFF2-40B4-BE49-F238E27FC236}">
+                <a16:creationId xmlns:a16="http://schemas.microsoft.com/office/drawing/2014/main" id="{1E5539EC-8CB8-002F-68C6-678840282659}"/>
+              </a:ext>
+              <a:ext uri="{C183D7F6-B498-43B3-948B-1728B52AA6E4}">
+                <adec:decorative xmlns:adec="http://schemas.microsoft.com/office/drawing/2017/decorative" val="1"/>
+              </a:ext>
+            </a:extLst>
+          </p:cNvPr>
+          <p:cNvGrpSpPr>
+            <a:grpSpLocks noGrp="1" noUngrp="1" noRot="1" noChangeAspect="1" noMove="1" noResize="1"/>
+          </p:cNvGrpSpPr>
+          <p:nvPr>
+            <p:extLst>
+              <p:ext uri="{386F3935-93C4-4BCD-93E2-E3B085C9AB24}">
+                <p16:designElem xmlns:p16="http://schemas.microsoft.com/office/powerpoint/2015/main" val="1"/>
+              </p:ext>
+            </p:extLst>
+          </p:nvPr>
+        </p:nvGrpSpPr>
+        <p:grpSpPr>
+          <a:xfrm>
+            <a:off x="-1" y="-29768"/>
+            <a:ext cx="12202175" cy="1519356"/>
+            <a:chOff x="-1" y="-29768"/>
+            <a:chExt cx="12202175" cy="1519356"/>
+          </a:xfrm>
+        </p:grpSpPr>
+        <p:sp>
+          <p:nvSpPr>
+            <p:cNvPr id="18" name="Rectangle 17">
+              <a:extLst>
+                <a:ext uri="{FF2B5EF4-FFF2-40B4-BE49-F238E27FC236}">
+                  <a16:creationId xmlns:a16="http://schemas.microsoft.com/office/drawing/2014/main" id="{6C5D55A6-9EFD-CDA3-20CC-A99812CE1ABC}"/>
+                </a:ext>
+                <a:ext uri="{C183D7F6-B498-43B3-948B-1728B52AA6E4}">
+                  <adec:decorative xmlns:adec="http://schemas.microsoft.com/office/drawing/2017/decorative" val="1"/>
+                </a:ext>
+              </a:extLst>
+            </p:cNvPr>
+            <p:cNvSpPr/>
+            <p:nvPr>
+              <p:extLst>
+                <p:ext uri="{386F3935-93C4-4BCD-93E2-E3B085C9AB24}">
+                  <p16:designElem xmlns:p16="http://schemas.microsoft.com/office/powerpoint/2015/main" val="1"/>
+                </p:ext>
+              </p:extLst>
+            </p:nvPr>
+          </p:nvSpPr>
+          <p:spPr>
+            <a:xfrm rot="16200000">
+              <a:off x="5341412" y="-5371175"/>
+              <a:ext cx="1519350" cy="12202174"/>
+            </a:xfrm>
+            <a:prstGeom prst="rect">
+              <a:avLst/>
+            </a:prstGeom>
+            <a:gradFill>
+              <a:gsLst>
+                <a:gs pos="0">
+                  <a:schemeClr val="accent5"/>
+                </a:gs>
+                <a:gs pos="100000">
+                  <a:schemeClr val="accent2"/>
+                </a:gs>
+              </a:gsLst>
+              <a:lin ang="10200000" scaled="0"/>
+            </a:gradFill>
+            <a:ln>
+              <a:noFill/>
+            </a:ln>
+          </p:spPr>
+          <p:style>
+            <a:lnRef idx="2">
+              <a:schemeClr val="accent1">
+                <a:shade val="50000"/>
+              </a:schemeClr>
+            </a:lnRef>
+            <a:fillRef idx="1">
+              <a:schemeClr val="accent1"/>
+            </a:fillRef>
+            <a:effectRef idx="0">
+              <a:schemeClr val="accent1"/>
+            </a:effectRef>
+            <a:fontRef idx="minor">
+              <a:schemeClr val="lt1"/>
+            </a:fontRef>
+          </p:style>
+          <p:txBody>
+            <a:bodyPr rtlCol="0" anchor="ctr"/>
+            <a:lstStyle/>
+            <a:p>
+              <a:pPr algn="ctr"/>
+              <a:endParaRPr lang="en-US"/>
+            </a:p>
+          </p:txBody>
+        </p:sp>
+        <p:sp>
+          <p:nvSpPr>
+            <p:cNvPr id="19" name="Rectangle 18">
+              <a:extLst>
+                <a:ext uri="{FF2B5EF4-FFF2-40B4-BE49-F238E27FC236}">
+                  <a16:creationId xmlns:a16="http://schemas.microsoft.com/office/drawing/2014/main" id="{A5B6E73B-6DFD-AE6C-1628-DF8DC3008562}"/>
+                </a:ext>
+                <a:ext uri="{C183D7F6-B498-43B3-948B-1728B52AA6E4}">
+                  <adec:decorative xmlns:adec="http://schemas.microsoft.com/office/drawing/2017/decorative" val="1"/>
+                </a:ext>
+              </a:extLst>
+            </p:cNvPr>
+            <p:cNvSpPr/>
+            <p:nvPr>
+              <p:extLst>
+                <p:ext uri="{386F3935-93C4-4BCD-93E2-E3B085C9AB24}">
+                  <p16:designElem xmlns:p16="http://schemas.microsoft.com/office/powerpoint/2015/main" val="1"/>
+                </p:ext>
+              </p:extLst>
+            </p:nvPr>
+          </p:nvSpPr>
+          <p:spPr>
+            <a:xfrm rot="16200000">
+              <a:off x="8917093" y="-1801610"/>
+              <a:ext cx="1507122" cy="5063040"/>
+            </a:xfrm>
+            <a:prstGeom prst="rect">
+              <a:avLst/>
+            </a:prstGeom>
+            <a:gradFill>
+              <a:gsLst>
+                <a:gs pos="59000">
+                  <a:schemeClr val="accent5">
+                    <a:lumMod val="60000"/>
+                    <a:lumOff val="40000"/>
+                    <a:alpha val="0"/>
+                  </a:schemeClr>
+                </a:gs>
+                <a:gs pos="100000">
+                  <a:schemeClr val="accent5">
+                    <a:lumMod val="60000"/>
+                    <a:lumOff val="40000"/>
+                  </a:schemeClr>
+                </a:gs>
+              </a:gsLst>
+              <a:lin ang="1200000" scaled="0"/>
+            </a:gradFill>
+            <a:ln>
+              <a:noFill/>
+            </a:ln>
+          </p:spPr>
+          <p:style>
+            <a:lnRef idx="2">
+              <a:schemeClr val="accent1">
+                <a:shade val="50000"/>
+              </a:schemeClr>
+            </a:lnRef>
+            <a:fillRef idx="1">
+              <a:schemeClr val="accent1"/>
+            </a:fillRef>
+            <a:effectRef idx="0">
+              <a:schemeClr val="accent1"/>
+            </a:effectRef>
+            <a:fontRef idx="minor">
+              <a:schemeClr val="lt1"/>
+            </a:fontRef>
+          </p:style>
+          <p:txBody>
+            <a:bodyPr rtlCol="0" anchor="ctr"/>
+            <a:lstStyle/>
+            <a:p>
+              <a:pPr algn="ctr"/>
+              <a:endParaRPr lang="en-US"/>
+            </a:p>
+          </p:txBody>
+        </p:sp>
+        <p:sp>
+          <p:nvSpPr>
+            <p:cNvPr id="20" name="Rectangle 19">
+              <a:extLst>
+                <a:ext uri="{FF2B5EF4-FFF2-40B4-BE49-F238E27FC236}">
+                  <a16:creationId xmlns:a16="http://schemas.microsoft.com/office/drawing/2014/main" id="{10E00FC4-DDBC-F424-CF71-73AF7A284A68}"/>
+                </a:ext>
+                <a:ext uri="{C183D7F6-B498-43B3-948B-1728B52AA6E4}">
+                  <adec:decorative xmlns:adec="http://schemas.microsoft.com/office/drawing/2017/decorative" val="1"/>
+                </a:ext>
+              </a:extLst>
+            </p:cNvPr>
+            <p:cNvSpPr/>
+            <p:nvPr>
+              <p:extLst>
+                <p:ext uri="{386F3935-93C4-4BCD-93E2-E3B085C9AB24}">
+                  <p16:designElem xmlns:p16="http://schemas.microsoft.com/office/powerpoint/2015/main" val="1"/>
+                </p:ext>
+              </p:extLst>
+            </p:nvPr>
+          </p:nvSpPr>
+          <p:spPr>
+            <a:xfrm rot="5400000">
+              <a:off x="3100712" y="-3130481"/>
+              <a:ext cx="1519356" cy="7720782"/>
+            </a:xfrm>
+            <a:prstGeom prst="rect">
+              <a:avLst/>
+            </a:prstGeom>
+            <a:gradFill>
+              <a:gsLst>
+                <a:gs pos="29000">
+                  <a:schemeClr val="accent5">
+                    <a:lumMod val="60000"/>
+                    <a:lumOff val="40000"/>
+                    <a:alpha val="0"/>
+                  </a:schemeClr>
+                </a:gs>
+                <a:gs pos="100000">
+                  <a:schemeClr val="accent5">
+                    <a:lumMod val="75000"/>
+                  </a:schemeClr>
+                </a:gs>
+              </a:gsLst>
+              <a:lin ang="1200000" scaled="0"/>
+            </a:gradFill>
+            <a:ln>
+              <a:noFill/>
+            </a:ln>
+          </p:spPr>
+          <p:style>
+            <a:lnRef idx="2">
+              <a:schemeClr val="accent1">
+                <a:shade val="50000"/>
+              </a:schemeClr>
+            </a:lnRef>
+            <a:fillRef idx="1">
+              <a:schemeClr val="accent1"/>
+            </a:fillRef>
+            <a:effectRef idx="0">
+              <a:schemeClr val="accent1"/>
+            </a:effectRef>
+            <a:fontRef idx="minor">
+              <a:schemeClr val="lt1"/>
+            </a:fontRef>
+          </p:style>
+          <p:txBody>
+            <a:bodyPr rtlCol="0" anchor="ctr"/>
+            <a:lstStyle/>
+            <a:p>
+              <a:pPr algn="ctr"/>
+              <a:endParaRPr lang="en-US"/>
+            </a:p>
+          </p:txBody>
+        </p:sp>
+      </p:grpSp>
       <p:sp>
         <p:nvSpPr>
-          <p:cNvPr id="3" name="Subtitle 2">
-            <a:extLst>
-              <a:ext uri="{FF2B5EF4-FFF2-40B4-BE49-F238E27FC236}">
-                <a16:creationId xmlns:a16="http://schemas.microsoft.com/office/drawing/2014/main" id="{27DAD8B4-EA10-9105-0EBC-DD648210C3A0}"/>
-              </a:ext>
-            </a:extLst>
-          </p:cNvPr>
-          <p:cNvSpPr>
-            <a:spLocks noGrp="1"/>
-          </p:cNvSpPr>
-          <p:nvPr>
-            <p:ph type="subTitle" idx="1"/>
-          </p:nvPr>
+          <p:cNvPr id="4" name="TextBox 3">
+            <a:extLst>
+              <a:ext uri="{FF2B5EF4-FFF2-40B4-BE49-F238E27FC236}">
+                <a16:creationId xmlns:a16="http://schemas.microsoft.com/office/drawing/2014/main" id="{520052C3-8332-88F8-1B83-FC0A850102EF}"/>
+              </a:ext>
+            </a:extLst>
+          </p:cNvPr>
+          <p:cNvSpPr txBox="1"/>
+          <p:nvPr/>
         </p:nvSpPr>
-        <p:spPr/>
+        <p:spPr>
+          <a:xfrm>
+            <a:off x="876691" y="301843"/>
+            <a:ext cx="10477109" cy="1003532"/>
+          </a:xfrm>
+          <a:prstGeom prst="rect">
+            <a:avLst/>
+          </a:prstGeom>
+        </p:spPr>
         <p:txBody>
-          <a:bodyPr/>
+          <a:bodyPr rot="0" spcFirstLastPara="0" vertOverflow="overflow" horzOverflow="overflow" vert="horz" lIns="91440" tIns="45720" rIns="91440" bIns="45720" numCol="1" spcCol="0" rtlCol="0" fromWordArt="0" anchor="ctr" anchorCtr="0" forceAA="0" compatLnSpc="1">
+            <a:prstTxWarp prst="textNoShape">
+              <a:avLst/>
+            </a:prstTxWarp>
+            <a:normAutofit/>
+          </a:bodyPr>
           <a:lstStyle/>
           <a:p>
-            <a:endParaRPr lang="en-US" dirty="0"/>
+            <a:pPr>
+              <a:lnSpc>
+                <a:spcPct val="90000"/>
+              </a:lnSpc>
+              <a:spcBef>
+                <a:spcPct val="0"/>
+              </a:spcBef>
+              <a:spcAft>
+                <a:spcPts val="600"/>
+              </a:spcAft>
+            </a:pPr>
+            <a:r>
+              <a:rPr lang="en-US" sz="3200" b="1" kern="1200" dirty="0">
+                <a:solidFill>
+                  <a:srgbClr val="FFFFFF"/>
+                </a:solidFill>
+                <a:latin typeface="+mj-lt"/>
+                <a:ea typeface="+mj-ea"/>
+                <a:cs typeface="+mj-cs"/>
+              </a:rPr>
+              <a:t>Data Exploration</a:t>
+            </a:r>
+            <a:r>
+              <a:rPr lang="en-US" sz="3200" b="1">
+                <a:solidFill>
+                  <a:srgbClr val="FFFFFF"/>
+                </a:solidFill>
+                <a:latin typeface="+mj-lt"/>
+                <a:ea typeface="+mj-ea"/>
+                <a:cs typeface="+mj-cs"/>
+              </a:rPr>
+              <a:t> – Confusion Matrix</a:t>
+            </a:r>
+            <a:endParaRPr lang="en-US" sz="3200" b="1" kern="1200" dirty="0">
+              <a:solidFill>
+                <a:srgbClr val="FFFFFF"/>
+              </a:solidFill>
+              <a:latin typeface="+mj-lt"/>
+              <a:ea typeface="+mj-ea"/>
+              <a:cs typeface="+mj-cs"/>
+            </a:endParaRPr>
+          </a:p>
+        </p:txBody>
+      </p:sp>
+      <p:pic>
+        <p:nvPicPr>
+          <p:cNvPr id="6" name="Picture 5" descr="A blue and white graph&#10;&#10;Description automatically generated">
+            <a:extLst>
+              <a:ext uri="{FF2B5EF4-FFF2-40B4-BE49-F238E27FC236}">
+                <a16:creationId xmlns:a16="http://schemas.microsoft.com/office/drawing/2014/main" id="{815F8F7D-68CC-D021-2B96-CAFE27766E94}"/>
+              </a:ext>
+            </a:extLst>
+          </p:cNvPr>
+          <p:cNvPicPr>
+            <a:picLocks noChangeAspect="1"/>
+          </p:cNvPicPr>
+          <p:nvPr/>
+        </p:nvPicPr>
+        <p:blipFill>
+          <a:blip r:embed="rId2"/>
+          <a:stretch>
+            <a:fillRect/>
+          </a:stretch>
+        </p:blipFill>
+        <p:spPr>
+          <a:xfrm>
+            <a:off x="2954594" y="4189533"/>
+            <a:ext cx="2743200" cy="2288935"/>
+          </a:xfrm>
+          <a:prstGeom prst="rect">
+            <a:avLst/>
+          </a:prstGeom>
+        </p:spPr>
+      </p:pic>
+      <p:pic>
+        <p:nvPicPr>
+          <p:cNvPr id="13" name="Picture 12" descr="A graph showing a tree confusion matrix&#10;&#10;Description automatically generated">
+            <a:extLst>
+              <a:ext uri="{FF2B5EF4-FFF2-40B4-BE49-F238E27FC236}">
+                <a16:creationId xmlns:a16="http://schemas.microsoft.com/office/drawing/2014/main" id="{A2505EAE-271E-6064-7143-ED56A6E043A6}"/>
+              </a:ext>
+            </a:extLst>
+          </p:cNvPr>
+          <p:cNvPicPr>
+            <a:picLocks noChangeAspect="1"/>
+          </p:cNvPicPr>
+          <p:nvPr/>
+        </p:nvPicPr>
+        <p:blipFill>
+          <a:blip r:embed="rId3"/>
+          <a:stretch>
+            <a:fillRect/>
+          </a:stretch>
+        </p:blipFill>
+        <p:spPr>
+          <a:xfrm>
+            <a:off x="2954594" y="1719178"/>
+            <a:ext cx="2743200" cy="2288935"/>
+          </a:xfrm>
+          <a:prstGeom prst="rect">
+            <a:avLst/>
+          </a:prstGeom>
+        </p:spPr>
+      </p:pic>
+      <p:pic>
+        <p:nvPicPr>
+          <p:cNvPr id="14" name="Picture 13" descr="A blue and white graph&#10;&#10;Description automatically generated">
+            <a:extLst>
+              <a:ext uri="{FF2B5EF4-FFF2-40B4-BE49-F238E27FC236}">
+                <a16:creationId xmlns:a16="http://schemas.microsoft.com/office/drawing/2014/main" id="{6F92B8B4-C544-D47B-FACF-3A39FDFA0F09}"/>
+              </a:ext>
+            </a:extLst>
+          </p:cNvPr>
+          <p:cNvPicPr>
+            <a:picLocks noChangeAspect="1"/>
+          </p:cNvPicPr>
+          <p:nvPr/>
+        </p:nvPicPr>
+        <p:blipFill>
+          <a:blip r:embed="rId4"/>
+          <a:stretch>
+            <a:fillRect/>
+          </a:stretch>
+        </p:blipFill>
+        <p:spPr>
+          <a:xfrm>
+            <a:off x="5805948" y="4201824"/>
+            <a:ext cx="2743200" cy="2288935"/>
+          </a:xfrm>
+          <a:prstGeom prst="rect">
+            <a:avLst/>
+          </a:prstGeom>
+        </p:spPr>
+      </p:pic>
+      <p:pic>
+        <p:nvPicPr>
+          <p:cNvPr id="15" name="Picture 14">
+            <a:extLst>
+              <a:ext uri="{FF2B5EF4-FFF2-40B4-BE49-F238E27FC236}">
+                <a16:creationId xmlns:a16="http://schemas.microsoft.com/office/drawing/2014/main" id="{2A437263-B67C-5059-A94A-5AD36BE02DE1}"/>
+              </a:ext>
+            </a:extLst>
+          </p:cNvPr>
+          <p:cNvPicPr>
+            <a:picLocks noChangeAspect="1"/>
+          </p:cNvPicPr>
+          <p:nvPr/>
+        </p:nvPicPr>
+        <p:blipFill>
+          <a:blip r:embed="rId5"/>
+          <a:stretch>
+            <a:fillRect/>
+          </a:stretch>
+        </p:blipFill>
+        <p:spPr>
+          <a:xfrm>
+            <a:off x="103239" y="4200446"/>
+            <a:ext cx="2743200" cy="2267107"/>
+          </a:xfrm>
+          <a:prstGeom prst="rect">
+            <a:avLst/>
+          </a:prstGeom>
+        </p:spPr>
+      </p:pic>
+      <p:pic>
+        <p:nvPicPr>
+          <p:cNvPr id="16" name="Picture 15" descr="A blue squares with white text&#10;&#10;Description automatically generated">
+            <a:extLst>
+              <a:ext uri="{FF2B5EF4-FFF2-40B4-BE49-F238E27FC236}">
+                <a16:creationId xmlns:a16="http://schemas.microsoft.com/office/drawing/2014/main" id="{7DC0429E-C27E-F086-F83A-9D41AE8FE881}"/>
+              </a:ext>
+            </a:extLst>
+          </p:cNvPr>
+          <p:cNvPicPr>
+            <a:picLocks noChangeAspect="1"/>
+          </p:cNvPicPr>
+          <p:nvPr/>
+        </p:nvPicPr>
+        <p:blipFill>
+          <a:blip r:embed="rId6"/>
+          <a:stretch>
+            <a:fillRect/>
+          </a:stretch>
+        </p:blipFill>
+        <p:spPr>
+          <a:xfrm>
+            <a:off x="5707626" y="1773801"/>
+            <a:ext cx="2743200" cy="2228850"/>
+          </a:xfrm>
+          <a:prstGeom prst="rect">
+            <a:avLst/>
+          </a:prstGeom>
+        </p:spPr>
+      </p:pic>
+      <p:pic>
+        <p:nvPicPr>
+          <p:cNvPr id="21" name="Picture 20" descr="A graph showing a logistic regression confusion matrix&#10;&#10;Description automatically generated">
+            <a:extLst>
+              <a:ext uri="{FF2B5EF4-FFF2-40B4-BE49-F238E27FC236}">
+                <a16:creationId xmlns:a16="http://schemas.microsoft.com/office/drawing/2014/main" id="{F09B2506-0D25-6E88-3AA2-5E1DCE60EA5D}"/>
+              </a:ext>
+            </a:extLst>
+          </p:cNvPr>
+          <p:cNvPicPr>
+            <a:picLocks noChangeAspect="1"/>
+          </p:cNvPicPr>
+          <p:nvPr/>
+        </p:nvPicPr>
+        <p:blipFill>
+          <a:blip r:embed="rId7"/>
+          <a:stretch>
+            <a:fillRect/>
+          </a:stretch>
+        </p:blipFill>
+        <p:spPr>
+          <a:xfrm>
+            <a:off x="103239" y="1719178"/>
+            <a:ext cx="2743200" cy="2288935"/>
+          </a:xfrm>
+          <a:prstGeom prst="rect">
+            <a:avLst/>
+          </a:prstGeom>
+        </p:spPr>
+      </p:pic>
+      <p:pic>
+        <p:nvPicPr>
+          <p:cNvPr id="22" name="Picture 21" descr="A graph of a random forest confusion matrix&#10;&#10;Description automatically generated">
+            <a:extLst>
+              <a:ext uri="{FF2B5EF4-FFF2-40B4-BE49-F238E27FC236}">
+                <a16:creationId xmlns:a16="http://schemas.microsoft.com/office/drawing/2014/main" id="{94A50F37-C1C9-A48A-B8F5-B7395B8FF550}"/>
+              </a:ext>
+            </a:extLst>
+          </p:cNvPr>
+          <p:cNvPicPr>
+            <a:picLocks noChangeAspect="1"/>
+          </p:cNvPicPr>
+          <p:nvPr/>
+        </p:nvPicPr>
+        <p:blipFill>
+          <a:blip r:embed="rId8"/>
+          <a:stretch>
+            <a:fillRect/>
+          </a:stretch>
+        </p:blipFill>
+        <p:spPr>
+          <a:xfrm>
+            <a:off x="8866239" y="1719177"/>
+            <a:ext cx="2743200" cy="2288935"/>
+          </a:xfrm>
+          <a:prstGeom prst="rect">
+            <a:avLst/>
+          </a:prstGeom>
+        </p:spPr>
+      </p:pic>
+      <p:sp>
+        <p:nvSpPr>
+          <p:cNvPr id="23" name="TextBox 22">
+            <a:extLst>
+              <a:ext uri="{FF2B5EF4-FFF2-40B4-BE49-F238E27FC236}">
+                <a16:creationId xmlns:a16="http://schemas.microsoft.com/office/drawing/2014/main" id="{970A4E69-0173-0236-0E34-0A52AE831901}"/>
+              </a:ext>
+            </a:extLst>
+          </p:cNvPr>
+          <p:cNvSpPr txBox="1"/>
+          <p:nvPr/>
+        </p:nvSpPr>
+        <p:spPr>
+          <a:xfrm>
+            <a:off x="9008806" y="4338484"/>
+            <a:ext cx="2458064" cy="1938992"/>
+          </a:xfrm>
+          <a:prstGeom prst="rect">
+            <a:avLst/>
+          </a:prstGeom>
+          <a:noFill/>
+        </p:spPr>
+        <p:txBody>
+          <a:bodyPr rot="0" spcFirstLastPara="0" vertOverflow="overflow" horzOverflow="overflow" vert="horz" wrap="square" lIns="91440" tIns="45720" rIns="91440" bIns="45720" numCol="1" spcCol="0" rtlCol="0" fromWordArt="0" anchor="t" anchorCtr="0" forceAA="0" compatLnSpc="1">
+            <a:prstTxWarp prst="textNoShape">
+              <a:avLst/>
+            </a:prstTxWarp>
+            <a:spAutoFit/>
+          </a:bodyPr>
+          <a:lstStyle/>
+          <a:p>
+            <a:pPr algn="l"/>
+            <a:r>
+              <a:rPr lang="en-US" sz="2000">
+                <a:latin typeface="Times New Roman"/>
+                <a:cs typeface="Times New Roman"/>
+              </a:rPr>
+              <a:t>The Random Forest appears to have relatively better overall performance compared to the other algorithms.</a:t>
+            </a:r>
+            <a:endParaRPr lang="en-US" sz="2000">
+              <a:latin typeface="Times New Roman"/>
+              <a:ea typeface="Calibri"/>
+              <a:cs typeface="Times New Roman"/>
+            </a:endParaRPr>
           </a:p>
         </p:txBody>
       </p:sp>
     </p:spTree>
     <p:extLst>
       <p:ext uri="{BB962C8B-B14F-4D97-AF65-F5344CB8AC3E}">
-        <p14:creationId xmlns:p14="http://schemas.microsoft.com/office/powerpoint/2010/main" val="307816584"/>
+        <p14:creationId xmlns:p14="http://schemas.microsoft.com/office/powerpoint/2010/main" val="3595791110"/>
       </p:ext>
     </p:extLst>
   </p:cSld>
@@ -4764,4 +10607,299 @@
     </a:ext>
   </a:extLst>
 </a:theme>
+</file>
+
+<file path=ppt/theme/theme2.xml><?xml version="1.0" encoding="utf-8"?>
+<a:theme xmlns:a="http://schemas.openxmlformats.org/drawingml/2006/main" name="Office Theme">
+  <a:themeElements>
+    <a:clrScheme name="Office">
+      <a:dk1>
+        <a:sysClr val="windowText" lastClr="000000"/>
+      </a:dk1>
+      <a:lt1>
+        <a:sysClr val="window" lastClr="FFFFFF"/>
+      </a:lt1>
+      <a:dk2>
+        <a:srgbClr val="44546A"/>
+      </a:dk2>
+      <a:lt2>
+        <a:srgbClr val="E7E6E6"/>
+      </a:lt2>
+      <a:accent1>
+        <a:srgbClr val="4472C4"/>
+      </a:accent1>
+      <a:accent2>
+        <a:srgbClr val="ED7D31"/>
+      </a:accent2>
+      <a:accent3>
+        <a:srgbClr val="A5A5A5"/>
+      </a:accent3>
+      <a:accent4>
+        <a:srgbClr val="FFC000"/>
+      </a:accent4>
+      <a:accent5>
+        <a:srgbClr val="5B9BD5"/>
+      </a:accent5>
+      <a:accent6>
+        <a:srgbClr val="70AD47"/>
+      </a:accent6>
+      <a:hlink>
+        <a:srgbClr val="0563C1"/>
+      </a:hlink>
+      <a:folHlink>
+        <a:srgbClr val="954F72"/>
+      </a:folHlink>
+    </a:clrScheme>
+    <a:fontScheme name="Office">
+      <a:majorFont>
+        <a:latin typeface="Calibri Light" panose="020F0302020204030204"/>
+        <a:ea typeface=""/>
+        <a:cs typeface=""/>
+        <a:font script="Jpan" typeface="游ゴシック Light"/>
+        <a:font script="Hang" typeface="맑은 고딕"/>
+        <a:font script="Hans" typeface="等线 Light"/>
+        <a:font script="Hant" typeface="新細明體"/>
+        <a:font script="Arab" typeface="Times New Roman"/>
+        <a:font script="Hebr" typeface="Times New Roman"/>
+        <a:font script="Thai" typeface="Angsana New"/>
+        <a:font script="Ethi" typeface="Nyala"/>
+        <a:font script="Beng" typeface="Vrinda"/>
+        <a:font script="Gujr" typeface="Shruti"/>
+        <a:font script="Khmr" typeface="MoolBoran"/>
+        <a:font script="Knda" typeface="Tunga"/>
+        <a:font script="Guru" typeface="Raavi"/>
+        <a:font script="Cans" typeface="Euphemia"/>
+        <a:font script="Cher" typeface="Plantagenet Cherokee"/>
+        <a:font script="Yiii" typeface="Microsoft Yi Baiti"/>
+        <a:font script="Tibt" typeface="Microsoft Himalaya"/>
+        <a:font script="Thaa" typeface="MV Boli"/>
+        <a:font script="Deva" typeface="Mangal"/>
+        <a:font script="Telu" typeface="Gautami"/>
+        <a:font script="Taml" typeface="Latha"/>
+        <a:font script="Syrc" typeface="Estrangelo Edessa"/>
+        <a:font script="Orya" typeface="Kalinga"/>
+        <a:font script="Mlym" typeface="Kartika"/>
+        <a:font script="Laoo" typeface="DokChampa"/>
+        <a:font script="Sinh" typeface="Iskoola Pota"/>
+        <a:font script="Mong" typeface="Mongolian Baiti"/>
+        <a:font script="Viet" typeface="Times New Roman"/>
+        <a:font script="Uigh" typeface="Microsoft Uighur"/>
+        <a:font script="Geor" typeface="Sylfaen"/>
+        <a:font script="Armn" typeface="Arial"/>
+        <a:font script="Bugi" typeface="Leelawadee UI"/>
+        <a:font script="Bopo" typeface="Microsoft JhengHei"/>
+        <a:font script="Java" typeface="Javanese Text"/>
+        <a:font script="Lisu" typeface="Segoe UI"/>
+        <a:font script="Mymr" typeface="Myanmar Text"/>
+        <a:font script="Nkoo" typeface="Ebrima"/>
+        <a:font script="Olck" typeface="Nirmala UI"/>
+        <a:font script="Osma" typeface="Ebrima"/>
+        <a:font script="Phag" typeface="Phagspa"/>
+        <a:font script="Syrn" typeface="Estrangelo Edessa"/>
+        <a:font script="Syrj" typeface="Estrangelo Edessa"/>
+        <a:font script="Syre" typeface="Estrangelo Edessa"/>
+        <a:font script="Sora" typeface="Nirmala UI"/>
+        <a:font script="Tale" typeface="Microsoft Tai Le"/>
+        <a:font script="Talu" typeface="Microsoft New Tai Lue"/>
+        <a:font script="Tfng" typeface="Ebrima"/>
+      </a:majorFont>
+      <a:minorFont>
+        <a:latin typeface="Calibri" panose="020F0502020204030204"/>
+        <a:ea typeface=""/>
+        <a:cs typeface=""/>
+        <a:font script="Jpan" typeface="游ゴシック"/>
+        <a:font script="Hang" typeface="맑은 고딕"/>
+        <a:font script="Hans" typeface="等线"/>
+        <a:font script="Hant" typeface="新細明體"/>
+        <a:font script="Arab" typeface="Arial"/>
+        <a:font script="Hebr" typeface="Arial"/>
+        <a:font script="Thai" typeface="Cordia New"/>
+        <a:font script="Ethi" typeface="Nyala"/>
+        <a:font script="Beng" typeface="Vrinda"/>
+        <a:font script="Gujr" typeface="Shruti"/>
+        <a:font script="Khmr" typeface="DaunPenh"/>
+        <a:font script="Knda" typeface="Tunga"/>
+        <a:font script="Guru" typeface="Raavi"/>
+        <a:font script="Cans" typeface="Euphemia"/>
+        <a:font script="Cher" typeface="Plantagenet Cherokee"/>
+        <a:font script="Yiii" typeface="Microsoft Yi Baiti"/>
+        <a:font script="Tibt" typeface="Microsoft Himalaya"/>
+        <a:font script="Thaa" typeface="MV Boli"/>
+        <a:font script="Deva" typeface="Mangal"/>
+        <a:font script="Telu" typeface="Gautami"/>
+        <a:font script="Taml" typeface="Latha"/>
+        <a:font script="Syrc" typeface="Estrangelo Edessa"/>
+        <a:font script="Orya" typeface="Kalinga"/>
+        <a:font script="Mlym" typeface="Kartika"/>
+        <a:font script="Laoo" typeface="DokChampa"/>
+        <a:font script="Sinh" typeface="Iskoola Pota"/>
+        <a:font script="Mong" typeface="Mongolian Baiti"/>
+        <a:font script="Viet" typeface="Arial"/>
+        <a:font script="Uigh" typeface="Microsoft Uighur"/>
+        <a:font script="Geor" typeface="Sylfaen"/>
+        <a:font script="Armn" typeface="Arial"/>
+        <a:font script="Bugi" typeface="Leelawadee UI"/>
+        <a:font script="Bopo" typeface="Microsoft JhengHei"/>
+        <a:font script="Java" typeface="Javanese Text"/>
+        <a:font script="Lisu" typeface="Segoe UI"/>
+        <a:font script="Mymr" typeface="Myanmar Text"/>
+        <a:font script="Nkoo" typeface="Ebrima"/>
+        <a:font script="Olck" typeface="Nirmala UI"/>
+        <a:font script="Osma" typeface="Ebrima"/>
+        <a:font script="Phag" typeface="Phagspa"/>
+        <a:font script="Syrn" typeface="Estrangelo Edessa"/>
+        <a:font script="Syrj" typeface="Estrangelo Edessa"/>
+        <a:font script="Syre" typeface="Estrangelo Edessa"/>
+        <a:font script="Sora" typeface="Nirmala UI"/>
+        <a:font script="Tale" typeface="Microsoft Tai Le"/>
+        <a:font script="Talu" typeface="Microsoft New Tai Lue"/>
+        <a:font script="Tfng" typeface="Ebrima"/>
+      </a:minorFont>
+    </a:fontScheme>
+    <a:fmtScheme name="Office">
+      <a:fillStyleLst>
+        <a:solidFill>
+          <a:schemeClr val="phClr"/>
+        </a:solidFill>
+        <a:gradFill rotWithShape="1">
+          <a:gsLst>
+            <a:gs pos="0">
+              <a:schemeClr val="phClr">
+                <a:lumMod val="110000"/>
+                <a:satMod val="105000"/>
+                <a:tint val="67000"/>
+              </a:schemeClr>
+            </a:gs>
+            <a:gs pos="50000">
+              <a:schemeClr val="phClr">
+                <a:lumMod val="105000"/>
+                <a:satMod val="103000"/>
+                <a:tint val="73000"/>
+              </a:schemeClr>
+            </a:gs>
+            <a:gs pos="100000">
+              <a:schemeClr val="phClr">
+                <a:lumMod val="105000"/>
+                <a:satMod val="109000"/>
+                <a:tint val="81000"/>
+              </a:schemeClr>
+            </a:gs>
+          </a:gsLst>
+          <a:lin ang="5400000" scaled="0"/>
+        </a:gradFill>
+        <a:gradFill rotWithShape="1">
+          <a:gsLst>
+            <a:gs pos="0">
+              <a:schemeClr val="phClr">
+                <a:satMod val="103000"/>
+                <a:lumMod val="102000"/>
+                <a:tint val="94000"/>
+              </a:schemeClr>
+            </a:gs>
+            <a:gs pos="50000">
+              <a:schemeClr val="phClr">
+                <a:satMod val="110000"/>
+                <a:lumMod val="100000"/>
+                <a:shade val="100000"/>
+              </a:schemeClr>
+            </a:gs>
+            <a:gs pos="100000">
+              <a:schemeClr val="phClr">
+                <a:lumMod val="99000"/>
+                <a:satMod val="120000"/>
+                <a:shade val="78000"/>
+              </a:schemeClr>
+            </a:gs>
+          </a:gsLst>
+          <a:lin ang="5400000" scaled="0"/>
+        </a:gradFill>
+      </a:fillStyleLst>
+      <a:lnStyleLst>
+        <a:ln w="6350" cap="flat" cmpd="sng" algn="ctr">
+          <a:solidFill>
+            <a:schemeClr val="phClr"/>
+          </a:solidFill>
+          <a:prstDash val="solid"/>
+          <a:miter lim="800000"/>
+        </a:ln>
+        <a:ln w="12700" cap="flat" cmpd="sng" algn="ctr">
+          <a:solidFill>
+            <a:schemeClr val="phClr"/>
+          </a:solidFill>
+          <a:prstDash val="solid"/>
+          <a:miter lim="800000"/>
+        </a:ln>
+        <a:ln w="19050" cap="flat" cmpd="sng" algn="ctr">
+          <a:solidFill>
+            <a:schemeClr val="phClr"/>
+          </a:solidFill>
+          <a:prstDash val="solid"/>
+          <a:miter lim="800000"/>
+        </a:ln>
+      </a:lnStyleLst>
+      <a:effectStyleLst>
+        <a:effectStyle>
+          <a:effectLst/>
+        </a:effectStyle>
+        <a:effectStyle>
+          <a:effectLst/>
+        </a:effectStyle>
+        <a:effectStyle>
+          <a:effectLst>
+            <a:outerShdw blurRad="57150" dist="19050" dir="5400000" algn="ctr" rotWithShape="0">
+              <a:srgbClr val="000000">
+                <a:alpha val="63000"/>
+              </a:srgbClr>
+            </a:outerShdw>
+          </a:effectLst>
+        </a:effectStyle>
+      </a:effectStyleLst>
+      <a:bgFillStyleLst>
+        <a:solidFill>
+          <a:schemeClr val="phClr"/>
+        </a:solidFill>
+        <a:solidFill>
+          <a:schemeClr val="phClr">
+            <a:tint val="95000"/>
+            <a:satMod val="170000"/>
+          </a:schemeClr>
+        </a:solidFill>
+        <a:gradFill rotWithShape="1">
+          <a:gsLst>
+            <a:gs pos="0">
+              <a:schemeClr val="phClr">
+                <a:tint val="93000"/>
+                <a:satMod val="150000"/>
+                <a:shade val="98000"/>
+                <a:lumMod val="102000"/>
+              </a:schemeClr>
+            </a:gs>
+            <a:gs pos="50000">
+              <a:schemeClr val="phClr">
+                <a:tint val="98000"/>
+                <a:satMod val="130000"/>
+                <a:shade val="90000"/>
+                <a:lumMod val="103000"/>
+              </a:schemeClr>
+            </a:gs>
+            <a:gs pos="100000">
+              <a:schemeClr val="phClr">
+                <a:shade val="63000"/>
+                <a:satMod val="120000"/>
+              </a:schemeClr>
+            </a:gs>
+          </a:gsLst>
+          <a:lin ang="5400000" scaled="0"/>
+        </a:gradFill>
+      </a:bgFillStyleLst>
+    </a:fmtScheme>
+  </a:themeElements>
+  <a:objectDefaults/>
+  <a:extraClrSchemeLst/>
+  <a:extLst>
+    <a:ext uri="{05A4C25C-085E-4340-85A3-A5531E510DB2}">
+      <thm15:themeFamily xmlns:thm15="http://schemas.microsoft.com/office/thememl/2012/main" name="Office Theme" id="{62F939B6-93AF-4DB8-9C6B-D6C7DFDC589F}" vid="{4A3C46E8-61CC-4603-A589-7422A47A8E4A}"/>
+    </a:ext>
+  </a:extLst>
+</a:theme>
 </file>